--- a/Ppt-Final.pptx
+++ b/Ppt-Final.pptx
@@ -137,7 +137,7 @@
   </p:defaultTextStyle>
   <p:extLst>
     <p:ext uri="{EFAFB233-063F-42B5-8137-9DF3F51BA10A}">
-      <p15:sldGuideLst xmlns:p15="http://schemas.microsoft.com/office/powerpoint/2012/main" xmlns="">
+      <p15:sldGuideLst xmlns="" xmlns:p15="http://schemas.microsoft.com/office/powerpoint/2012/main">
         <p15:guide id="1" orient="horz" pos="2160">
           <p15:clr>
             <a:srgbClr val="A4A3A4"/>
@@ -9332,19 +9332,19 @@
     </dgm:pt>
   </dgm:ptLst>
   <dgm:cxnLst>
+    <dgm:cxn modelId="{C54A608E-21D2-43AA-B51B-DEF0F85C137B}" srcId="{27FA57F4-188E-4BD9-8285-85AC9430C1CA}" destId="{A1B118FD-1FEB-4C32-90A6-C74FF73ACC39}" srcOrd="0" destOrd="0" parTransId="{5DB2BB6F-623C-4D2B-9BAF-DCD48CD1A9C5}" sibTransId="{8DA34FC6-56B2-4413-80C1-1BB77F092E34}"/>
+    <dgm:cxn modelId="{3CCA7E8F-9E1A-48EA-BA14-0A763B20D42D}" srcId="{41EDC0B5-5B2E-40F6-A795-26759C403F93}" destId="{00AA778E-02C5-4AB7-94AA-A238D1ABCE99}" srcOrd="1" destOrd="0" parTransId="{29E54D22-60C7-46BE-9AFD-CA81944A36C4}" sibTransId="{7D102F0B-EB58-4562-BF14-F927D2AC4478}"/>
     <dgm:cxn modelId="{70816197-3CCD-4374-A787-AD50B6C98107}" srcId="{41EDC0B5-5B2E-40F6-A795-26759C403F93}" destId="{3B8C848E-B7C5-4BFA-9530-8B78A658DBF9}" srcOrd="0" destOrd="0" parTransId="{63492834-D0E4-41B4-B7F7-53FCFD5E2B26}" sibTransId="{A1BBA8FF-D579-4E2A-8000-37E8226C6F13}"/>
+    <dgm:cxn modelId="{83FF0B91-87EB-4F13-84AB-6C3D5FB7D2A5}" srcId="{41EDC0B5-5B2E-40F6-A795-26759C403F93}" destId="{27FA57F4-188E-4BD9-8285-85AC9430C1CA}" srcOrd="2" destOrd="0" parTransId="{EEDFEE3B-048B-4931-9733-606A3F23765B}" sibTransId="{8FFD755D-67E9-46A2-940B-D8AAEE3A428A}"/>
+    <dgm:cxn modelId="{972DCC70-CC7D-4C0D-B235-59E3598EF66A}" srcId="{3B8C848E-B7C5-4BFA-9530-8B78A658DBF9}" destId="{3522712F-F43A-4175-BE83-10EA01740169}" srcOrd="0" destOrd="0" parTransId="{9E1B4B29-EEF3-45C0-9878-1588634F9605}" sibTransId="{EC03DB40-A835-4E7C-BD1B-9A73530AE7D6}"/>
+    <dgm:cxn modelId="{FE52B234-DDA2-41A4-A0FB-8C00997A6DC9}" type="presOf" srcId="{A1B118FD-1FEB-4C32-90A6-C74FF73ACC39}" destId="{2C1EC8B9-85E5-46D8-A0E1-9621919A32B4}" srcOrd="0" destOrd="0" presId="urn:microsoft.com/office/officeart/2005/8/layout/target2"/>
+    <dgm:cxn modelId="{50090F85-38F3-4F38-9C95-0E87B537E31A}" type="presOf" srcId="{27FA57F4-188E-4BD9-8285-85AC9430C1CA}" destId="{A5A6D88A-617E-417D-BD7B-EBF9A20413FC}" srcOrd="0" destOrd="0" presId="urn:microsoft.com/office/officeart/2005/8/layout/target2"/>
+    <dgm:cxn modelId="{48FAC39E-92B9-4C02-B497-F47EA4BC281E}" type="presOf" srcId="{E050978C-0D9B-48B8-B177-C3932AA7913C}" destId="{003ADD9F-4AC4-45B5-8DD6-EC81A27549EB}" srcOrd="0" destOrd="0" presId="urn:microsoft.com/office/officeart/2005/8/layout/target2"/>
+    <dgm:cxn modelId="{852D2E0A-BBFF-4CF9-86C8-AA48801398EE}" type="presOf" srcId="{00AA778E-02C5-4AB7-94AA-A238D1ABCE99}" destId="{ADD3C99B-AFC3-47B1-A4DF-7A75CC6ABE97}" srcOrd="0" destOrd="0" presId="urn:microsoft.com/office/officeart/2005/8/layout/target2"/>
+    <dgm:cxn modelId="{A64CD332-3C8D-4E29-BBA4-ACA4A5C70894}" type="presOf" srcId="{3B8C848E-B7C5-4BFA-9530-8B78A658DBF9}" destId="{BFCD2251-09FB-4193-82AE-20E41AABECB4}" srcOrd="0" destOrd="0" presId="urn:microsoft.com/office/officeart/2005/8/layout/target2"/>
+    <dgm:cxn modelId="{3005B341-3B26-4ADD-85E4-C5EDCE0C9E20}" type="presOf" srcId="{3522712F-F43A-4175-BE83-10EA01740169}" destId="{B75B4B1B-09EA-44A0-A091-652EBDE0EA98}" srcOrd="0" destOrd="0" presId="urn:microsoft.com/office/officeart/2005/8/layout/target2"/>
+    <dgm:cxn modelId="{C8C2BECC-9D45-4EA0-8AC7-5375EB5F3EB6}" srcId="{00AA778E-02C5-4AB7-94AA-A238D1ABCE99}" destId="{E050978C-0D9B-48B8-B177-C3932AA7913C}" srcOrd="0" destOrd="0" parTransId="{BB79AFD7-3839-453A-8EB2-A52F965A8C76}" sibTransId="{D22D7724-B8DF-454F-9C7C-F4D3FEA5F73C}"/>
     <dgm:cxn modelId="{75D2E0ED-99D5-44BB-AB4D-0F23545695CF}" type="presOf" srcId="{41EDC0B5-5B2E-40F6-A795-26759C403F93}" destId="{5DC2A2A4-321E-49F3-87D9-1E402D63144A}" srcOrd="0" destOrd="0" presId="urn:microsoft.com/office/officeart/2005/8/layout/target2"/>
-    <dgm:cxn modelId="{C8C2BECC-9D45-4EA0-8AC7-5375EB5F3EB6}" srcId="{00AA778E-02C5-4AB7-94AA-A238D1ABCE99}" destId="{E050978C-0D9B-48B8-B177-C3932AA7913C}" srcOrd="0" destOrd="0" parTransId="{BB79AFD7-3839-453A-8EB2-A52F965A8C76}" sibTransId="{D22D7724-B8DF-454F-9C7C-F4D3FEA5F73C}"/>
-    <dgm:cxn modelId="{3005B341-3B26-4ADD-85E4-C5EDCE0C9E20}" type="presOf" srcId="{3522712F-F43A-4175-BE83-10EA01740169}" destId="{B75B4B1B-09EA-44A0-A091-652EBDE0EA98}" srcOrd="0" destOrd="0" presId="urn:microsoft.com/office/officeart/2005/8/layout/target2"/>
-    <dgm:cxn modelId="{972DCC70-CC7D-4C0D-B235-59E3598EF66A}" srcId="{3B8C848E-B7C5-4BFA-9530-8B78A658DBF9}" destId="{3522712F-F43A-4175-BE83-10EA01740169}" srcOrd="0" destOrd="0" parTransId="{9E1B4B29-EEF3-45C0-9878-1588634F9605}" sibTransId="{EC03DB40-A835-4E7C-BD1B-9A73530AE7D6}"/>
-    <dgm:cxn modelId="{50090F85-38F3-4F38-9C95-0E87B537E31A}" type="presOf" srcId="{27FA57F4-188E-4BD9-8285-85AC9430C1CA}" destId="{A5A6D88A-617E-417D-BD7B-EBF9A20413FC}" srcOrd="0" destOrd="0" presId="urn:microsoft.com/office/officeart/2005/8/layout/target2"/>
-    <dgm:cxn modelId="{FE52B234-DDA2-41A4-A0FB-8C00997A6DC9}" type="presOf" srcId="{A1B118FD-1FEB-4C32-90A6-C74FF73ACC39}" destId="{2C1EC8B9-85E5-46D8-A0E1-9621919A32B4}" srcOrd="0" destOrd="0" presId="urn:microsoft.com/office/officeart/2005/8/layout/target2"/>
-    <dgm:cxn modelId="{48FAC39E-92B9-4C02-B497-F47EA4BC281E}" type="presOf" srcId="{E050978C-0D9B-48B8-B177-C3932AA7913C}" destId="{003ADD9F-4AC4-45B5-8DD6-EC81A27549EB}" srcOrd="0" destOrd="0" presId="urn:microsoft.com/office/officeart/2005/8/layout/target2"/>
-    <dgm:cxn modelId="{83FF0B91-87EB-4F13-84AB-6C3D5FB7D2A5}" srcId="{41EDC0B5-5B2E-40F6-A795-26759C403F93}" destId="{27FA57F4-188E-4BD9-8285-85AC9430C1CA}" srcOrd="2" destOrd="0" parTransId="{EEDFEE3B-048B-4931-9733-606A3F23765B}" sibTransId="{8FFD755D-67E9-46A2-940B-D8AAEE3A428A}"/>
-    <dgm:cxn modelId="{3CCA7E8F-9E1A-48EA-BA14-0A763B20D42D}" srcId="{41EDC0B5-5B2E-40F6-A795-26759C403F93}" destId="{00AA778E-02C5-4AB7-94AA-A238D1ABCE99}" srcOrd="1" destOrd="0" parTransId="{29E54D22-60C7-46BE-9AFD-CA81944A36C4}" sibTransId="{7D102F0B-EB58-4562-BF14-F927D2AC4478}"/>
-    <dgm:cxn modelId="{852D2E0A-BBFF-4CF9-86C8-AA48801398EE}" type="presOf" srcId="{00AA778E-02C5-4AB7-94AA-A238D1ABCE99}" destId="{ADD3C99B-AFC3-47B1-A4DF-7A75CC6ABE97}" srcOrd="0" destOrd="0" presId="urn:microsoft.com/office/officeart/2005/8/layout/target2"/>
-    <dgm:cxn modelId="{C54A608E-21D2-43AA-B51B-DEF0F85C137B}" srcId="{27FA57F4-188E-4BD9-8285-85AC9430C1CA}" destId="{A1B118FD-1FEB-4C32-90A6-C74FF73ACC39}" srcOrd="0" destOrd="0" parTransId="{5DB2BB6F-623C-4D2B-9BAF-DCD48CD1A9C5}" sibTransId="{8DA34FC6-56B2-4413-80C1-1BB77F092E34}"/>
-    <dgm:cxn modelId="{A64CD332-3C8D-4E29-BBA4-ACA4A5C70894}" type="presOf" srcId="{3B8C848E-B7C5-4BFA-9530-8B78A658DBF9}" destId="{BFCD2251-09FB-4193-82AE-20E41AABECB4}" srcOrd="0" destOrd="0" presId="urn:microsoft.com/office/officeart/2005/8/layout/target2"/>
     <dgm:cxn modelId="{FBEA4A22-37AA-4D19-92F3-A05F7B4C4F3C}" type="presParOf" srcId="{5DC2A2A4-321E-49F3-87D9-1E402D63144A}" destId="{47ABF3AE-7C0F-4F37-99E7-26C498633561}" srcOrd="0" destOrd="0" presId="urn:microsoft.com/office/officeart/2005/8/layout/target2"/>
     <dgm:cxn modelId="{FBFC4953-E3A1-4666-AE1A-E9EA156A9741}" type="presParOf" srcId="{47ABF3AE-7C0F-4F37-99E7-26C498633561}" destId="{BFCD2251-09FB-4193-82AE-20E41AABECB4}" srcOrd="0" destOrd="0" presId="urn:microsoft.com/office/officeart/2005/8/layout/target2"/>
     <dgm:cxn modelId="{1C0CD012-4D6C-4F64-8494-29ED0B444B63}" type="presParOf" srcId="{47ABF3AE-7C0F-4F37-99E7-26C498633561}" destId="{40DC6C87-52FE-4881-A102-E1D5BF83157F}" srcOrd="1" destOrd="0" presId="urn:microsoft.com/office/officeart/2005/8/layout/target2"/>
@@ -10198,7 +10198,7 @@
       <dgm:spPr/>
     </dgm:pt>
     <dgm:pt modelId="{A20F3C8C-E339-442F-BFB1-AED22D284D12}" type="pres">
-      <dgm:prSet presAssocID="{13B0EFB1-F2E0-4197-B193-0C172E5A72D2}" presName="conn2-1" presStyleLbl="parChTrans1D3" presStyleIdx="0" presStyleCnt="1"/>
+      <dgm:prSet presAssocID="{13B0EFB1-F2E0-4197-B193-0C172E5A72D2}" presName="conn2-1" presStyleLbl="parChTrans1D3" presStyleIdx="0" presStyleCnt="2"/>
       <dgm:spPr/>
       <dgm:t>
         <a:bodyPr/>
@@ -10209,7 +10209,7 @@
       </dgm:t>
     </dgm:pt>
     <dgm:pt modelId="{73A5C523-173E-4689-B4B9-9FA66CA52E93}" type="pres">
-      <dgm:prSet presAssocID="{13B0EFB1-F2E0-4197-B193-0C172E5A72D2}" presName="connTx" presStyleLbl="parChTrans1D3" presStyleIdx="0" presStyleCnt="1"/>
+      <dgm:prSet presAssocID="{13B0EFB1-F2E0-4197-B193-0C172E5A72D2}" presName="connTx" presStyleLbl="parChTrans1D3" presStyleIdx="0" presStyleCnt="2"/>
       <dgm:spPr/>
       <dgm:t>
         <a:bodyPr/>
@@ -10224,7 +10224,7 @@
       <dgm:spPr/>
     </dgm:pt>
     <dgm:pt modelId="{F6BE6E96-4771-4198-B10E-7C2835266749}" type="pres">
-      <dgm:prSet presAssocID="{5E76C9D0-2F43-4501-8EA4-0216205B4D3A}" presName="LevelTwoTextNode" presStyleLbl="node3" presStyleIdx="0" presStyleCnt="1" custScaleX="123836" custScaleY="235242" custLinFactNeighborX="777" custLinFactNeighborY="3010">
+      <dgm:prSet presAssocID="{5E76C9D0-2F43-4501-8EA4-0216205B4D3A}" presName="LevelTwoTextNode" presStyleLbl="node3" presStyleIdx="0" presStyleCnt="2" custScaleX="123836" custScaleY="235242" custLinFactNeighborX="777" custLinFactNeighborY="3010">
         <dgm:presLayoutVars>
           <dgm:chPref val="3"/>
         </dgm:presLayoutVars>
@@ -10243,7 +10243,7 @@
       <dgm:spPr/>
     </dgm:pt>
     <dgm:pt modelId="{E319C12E-2397-406F-B6D4-2E69B6FC580F}" type="pres">
-      <dgm:prSet presAssocID="{D883DA68-49A1-42F0-8ABF-8B3D44C9B648}" presName="conn2-1" presStyleLbl="parChTrans1D4" presStyleIdx="0" presStyleCnt="2"/>
+      <dgm:prSet presAssocID="{D883DA68-49A1-42F0-8ABF-8B3D44C9B648}" presName="conn2-1" presStyleLbl="parChTrans1D4" presStyleIdx="0" presStyleCnt="1"/>
       <dgm:spPr/>
       <dgm:t>
         <a:bodyPr/>
@@ -10254,7 +10254,7 @@
       </dgm:t>
     </dgm:pt>
     <dgm:pt modelId="{C098B0DD-864F-4B96-9B18-5913998545ED}" type="pres">
-      <dgm:prSet presAssocID="{D883DA68-49A1-42F0-8ABF-8B3D44C9B648}" presName="connTx" presStyleLbl="parChTrans1D4" presStyleIdx="0" presStyleCnt="2"/>
+      <dgm:prSet presAssocID="{D883DA68-49A1-42F0-8ABF-8B3D44C9B648}" presName="connTx" presStyleLbl="parChTrans1D4" presStyleIdx="0" presStyleCnt="1"/>
       <dgm:spPr/>
       <dgm:t>
         <a:bodyPr/>
@@ -10269,7 +10269,7 @@
       <dgm:spPr/>
     </dgm:pt>
     <dgm:pt modelId="{55F096FD-EFF2-45B8-9081-EB515D3FD4FA}" type="pres">
-      <dgm:prSet presAssocID="{403266A9-EAD8-4BAD-A8FD-BE8D6D4845DE}" presName="LevelTwoTextNode" presStyleLbl="node4" presStyleIdx="0" presStyleCnt="2" custScaleX="116702" custScaleY="210840" custLinFactNeighborX="3366" custLinFactNeighborY="-43833">
+      <dgm:prSet presAssocID="{403266A9-EAD8-4BAD-A8FD-BE8D6D4845DE}" presName="LevelTwoTextNode" presStyleLbl="node4" presStyleIdx="0" presStyleCnt="1" custScaleX="116702" custScaleY="210840" custLinFactNeighborX="4086" custLinFactNeighborY="5164">
         <dgm:presLayoutVars>
           <dgm:chPref val="3"/>
         </dgm:presLayoutVars>
@@ -10288,7 +10288,7 @@
       <dgm:spPr/>
     </dgm:pt>
     <dgm:pt modelId="{83E4D291-21C1-4460-8991-5B7B46FF9CA8}" type="pres">
-      <dgm:prSet presAssocID="{D751B9EF-B50D-4220-A2E3-EC8AD05F0DEF}" presName="conn2-1" presStyleLbl="parChTrans1D4" presStyleIdx="1" presStyleCnt="2"/>
+      <dgm:prSet presAssocID="{D751B9EF-B50D-4220-A2E3-EC8AD05F0DEF}" presName="conn2-1" presStyleLbl="parChTrans1D3" presStyleIdx="1" presStyleCnt="2"/>
       <dgm:spPr/>
       <dgm:t>
         <a:bodyPr/>
@@ -10299,7 +10299,7 @@
       </dgm:t>
     </dgm:pt>
     <dgm:pt modelId="{59EC8FB2-7A54-404C-B4F6-E5BB7192615C}" type="pres">
-      <dgm:prSet presAssocID="{D751B9EF-B50D-4220-A2E3-EC8AD05F0DEF}" presName="connTx" presStyleLbl="parChTrans1D4" presStyleIdx="1" presStyleCnt="2"/>
+      <dgm:prSet presAssocID="{D751B9EF-B50D-4220-A2E3-EC8AD05F0DEF}" presName="connTx" presStyleLbl="parChTrans1D3" presStyleIdx="1" presStyleCnt="2"/>
       <dgm:spPr/>
       <dgm:t>
         <a:bodyPr/>
@@ -10314,7 +10314,7 @@
       <dgm:spPr/>
     </dgm:pt>
     <dgm:pt modelId="{AAEECF93-F96B-4557-8B7E-EB719FA6407A}" type="pres">
-      <dgm:prSet presAssocID="{95B8FBE7-44C2-4500-84EE-E30DE1DBD443}" presName="LevelTwoTextNode" presStyleLbl="node4" presStyleIdx="1" presStyleCnt="2" custScaleX="113560" custScaleY="221978" custLinFactNeighborX="5778" custLinFactNeighborY="61413">
+      <dgm:prSet presAssocID="{95B8FBE7-44C2-4500-84EE-E30DE1DBD443}" presName="LevelTwoTextNode" presStyleLbl="node3" presStyleIdx="1" presStyleCnt="2" custScaleX="113560" custScaleY="221978" custLinFactNeighborX="5778" custLinFactNeighborY="61413">
         <dgm:presLayoutVars>
           <dgm:chPref val="3"/>
         </dgm:presLayoutVars>
@@ -10341,18 +10341,18 @@
     <dgm:cxn modelId="{6CA96574-596B-4AD5-833A-E28B2628D3B4}" type="presOf" srcId="{0BEB3FFC-0823-4ABE-A98B-3805DFD4A907}" destId="{631D30B7-3CE4-4384-B757-AE4E559A4AF4}" srcOrd="0" destOrd="0" presId="urn:microsoft.com/office/officeart/2005/8/layout/hierarchy2"/>
     <dgm:cxn modelId="{A6F2BFBE-1D66-4F3F-B34D-D4AFAEAC1147}" srcId="{A77DAB9C-4D16-4E0A-8978-B68DE9282A0C}" destId="{3550A1A8-035B-4FD7-8DE5-851E66C45138}" srcOrd="0" destOrd="0" parTransId="{13502EBA-D939-426F-8345-8C3C115CFC4B}" sibTransId="{9760CA11-3C83-41BF-8E7B-6FB77E6E22BD}"/>
     <dgm:cxn modelId="{7C66382F-F0EC-4971-A456-0CAD858A2C64}" type="presOf" srcId="{403266A9-EAD8-4BAD-A8FD-BE8D6D4845DE}" destId="{55F096FD-EFF2-45B8-9081-EB515D3FD4FA}" srcOrd="0" destOrd="0" presId="urn:microsoft.com/office/officeart/2005/8/layout/hierarchy2"/>
-    <dgm:cxn modelId="{B528FDF3-1ECE-438A-8BCD-7CBCE7C4E437}" type="presOf" srcId="{D751B9EF-B50D-4220-A2E3-EC8AD05F0DEF}" destId="{59EC8FB2-7A54-404C-B4F6-E5BB7192615C}" srcOrd="1" destOrd="0" presId="urn:microsoft.com/office/officeart/2005/8/layout/hierarchy2"/>
-    <dgm:cxn modelId="{AE215B6F-580A-411B-A9E4-44DA250C0367}" type="presOf" srcId="{95B8FBE7-44C2-4500-84EE-E30DE1DBD443}" destId="{AAEECF93-F96B-4557-8B7E-EB719FA6407A}" srcOrd="0" destOrd="0" presId="urn:microsoft.com/office/officeart/2005/8/layout/hierarchy2"/>
-    <dgm:cxn modelId="{7FD58E25-9BC9-46A2-B214-C8AAACB0A898}" srcId="{5E76C9D0-2F43-4501-8EA4-0216205B4D3A}" destId="{95B8FBE7-44C2-4500-84EE-E30DE1DBD443}" srcOrd="1" destOrd="0" parTransId="{D751B9EF-B50D-4220-A2E3-EC8AD05F0DEF}" sibTransId="{0DCC10FF-D5DE-4467-92BD-B1BFA214B955}"/>
+    <dgm:cxn modelId="{7FD58E25-9BC9-46A2-B214-C8AAACB0A898}" srcId="{FF3171E7-94E3-4B14-86E9-F090B6A44528}" destId="{95B8FBE7-44C2-4500-84EE-E30DE1DBD443}" srcOrd="1" destOrd="0" parTransId="{D751B9EF-B50D-4220-A2E3-EC8AD05F0DEF}" sibTransId="{0DCC10FF-D5DE-4467-92BD-B1BFA214B955}"/>
     <dgm:cxn modelId="{B5E6010A-6BCC-4DDB-AEFF-269EE0A8AA43}" type="presOf" srcId="{13B0EFB1-F2E0-4197-B193-0C172E5A72D2}" destId="{73A5C523-173E-4689-B4B9-9FA66CA52E93}" srcOrd="1" destOrd="0" presId="urn:microsoft.com/office/officeart/2005/8/layout/hierarchy2"/>
     <dgm:cxn modelId="{C20235C7-6255-4D21-952F-EF337F7C5A0F}" srcId="{5E76C9D0-2F43-4501-8EA4-0216205B4D3A}" destId="{403266A9-EAD8-4BAD-A8FD-BE8D6D4845DE}" srcOrd="0" destOrd="0" parTransId="{D883DA68-49A1-42F0-8ABF-8B3D44C9B648}" sibTransId="{C5112E54-3C4E-4B91-97C4-3FEEC66C216F}"/>
     <dgm:cxn modelId="{4F5729AE-EBEA-46A8-B8DF-BDD175FA66F3}" type="presOf" srcId="{5E76C9D0-2F43-4501-8EA4-0216205B4D3A}" destId="{F6BE6E96-4771-4198-B10E-7C2835266749}" srcOrd="0" destOrd="0" presId="urn:microsoft.com/office/officeart/2005/8/layout/hierarchy2"/>
+    <dgm:cxn modelId="{93DF48F8-443B-46EA-9702-86793CE458C3}" type="presOf" srcId="{95B8FBE7-44C2-4500-84EE-E30DE1DBD443}" destId="{AAEECF93-F96B-4557-8B7E-EB719FA6407A}" srcOrd="0" destOrd="0" presId="urn:microsoft.com/office/officeart/2005/8/layout/hierarchy2"/>
     <dgm:cxn modelId="{1343EE99-2C68-4050-8EBE-4B28EE59BE21}" type="presOf" srcId="{D883DA68-49A1-42F0-8ABF-8B3D44C9B648}" destId="{C098B0DD-864F-4B96-9B18-5913998545ED}" srcOrd="1" destOrd="0" presId="urn:microsoft.com/office/officeart/2005/8/layout/hierarchy2"/>
+    <dgm:cxn modelId="{41E02C1F-E25A-47F8-90EB-A079ED8DA1BA}" type="presOf" srcId="{D751B9EF-B50D-4220-A2E3-EC8AD05F0DEF}" destId="{83E4D291-21C1-4460-8991-5B7B46FF9CA8}" srcOrd="0" destOrd="0" presId="urn:microsoft.com/office/officeart/2005/8/layout/hierarchy2"/>
     <dgm:cxn modelId="{304A3DA9-A32F-451A-A748-1F2135ADDD82}" srcId="{3550A1A8-035B-4FD7-8DE5-851E66C45138}" destId="{FF3171E7-94E3-4B14-86E9-F090B6A44528}" srcOrd="0" destOrd="0" parTransId="{0BEB3FFC-0823-4ABE-A98B-3805DFD4A907}" sibTransId="{285ADC6F-18F5-4DF5-B2E5-C2437F63CEF4}"/>
     <dgm:cxn modelId="{10E0EF6A-BBF0-4C47-BE77-6B863965E0D6}" type="presOf" srcId="{D883DA68-49A1-42F0-8ABF-8B3D44C9B648}" destId="{E319C12E-2397-406F-B6D4-2E69B6FC580F}" srcOrd="0" destOrd="0" presId="urn:microsoft.com/office/officeart/2005/8/layout/hierarchy2"/>
     <dgm:cxn modelId="{FAC6C5CF-0AF7-4C94-BCA4-B3E45BBCF2B9}" type="presOf" srcId="{FF3171E7-94E3-4B14-86E9-F090B6A44528}" destId="{4C7E21FC-83C3-4941-9AA4-103238D50E14}" srcOrd="0" destOrd="0" presId="urn:microsoft.com/office/officeart/2005/8/layout/hierarchy2"/>
     <dgm:cxn modelId="{28D42273-3E5E-4570-BBA8-91AC3160DE58}" type="presOf" srcId="{A77DAB9C-4D16-4E0A-8978-B68DE9282A0C}" destId="{76071E02-A5C0-426F-8E21-878FAF07640C}" srcOrd="0" destOrd="0" presId="urn:microsoft.com/office/officeart/2005/8/layout/hierarchy2"/>
-    <dgm:cxn modelId="{9958ECA4-15B3-48A6-BF16-DBA7C9238FDB}" type="presOf" srcId="{D751B9EF-B50D-4220-A2E3-EC8AD05F0DEF}" destId="{83E4D291-21C1-4460-8991-5B7B46FF9CA8}" srcOrd="0" destOrd="0" presId="urn:microsoft.com/office/officeart/2005/8/layout/hierarchy2"/>
+    <dgm:cxn modelId="{338A9931-B766-485E-8D36-D7A2A88B5BE1}" type="presOf" srcId="{D751B9EF-B50D-4220-A2E3-EC8AD05F0DEF}" destId="{59EC8FB2-7A54-404C-B4F6-E5BB7192615C}" srcOrd="1" destOrd="0" presId="urn:microsoft.com/office/officeart/2005/8/layout/hierarchy2"/>
     <dgm:cxn modelId="{890ECA97-45CF-4BFC-BB2A-F5986C2F7278}" type="presParOf" srcId="{76071E02-A5C0-426F-8E21-878FAF07640C}" destId="{06B10205-F688-43EC-A19E-F304E4EA2036}" srcOrd="0" destOrd="0" presId="urn:microsoft.com/office/officeart/2005/8/layout/hierarchy2"/>
     <dgm:cxn modelId="{99082456-1C00-4E23-8B20-26AC0CE639D9}" type="presParOf" srcId="{06B10205-F688-43EC-A19E-F304E4EA2036}" destId="{5AA8F53C-4E57-4D1F-93E5-A1FBFDF5E9BB}" srcOrd="0" destOrd="0" presId="urn:microsoft.com/office/officeart/2005/8/layout/hierarchy2"/>
     <dgm:cxn modelId="{158108E2-1E37-48D5-AE29-CCCF808BDCEA}" type="presParOf" srcId="{06B10205-F688-43EC-A19E-F304E4EA2036}" destId="{991182C4-27F6-416F-B3C7-D8B3EC1AF41A}" srcOrd="1" destOrd="0" presId="urn:microsoft.com/office/officeart/2005/8/layout/hierarchy2"/>
@@ -10371,17 +10371,17 @@
     <dgm:cxn modelId="{8C2F87A7-74BF-468C-A85F-681DD99C20C7}" type="presParOf" srcId="{AD3A55BF-7D2D-4032-B8E6-24D5BF8E9A24}" destId="{24E3FB95-EDB8-47FE-A69A-0DF1E353E090}" srcOrd="1" destOrd="0" presId="urn:microsoft.com/office/officeart/2005/8/layout/hierarchy2"/>
     <dgm:cxn modelId="{2943C0B4-7E7A-46A0-8787-29C4CA372E9B}" type="presParOf" srcId="{24E3FB95-EDB8-47FE-A69A-0DF1E353E090}" destId="{55F096FD-EFF2-45B8-9081-EB515D3FD4FA}" srcOrd="0" destOrd="0" presId="urn:microsoft.com/office/officeart/2005/8/layout/hierarchy2"/>
     <dgm:cxn modelId="{38F5540F-5F62-4F99-B765-194052D8AEE3}" type="presParOf" srcId="{24E3FB95-EDB8-47FE-A69A-0DF1E353E090}" destId="{91702CB0-1569-470E-BD35-5E4AAE59836B}" srcOrd="1" destOrd="0" presId="urn:microsoft.com/office/officeart/2005/8/layout/hierarchy2"/>
-    <dgm:cxn modelId="{7964704E-0CB7-4DF8-A448-D9E30E9A7305}" type="presParOf" srcId="{AD3A55BF-7D2D-4032-B8E6-24D5BF8E9A24}" destId="{83E4D291-21C1-4460-8991-5B7B46FF9CA8}" srcOrd="2" destOrd="0" presId="urn:microsoft.com/office/officeart/2005/8/layout/hierarchy2"/>
-    <dgm:cxn modelId="{17C1F0D2-A532-4254-B8D8-C11A09A65F54}" type="presParOf" srcId="{83E4D291-21C1-4460-8991-5B7B46FF9CA8}" destId="{59EC8FB2-7A54-404C-B4F6-E5BB7192615C}" srcOrd="0" destOrd="0" presId="urn:microsoft.com/office/officeart/2005/8/layout/hierarchy2"/>
-    <dgm:cxn modelId="{DB55094E-AB72-49E1-8A74-37E383AE5BFC}" type="presParOf" srcId="{AD3A55BF-7D2D-4032-B8E6-24D5BF8E9A24}" destId="{9D86A758-41CB-47C6-81BF-3388B4B34055}" srcOrd="3" destOrd="0" presId="urn:microsoft.com/office/officeart/2005/8/layout/hierarchy2"/>
-    <dgm:cxn modelId="{E9DE9C45-A16F-47A8-B39F-3C43AE2EE391}" type="presParOf" srcId="{9D86A758-41CB-47C6-81BF-3388B4B34055}" destId="{AAEECF93-F96B-4557-8B7E-EB719FA6407A}" srcOrd="0" destOrd="0" presId="urn:microsoft.com/office/officeart/2005/8/layout/hierarchy2"/>
-    <dgm:cxn modelId="{054C73F0-D165-457B-B195-05CD2670FAE7}" type="presParOf" srcId="{9D86A758-41CB-47C6-81BF-3388B4B34055}" destId="{95F8356C-4187-432F-81BA-BFA31CA421AC}" srcOrd="1" destOrd="0" presId="urn:microsoft.com/office/officeart/2005/8/layout/hierarchy2"/>
+    <dgm:cxn modelId="{EF709FCB-7151-4300-824D-7E44F458E9F8}" type="presParOf" srcId="{0002F6B3-5100-4FFC-B8B1-296ADDBADE96}" destId="{83E4D291-21C1-4460-8991-5B7B46FF9CA8}" srcOrd="2" destOrd="0" presId="urn:microsoft.com/office/officeart/2005/8/layout/hierarchy2"/>
+    <dgm:cxn modelId="{BAAD7032-B1F5-4718-8155-E218ABFD68AC}" type="presParOf" srcId="{83E4D291-21C1-4460-8991-5B7B46FF9CA8}" destId="{59EC8FB2-7A54-404C-B4F6-E5BB7192615C}" srcOrd="0" destOrd="0" presId="urn:microsoft.com/office/officeart/2005/8/layout/hierarchy2"/>
+    <dgm:cxn modelId="{DF533659-B7A2-4781-B0CF-9E3CA78C55B9}" type="presParOf" srcId="{0002F6B3-5100-4FFC-B8B1-296ADDBADE96}" destId="{9D86A758-41CB-47C6-81BF-3388B4B34055}" srcOrd="3" destOrd="0" presId="urn:microsoft.com/office/officeart/2005/8/layout/hierarchy2"/>
+    <dgm:cxn modelId="{569B2E35-100C-4DF1-8AD1-47226A369184}" type="presParOf" srcId="{9D86A758-41CB-47C6-81BF-3388B4B34055}" destId="{AAEECF93-F96B-4557-8B7E-EB719FA6407A}" srcOrd="0" destOrd="0" presId="urn:microsoft.com/office/officeart/2005/8/layout/hierarchy2"/>
+    <dgm:cxn modelId="{E0CF513E-6E44-4DF7-9477-94542DF6DA4F}" type="presParOf" srcId="{9D86A758-41CB-47C6-81BF-3388B4B34055}" destId="{95F8356C-4187-432F-81BA-BFA31CA421AC}" srcOrd="1" destOrd="0" presId="urn:microsoft.com/office/officeart/2005/8/layout/hierarchy2"/>
   </dgm:cxnLst>
   <dgm:bg/>
   <dgm:whole/>
   <dgm:extLst>
     <a:ext uri="http://schemas.microsoft.com/office/drawing/2008/diagram">
-      <dsp:dataModelExt xmlns:dsp="http://schemas.microsoft.com/office/drawing/2008/diagram" relId="rId6" minVer="http://schemas.openxmlformats.org/drawingml/2006/diagram"/>
+      <dsp:dataModelExt xmlns:dsp="http://schemas.microsoft.com/office/drawing/2008/diagram" relId="rId7" minVer="http://schemas.openxmlformats.org/drawingml/2006/diagram"/>
     </a:ext>
   </dgm:extLst>
 </dgm:dataModel>
@@ -10743,7 +10743,7 @@
   <dgm:whole/>
   <dgm:extLst>
     <a:ext uri="http://schemas.microsoft.com/office/drawing/2008/diagram">
-      <dsp:dataModelExt xmlns:dsp="http://schemas.microsoft.com/office/drawing/2008/diagram" relId="rId11" minVer="http://schemas.openxmlformats.org/drawingml/2006/diagram"/>
+      <dsp:dataModelExt xmlns:dsp="http://schemas.microsoft.com/office/drawing/2008/diagram" relId="rId12" minVer="http://schemas.openxmlformats.org/drawingml/2006/diagram"/>
     </a:ext>
   </dgm:extLst>
 </dgm:dataModel>
@@ -13809,53 +13809,53 @@
     </dgm:pt>
   </dgm:ptLst>
   <dgm:cxnLst>
-    <dgm:cxn modelId="{18D20495-54B2-41BA-B806-37002FB53632}" type="presOf" srcId="{69705CEA-F570-453E-89C2-BF794F678958}" destId="{BC230F88-AF16-401E-847A-5EB6F35167B5}" srcOrd="0" destOrd="0" presId="urn:microsoft.com/office/officeart/2008/layout/HorizontalMultiLevelHierarchy"/>
-    <dgm:cxn modelId="{E47C819D-D54E-4599-897F-5F05D785E91C}" type="presOf" srcId="{80A8E8CD-E500-4265-9EBD-08F5903454F8}" destId="{4E7B5B8A-E25E-4056-A287-F1501FE9A818}" srcOrd="1" destOrd="0" presId="urn:microsoft.com/office/officeart/2008/layout/HorizontalMultiLevelHierarchy"/>
-    <dgm:cxn modelId="{C91CC287-7190-42C4-97C0-2D91E272BCC3}" type="presOf" srcId="{47DBA1AE-1E15-431B-816E-E3495D91D50D}" destId="{C3B714E9-8D56-4F47-AE83-1B4A1B36E261}" srcOrd="0" destOrd="0" presId="urn:microsoft.com/office/officeart/2008/layout/HorizontalMultiLevelHierarchy"/>
-    <dgm:cxn modelId="{020A2310-5D97-4D7E-9909-51E2CE9FB027}" type="presOf" srcId="{7D4A7BEA-0826-4D7F-9B13-830276B86077}" destId="{175FB72B-84C8-486C-9686-3AA16043A190}" srcOrd="0" destOrd="0" presId="urn:microsoft.com/office/officeart/2008/layout/HorizontalMultiLevelHierarchy"/>
-    <dgm:cxn modelId="{68BEAA0F-F727-404F-A1C3-B6A93BF7DE79}" type="presOf" srcId="{B3A3E97E-B1F5-4285-B3CC-626A9AFB88AF}" destId="{962A20E9-4E8A-4469-B9A9-712648A37A7E}" srcOrd="1" destOrd="0" presId="urn:microsoft.com/office/officeart/2008/layout/HorizontalMultiLevelHierarchy"/>
-    <dgm:cxn modelId="{DC17CFEB-C2B6-4EF4-A568-2436AA4299E9}" type="presOf" srcId="{BCECA982-1209-40D3-90B9-DB39233875A5}" destId="{85116997-987D-40A8-AFCA-C5A54CBB823D}" srcOrd="0" destOrd="0" presId="urn:microsoft.com/office/officeart/2008/layout/HorizontalMultiLevelHierarchy"/>
-    <dgm:cxn modelId="{0E9DAE43-BD16-4A14-9821-2524BC241F48}" srcId="{CE13128E-9149-4B70-91DE-630C4ABBFE00}" destId="{08C55BA2-31D6-43CA-BE8B-18095A33123C}" srcOrd="1" destOrd="0" parTransId="{6DB745CF-1A78-406B-8408-ECE8759E9FA1}" sibTransId="{E3EE3127-9860-436D-80DB-2AE4EBD12F9F}"/>
-    <dgm:cxn modelId="{A67FD952-7E3E-42C2-B9AC-9786F65D1584}" srcId="{08C55BA2-31D6-43CA-BE8B-18095A33123C}" destId="{4A1CE773-3E85-4B37-BA18-CB28DF37705F}" srcOrd="0" destOrd="0" parTransId="{C970C188-F04F-415C-B685-2C4E7AFB148E}" sibTransId="{1EF5A848-6056-46B2-8C3B-F197EDA52614}"/>
-    <dgm:cxn modelId="{A9952C7E-C879-479B-834A-6036B1AB1527}" srcId="{7DF7B6DD-8D79-468E-B015-C667742FBFEB}" destId="{CE13128E-9149-4B70-91DE-630C4ABBFE00}" srcOrd="0" destOrd="0" parTransId="{C6E5B58F-10F1-4A0F-B24B-83ABFC7283E8}" sibTransId="{6CE5C753-8F6C-4D7B-8CBB-35D97C591B3B}"/>
-    <dgm:cxn modelId="{D5162A70-9646-4B9A-9D47-8847B119A36D}" type="presOf" srcId="{DC5DA3D9-0E16-42DE-894D-7A0ACA3BEA89}" destId="{5AE26B0C-D01B-45E0-A33F-6264A326BBFD}" srcOrd="1" destOrd="0" presId="urn:microsoft.com/office/officeart/2008/layout/HorizontalMultiLevelHierarchy"/>
-    <dgm:cxn modelId="{BB8CC356-122F-4E4D-BF7E-874EEDB47A04}" type="presOf" srcId="{C6E5B58F-10F1-4A0F-B24B-83ABFC7283E8}" destId="{E04E75EF-3FF5-4F99-9454-4458B90560B9}" srcOrd="0" destOrd="0" presId="urn:microsoft.com/office/officeart/2008/layout/HorizontalMultiLevelHierarchy"/>
-    <dgm:cxn modelId="{B353EAEA-C1EF-497E-AD8A-EEFA8A1765D1}" type="presOf" srcId="{305D8F76-DE5C-477C-9DE0-661AB94732FF}" destId="{2DB62359-910D-4F81-A286-8DE2D01AD00D}" srcOrd="1" destOrd="0" presId="urn:microsoft.com/office/officeart/2008/layout/HorizontalMultiLevelHierarchy"/>
-    <dgm:cxn modelId="{BB366179-8CB8-48F8-B469-8D59183C75FA}" type="presOf" srcId="{DC5DA3D9-0E16-42DE-894D-7A0ACA3BEA89}" destId="{76804D07-263C-4BFE-886B-E38C63B4A639}" srcOrd="0" destOrd="0" presId="urn:microsoft.com/office/officeart/2008/layout/HorizontalMultiLevelHierarchy"/>
-    <dgm:cxn modelId="{CC33FE3A-2675-4C05-AC2C-C262B46663BD}" type="presOf" srcId="{08C55BA2-31D6-43CA-BE8B-18095A33123C}" destId="{E44A7F6B-CDD6-46D7-8C6D-31E128DCFA9B}" srcOrd="0" destOrd="0" presId="urn:microsoft.com/office/officeart/2008/layout/HorizontalMultiLevelHierarchy"/>
-    <dgm:cxn modelId="{8F03D61F-9583-4BD6-9C0A-EAE164CEDD1E}" srcId="{D24B9365-C298-4D09-9B43-19F1F42CB936}" destId="{9CDE7211-7213-4221-9E18-349FFE24B791}" srcOrd="0" destOrd="0" parTransId="{DC5DA3D9-0E16-42DE-894D-7A0ACA3BEA89}" sibTransId="{29A5C94B-43C5-43DC-83C7-D6A9D3B54949}"/>
-    <dgm:cxn modelId="{4A871634-BAF2-4366-8270-342BEC8E9356}" type="presOf" srcId="{BCECA982-1209-40D3-90B9-DB39233875A5}" destId="{59995DB5-1B81-4758-85FC-551EB375F06C}" srcOrd="1" destOrd="0" presId="urn:microsoft.com/office/officeart/2008/layout/HorizontalMultiLevelHierarchy"/>
-    <dgm:cxn modelId="{1BF0094A-FEFC-422B-B205-AFF45445190D}" type="presOf" srcId="{63FF3E21-F438-42A5-8D7B-E965B1D3812A}" destId="{9539C340-DD91-4CCB-9617-C26D5EA57291}" srcOrd="1" destOrd="0" presId="urn:microsoft.com/office/officeart/2008/layout/HorizontalMultiLevelHierarchy"/>
-    <dgm:cxn modelId="{8E4EFBD5-37F1-443C-8D37-89A4DC4A200B}" type="presOf" srcId="{31A7FA4E-1377-4668-AA4A-F847E0BA75F9}" destId="{64DC2729-4AEE-46FC-A4B3-43AAC41F9DD2}" srcOrd="0" destOrd="0" presId="urn:microsoft.com/office/officeart/2008/layout/HorizontalMultiLevelHierarchy"/>
-    <dgm:cxn modelId="{27FA3CE5-0EFE-4E17-AEF1-7436EA42B042}" srcId="{4A1CE773-3E85-4B37-BA18-CB28DF37705F}" destId="{47DBA1AE-1E15-431B-816E-E3495D91D50D}" srcOrd="0" destOrd="0" parTransId="{DB96E258-2D1C-4B1E-950D-055EBF0AF5CA}" sibTransId="{91669A65-5834-4388-8EB8-E7B6090E317E}"/>
+    <dgm:cxn modelId="{AE1EFA4F-43D7-4B31-9E7F-940D6FCC10FD}" type="presOf" srcId="{7DF7B6DD-8D79-468E-B015-C667742FBFEB}" destId="{85F62DE2-963F-4C4E-96AF-E89F91C81D5C}" srcOrd="0" destOrd="0" presId="urn:microsoft.com/office/officeart/2008/layout/HorizontalMultiLevelHierarchy"/>
+    <dgm:cxn modelId="{B4FD77FA-C77B-48AF-8FBC-9D705ED00DE4}" type="presOf" srcId="{9B0E06C2-4430-4C22-92AF-6D91175F2E8B}" destId="{99E58E7E-BFE3-414B-AF9D-7BB998895FEF}" srcOrd="0" destOrd="0" presId="urn:microsoft.com/office/officeart/2008/layout/HorizontalMultiLevelHierarchy"/>
     <dgm:cxn modelId="{AE4F2E6D-309B-4F80-8E06-C12019005D59}" type="presOf" srcId="{DB96E258-2D1C-4B1E-950D-055EBF0AF5CA}" destId="{1B00757B-AD37-414D-BCDF-A22538F398D1}" srcOrd="1" destOrd="0" presId="urn:microsoft.com/office/officeart/2008/layout/HorizontalMultiLevelHierarchy"/>
-    <dgm:cxn modelId="{F693BDB5-3E8E-4D97-A21C-531C30DC49A7}" type="presOf" srcId="{C00D11A3-9D06-466C-BA99-53F0B6A1B1FC}" destId="{2FAEB9D7-2202-48D6-BEFE-7691405C0023}" srcOrd="0" destOrd="0" presId="urn:microsoft.com/office/officeart/2008/layout/HorizontalMultiLevelHierarchy"/>
-    <dgm:cxn modelId="{B54418A1-3FDE-464D-B17A-A04C569FE824}" type="presOf" srcId="{6DB745CF-1A78-406B-8408-ECE8759E9FA1}" destId="{3E2CFF2C-518D-45AB-95AC-8B2259762694}" srcOrd="1" destOrd="0" presId="urn:microsoft.com/office/officeart/2008/layout/HorizontalMultiLevelHierarchy"/>
-    <dgm:cxn modelId="{82597DAD-63A8-4A76-B9BE-23D8DF04E26F}" type="presOf" srcId="{CE13128E-9149-4B70-91DE-630C4ABBFE00}" destId="{CCC824B9-6D4D-4981-9C76-2E02AF6A080B}" srcOrd="0" destOrd="0" presId="urn:microsoft.com/office/officeart/2008/layout/HorizontalMultiLevelHierarchy"/>
-    <dgm:cxn modelId="{EA349AEE-F38C-4392-A380-76DF0CF9C396}" type="presOf" srcId="{C970C188-F04F-415C-B685-2C4E7AFB148E}" destId="{D9A7ED5D-FF3B-42E9-A95A-82691CE48DCF}" srcOrd="0" destOrd="0" presId="urn:microsoft.com/office/officeart/2008/layout/HorizontalMultiLevelHierarchy"/>
     <dgm:cxn modelId="{9F3DCA4B-DDEA-4D57-A2BE-01EDAA20879E}" srcId="{3D7E4721-08AD-4056-9D97-280A0288FF53}" destId="{7DF7B6DD-8D79-468E-B015-C667742FBFEB}" srcOrd="0" destOrd="0" parTransId="{1B8AF3C6-2F66-4552-8F48-4A75818AB395}" sibTransId="{473ED60A-3384-44E1-AF12-F229B86CAE9E}"/>
     <dgm:cxn modelId="{0911AA29-B75D-4350-AE96-7B3FAD2DFDF5}" type="presOf" srcId="{C00D11A3-9D06-466C-BA99-53F0B6A1B1FC}" destId="{4A7E1716-0151-45F0-9631-89C21FC2D372}" srcOrd="1" destOrd="0" presId="urn:microsoft.com/office/officeart/2008/layout/HorizontalMultiLevelHierarchy"/>
-    <dgm:cxn modelId="{91BB3751-AE35-42E3-9C14-D0C99A4298F0}" srcId="{69705CEA-F570-453E-89C2-BF794F678958}" destId="{7D4A7BEA-0826-4D7F-9B13-830276B86077}" srcOrd="0" destOrd="0" parTransId="{80A8E8CD-E500-4265-9EBD-08F5903454F8}" sibTransId="{652FD5D0-86D7-4337-9B75-D2CD6C870809}"/>
+    <dgm:cxn modelId="{6C19DA65-7600-49E5-A4BA-A0BBEFEC9683}" type="presOf" srcId="{6DB745CF-1A78-406B-8408-ECE8759E9FA1}" destId="{7FF2BF7D-A4BE-4AF2-9EFD-0878EA33F434}" srcOrd="0" destOrd="0" presId="urn:microsoft.com/office/officeart/2008/layout/HorizontalMultiLevelHierarchy"/>
+    <dgm:cxn modelId="{DC17CFEB-C2B6-4EF4-A568-2436AA4299E9}" type="presOf" srcId="{BCECA982-1209-40D3-90B9-DB39233875A5}" destId="{85116997-987D-40A8-AFCA-C5A54CBB823D}" srcOrd="0" destOrd="0" presId="urn:microsoft.com/office/officeart/2008/layout/HorizontalMultiLevelHierarchy"/>
+    <dgm:cxn modelId="{E47C819D-D54E-4599-897F-5F05D785E91C}" type="presOf" srcId="{80A8E8CD-E500-4265-9EBD-08F5903454F8}" destId="{4E7B5B8A-E25E-4056-A287-F1501FE9A818}" srcOrd="1" destOrd="0" presId="urn:microsoft.com/office/officeart/2008/layout/HorizontalMultiLevelHierarchy"/>
     <dgm:cxn modelId="{84BE7329-BE44-40EF-A84C-01DCF7EA027F}" type="presOf" srcId="{0ED25E3A-194B-4DBD-AE05-C5BAB2D4B322}" destId="{FBCAE61C-F8F7-4954-B5B0-98F173752588}" srcOrd="0" destOrd="0" presId="urn:microsoft.com/office/officeart/2008/layout/HorizontalMultiLevelHierarchy"/>
-    <dgm:cxn modelId="{CC6C77C6-FE6E-49D4-86B7-B41D722DE6FD}" srcId="{D24B9365-C298-4D09-9B43-19F1F42CB936}" destId="{31A7FA4E-1377-4668-AA4A-F847E0BA75F9}" srcOrd="1" destOrd="0" parTransId="{BCECA982-1209-40D3-90B9-DB39233875A5}" sibTransId="{84D3DBC8-A14D-46AC-9625-01BC5680C226}"/>
+    <dgm:cxn modelId="{4A871634-BAF2-4366-8270-342BEC8E9356}" type="presOf" srcId="{BCECA982-1209-40D3-90B9-DB39233875A5}" destId="{59995DB5-1B81-4758-85FC-551EB375F06C}" srcOrd="1" destOrd="0" presId="urn:microsoft.com/office/officeart/2008/layout/HorizontalMultiLevelHierarchy"/>
+    <dgm:cxn modelId="{EA349AEE-F38C-4392-A380-76DF0CF9C396}" type="presOf" srcId="{C970C188-F04F-415C-B685-2C4E7AFB148E}" destId="{D9A7ED5D-FF3B-42E9-A95A-82691CE48DCF}" srcOrd="0" destOrd="0" presId="urn:microsoft.com/office/officeart/2008/layout/HorizontalMultiLevelHierarchy"/>
+    <dgm:cxn modelId="{27FA3CE5-0EFE-4E17-AEF1-7436EA42B042}" srcId="{4A1CE773-3E85-4B37-BA18-CB28DF37705F}" destId="{47DBA1AE-1E15-431B-816E-E3495D91D50D}" srcOrd="0" destOrd="0" parTransId="{DB96E258-2D1C-4B1E-950D-055EBF0AF5CA}" sibTransId="{91669A65-5834-4388-8EB8-E7B6090E317E}"/>
+    <dgm:cxn modelId="{B671D779-080D-46B7-806E-9D6D7A129DE5}" type="presOf" srcId="{B3A3E97E-B1F5-4285-B3CC-626A9AFB88AF}" destId="{7F8C45BB-9C92-4B8F-B244-3A92D6C34FF5}" srcOrd="0" destOrd="0" presId="urn:microsoft.com/office/officeart/2008/layout/HorizontalMultiLevelHierarchy"/>
+    <dgm:cxn modelId="{BB8CC356-122F-4E4D-BF7E-874EEDB47A04}" type="presOf" srcId="{C6E5B58F-10F1-4A0F-B24B-83ABFC7283E8}" destId="{E04E75EF-3FF5-4F99-9454-4458B90560B9}" srcOrd="0" destOrd="0" presId="urn:microsoft.com/office/officeart/2008/layout/HorizontalMultiLevelHierarchy"/>
+    <dgm:cxn modelId="{BB366179-8CB8-48F8-B469-8D59183C75FA}" type="presOf" srcId="{DC5DA3D9-0E16-42DE-894D-7A0ACA3BEA89}" destId="{76804D07-263C-4BFE-886B-E38C63B4A639}" srcOrd="0" destOrd="0" presId="urn:microsoft.com/office/officeart/2008/layout/HorizontalMultiLevelHierarchy"/>
+    <dgm:cxn modelId="{A9952C7E-C879-479B-834A-6036B1AB1527}" srcId="{7DF7B6DD-8D79-468E-B015-C667742FBFEB}" destId="{CE13128E-9149-4B70-91DE-630C4ABBFE00}" srcOrd="0" destOrd="0" parTransId="{C6E5B58F-10F1-4A0F-B24B-83ABFC7283E8}" sibTransId="{6CE5C753-8F6C-4D7B-8CBB-35D97C591B3B}"/>
+    <dgm:cxn modelId="{82597DAD-63A8-4A76-B9BE-23D8DF04E26F}" type="presOf" srcId="{CE13128E-9149-4B70-91DE-630C4ABBFE00}" destId="{CCC824B9-6D4D-4981-9C76-2E02AF6A080B}" srcOrd="0" destOrd="0" presId="urn:microsoft.com/office/officeart/2008/layout/HorizontalMultiLevelHierarchy"/>
+    <dgm:cxn modelId="{B54418A1-3FDE-464D-B17A-A04C569FE824}" type="presOf" srcId="{6DB745CF-1A78-406B-8408-ECE8759E9FA1}" destId="{3E2CFF2C-518D-45AB-95AC-8B2259762694}" srcOrd="1" destOrd="0" presId="urn:microsoft.com/office/officeart/2008/layout/HorizontalMultiLevelHierarchy"/>
+    <dgm:cxn modelId="{F693BDB5-3E8E-4D97-A21C-531C30DC49A7}" type="presOf" srcId="{C00D11A3-9D06-466C-BA99-53F0B6A1B1FC}" destId="{2FAEB9D7-2202-48D6-BEFE-7691405C0023}" srcOrd="0" destOrd="0" presId="urn:microsoft.com/office/officeart/2008/layout/HorizontalMultiLevelHierarchy"/>
+    <dgm:cxn modelId="{8F03D61F-9583-4BD6-9C0A-EAE164CEDD1E}" srcId="{D24B9365-C298-4D09-9B43-19F1F42CB936}" destId="{9CDE7211-7213-4221-9E18-349FFE24B791}" srcOrd="0" destOrd="0" parTransId="{DC5DA3D9-0E16-42DE-894D-7A0ACA3BEA89}" sibTransId="{29A5C94B-43C5-43DC-83C7-D6A9D3B54949}"/>
+    <dgm:cxn modelId="{FBC35013-D260-4A4E-A0AB-B35E1343F84D}" srcId="{7D4A7BEA-0826-4D7F-9B13-830276B86077}" destId="{D24B9365-C298-4D09-9B43-19F1F42CB936}" srcOrd="0" destOrd="0" parTransId="{63FF3E21-F438-42A5-8D7B-E965B1D3812A}" sibTransId="{8DD4E92C-112D-485C-B591-98B1A3C4F30E}"/>
+    <dgm:cxn modelId="{020A2310-5D97-4D7E-9909-51E2CE9FB027}" type="presOf" srcId="{7D4A7BEA-0826-4D7F-9B13-830276B86077}" destId="{175FB72B-84C8-486C-9686-3AA16043A190}" srcOrd="0" destOrd="0" presId="urn:microsoft.com/office/officeart/2008/layout/HorizontalMultiLevelHierarchy"/>
+    <dgm:cxn modelId="{100C4F7D-2A1A-4546-B2DC-F10C4BB3C755}" srcId="{7DF7B6DD-8D79-468E-B015-C667742FBFEB}" destId="{69705CEA-F570-453E-89C2-BF794F678958}" srcOrd="1" destOrd="0" parTransId="{C00D11A3-9D06-466C-BA99-53F0B6A1B1FC}" sibTransId="{2CA70043-153C-4528-8CBA-351914359EE1}"/>
+    <dgm:cxn modelId="{788DF614-934B-4CDE-8FF1-17B10ABAAFDA}" type="presOf" srcId="{C970C188-F04F-415C-B685-2C4E7AFB148E}" destId="{C592C0A8-EC42-4A45-91EE-9CDFDF8DA551}" srcOrd="1" destOrd="0" presId="urn:microsoft.com/office/officeart/2008/layout/HorizontalMultiLevelHierarchy"/>
+    <dgm:cxn modelId="{E7A7BC4A-FA59-4FC2-A70C-7826F6D84463}" type="presOf" srcId="{3D7E4721-08AD-4056-9D97-280A0288FF53}" destId="{48EA20E2-9F73-4378-9103-C6F25598EA7F}" srcOrd="0" destOrd="0" presId="urn:microsoft.com/office/officeart/2008/layout/HorizontalMultiLevelHierarchy"/>
+    <dgm:cxn modelId="{C91CC287-7190-42C4-97C0-2D91E272BCC3}" type="presOf" srcId="{47DBA1AE-1E15-431B-816E-E3495D91D50D}" destId="{C3B714E9-8D56-4F47-AE83-1B4A1B36E261}" srcOrd="0" destOrd="0" presId="urn:microsoft.com/office/officeart/2008/layout/HorizontalMultiLevelHierarchy"/>
+    <dgm:cxn modelId="{A9BC8CC8-D9B4-420C-A71C-562C76E994F1}" srcId="{CE13128E-9149-4B70-91DE-630C4ABBFE00}" destId="{0ED25E3A-194B-4DBD-AE05-C5BAB2D4B322}" srcOrd="0" destOrd="0" parTransId="{305D8F76-DE5C-477C-9DE0-661AB94732FF}" sibTransId="{964FDF4F-7DC1-44AC-84EA-F8B8AA5B99EA}"/>
+    <dgm:cxn modelId="{9A780A0D-89E7-413B-80CA-0ADF2A767F6C}" type="presOf" srcId="{D24B9365-C298-4D09-9B43-19F1F42CB936}" destId="{C1F3184D-BED2-4588-91D0-6026066D0495}" srcOrd="0" destOrd="0" presId="urn:microsoft.com/office/officeart/2008/layout/HorizontalMultiLevelHierarchy"/>
     <dgm:cxn modelId="{39F6116F-B56E-4177-8F3B-03B043793E50}" type="presOf" srcId="{DB96E258-2D1C-4B1E-950D-055EBF0AF5CA}" destId="{C0070F97-A64B-4B18-A039-4EA6BBCC45E3}" srcOrd="0" destOrd="0" presId="urn:microsoft.com/office/officeart/2008/layout/HorizontalMultiLevelHierarchy"/>
-    <dgm:cxn modelId="{AE1EFA4F-43D7-4B31-9E7F-940D6FCC10FD}" type="presOf" srcId="{7DF7B6DD-8D79-468E-B015-C667742FBFEB}" destId="{85F62DE2-963F-4C4E-96AF-E89F91C81D5C}" srcOrd="0" destOrd="0" presId="urn:microsoft.com/office/officeart/2008/layout/HorizontalMultiLevelHierarchy"/>
-    <dgm:cxn modelId="{6C19DA65-7600-49E5-A4BA-A0BBEFEC9683}" type="presOf" srcId="{6DB745CF-1A78-406B-8408-ECE8759E9FA1}" destId="{7FF2BF7D-A4BE-4AF2-9EFD-0878EA33F434}" srcOrd="0" destOrd="0" presId="urn:microsoft.com/office/officeart/2008/layout/HorizontalMultiLevelHierarchy"/>
-    <dgm:cxn modelId="{B671D779-080D-46B7-806E-9D6D7A129DE5}" type="presOf" srcId="{B3A3E97E-B1F5-4285-B3CC-626A9AFB88AF}" destId="{7F8C45BB-9C92-4B8F-B244-3A92D6C34FF5}" srcOrd="0" destOrd="0" presId="urn:microsoft.com/office/officeart/2008/layout/HorizontalMultiLevelHierarchy"/>
-    <dgm:cxn modelId="{788DF614-934B-4CDE-8FF1-17B10ABAAFDA}" type="presOf" srcId="{C970C188-F04F-415C-B685-2C4E7AFB148E}" destId="{C592C0A8-EC42-4A45-91EE-9CDFDF8DA551}" srcOrd="1" destOrd="0" presId="urn:microsoft.com/office/officeart/2008/layout/HorizontalMultiLevelHierarchy"/>
-    <dgm:cxn modelId="{1A56D051-FCD1-4ACE-B517-CA53D4CD293A}" type="presOf" srcId="{C6E5B58F-10F1-4A0F-B24B-83ABFC7283E8}" destId="{350094D2-7DCD-4D6D-BF3C-22BADCB8186A}" srcOrd="1" destOrd="0" presId="urn:microsoft.com/office/officeart/2008/layout/HorizontalMultiLevelHierarchy"/>
-    <dgm:cxn modelId="{9A780A0D-89E7-413B-80CA-0ADF2A767F6C}" type="presOf" srcId="{D24B9365-C298-4D09-9B43-19F1F42CB936}" destId="{C1F3184D-BED2-4588-91D0-6026066D0495}" srcOrd="0" destOrd="0" presId="urn:microsoft.com/office/officeart/2008/layout/HorizontalMultiLevelHierarchy"/>
-    <dgm:cxn modelId="{38540718-F67F-4C11-9B24-F182E409F9F7}" srcId="{4A1CE773-3E85-4B37-BA18-CB28DF37705F}" destId="{9B0E06C2-4430-4C22-92AF-6D91175F2E8B}" srcOrd="1" destOrd="0" parTransId="{B3A3E97E-B1F5-4285-B3CC-626A9AFB88AF}" sibTransId="{7EF15AAC-523E-46E8-BCE2-0064739EBD0B}"/>
-    <dgm:cxn modelId="{FBC35013-D260-4A4E-A0AB-B35E1343F84D}" srcId="{7D4A7BEA-0826-4D7F-9B13-830276B86077}" destId="{D24B9365-C298-4D09-9B43-19F1F42CB936}" srcOrd="0" destOrd="0" parTransId="{63FF3E21-F438-42A5-8D7B-E965B1D3812A}" sibTransId="{8DD4E92C-112D-485C-B591-98B1A3C4F30E}"/>
     <dgm:cxn modelId="{D4921EC2-E1FF-4937-9022-063F086BEBF0}" type="presOf" srcId="{305D8F76-DE5C-477C-9DE0-661AB94732FF}" destId="{040CB96B-06C3-4570-9EDB-C32DFC727847}" srcOrd="0" destOrd="0" presId="urn:microsoft.com/office/officeart/2008/layout/HorizontalMultiLevelHierarchy"/>
     <dgm:cxn modelId="{B3194426-8F2C-4599-8334-A77C24E85D70}" type="presOf" srcId="{63FF3E21-F438-42A5-8D7B-E965B1D3812A}" destId="{11F12F7E-0B93-41A3-87BC-24FCC6E0289B}" srcOrd="0" destOrd="0" presId="urn:microsoft.com/office/officeart/2008/layout/HorizontalMultiLevelHierarchy"/>
-    <dgm:cxn modelId="{100C4F7D-2A1A-4546-B2DC-F10C4BB3C755}" srcId="{7DF7B6DD-8D79-468E-B015-C667742FBFEB}" destId="{69705CEA-F570-453E-89C2-BF794F678958}" srcOrd="1" destOrd="0" parTransId="{C00D11A3-9D06-466C-BA99-53F0B6A1B1FC}" sibTransId="{2CA70043-153C-4528-8CBA-351914359EE1}"/>
-    <dgm:cxn modelId="{A9BC8CC8-D9B4-420C-A71C-562C76E994F1}" srcId="{CE13128E-9149-4B70-91DE-630C4ABBFE00}" destId="{0ED25E3A-194B-4DBD-AE05-C5BAB2D4B322}" srcOrd="0" destOrd="0" parTransId="{305D8F76-DE5C-477C-9DE0-661AB94732FF}" sibTransId="{964FDF4F-7DC1-44AC-84EA-F8B8AA5B99EA}"/>
+    <dgm:cxn modelId="{8E4EFBD5-37F1-443C-8D37-89A4DC4A200B}" type="presOf" srcId="{31A7FA4E-1377-4668-AA4A-F847E0BA75F9}" destId="{64DC2729-4AEE-46FC-A4B3-43AAC41F9DD2}" srcOrd="0" destOrd="0" presId="urn:microsoft.com/office/officeart/2008/layout/HorizontalMultiLevelHierarchy"/>
+    <dgm:cxn modelId="{D5162A70-9646-4B9A-9D47-8847B119A36D}" type="presOf" srcId="{DC5DA3D9-0E16-42DE-894D-7A0ACA3BEA89}" destId="{5AE26B0C-D01B-45E0-A33F-6264A326BBFD}" srcOrd="1" destOrd="0" presId="urn:microsoft.com/office/officeart/2008/layout/HorizontalMultiLevelHierarchy"/>
     <dgm:cxn modelId="{C1B85BF8-8C75-4508-BDA6-ED7D32829F8E}" type="presOf" srcId="{9CDE7211-7213-4221-9E18-349FFE24B791}" destId="{9D43B9EB-EF57-4CA9-8875-07E50AC536FE}" srcOrd="0" destOrd="0" presId="urn:microsoft.com/office/officeart/2008/layout/HorizontalMultiLevelHierarchy"/>
+    <dgm:cxn modelId="{38540718-F67F-4C11-9B24-F182E409F9F7}" srcId="{4A1CE773-3E85-4B37-BA18-CB28DF37705F}" destId="{9B0E06C2-4430-4C22-92AF-6D91175F2E8B}" srcOrd="1" destOrd="0" parTransId="{B3A3E97E-B1F5-4285-B3CC-626A9AFB88AF}" sibTransId="{7EF15AAC-523E-46E8-BCE2-0064739EBD0B}"/>
+    <dgm:cxn modelId="{E8E957DC-8B5E-4F8C-B5ED-96F2A805E2A8}" type="presOf" srcId="{4A1CE773-3E85-4B37-BA18-CB28DF37705F}" destId="{08C3CC76-66C0-40DD-B207-18615301AEA6}" srcOrd="0" destOrd="0" presId="urn:microsoft.com/office/officeart/2008/layout/HorizontalMultiLevelHierarchy"/>
+    <dgm:cxn modelId="{91BB3751-AE35-42E3-9C14-D0C99A4298F0}" srcId="{69705CEA-F570-453E-89C2-BF794F678958}" destId="{7D4A7BEA-0826-4D7F-9B13-830276B86077}" srcOrd="0" destOrd="0" parTransId="{80A8E8CD-E500-4265-9EBD-08F5903454F8}" sibTransId="{652FD5D0-86D7-4337-9B75-D2CD6C870809}"/>
+    <dgm:cxn modelId="{18D20495-54B2-41BA-B806-37002FB53632}" type="presOf" srcId="{69705CEA-F570-453E-89C2-BF794F678958}" destId="{BC230F88-AF16-401E-847A-5EB6F35167B5}" srcOrd="0" destOrd="0" presId="urn:microsoft.com/office/officeart/2008/layout/HorizontalMultiLevelHierarchy"/>
+    <dgm:cxn modelId="{1A56D051-FCD1-4ACE-B517-CA53D4CD293A}" type="presOf" srcId="{C6E5B58F-10F1-4A0F-B24B-83ABFC7283E8}" destId="{350094D2-7DCD-4D6D-BF3C-22BADCB8186A}" srcOrd="1" destOrd="0" presId="urn:microsoft.com/office/officeart/2008/layout/HorizontalMultiLevelHierarchy"/>
     <dgm:cxn modelId="{D6CC8C56-3DAD-4CE5-BB65-51B263CD22D9}" type="presOf" srcId="{80A8E8CD-E500-4265-9EBD-08F5903454F8}" destId="{A8088930-A153-477E-9029-C095C3D50AF4}" srcOrd="0" destOrd="0" presId="urn:microsoft.com/office/officeart/2008/layout/HorizontalMultiLevelHierarchy"/>
-    <dgm:cxn modelId="{E7A7BC4A-FA59-4FC2-A70C-7826F6D84463}" type="presOf" srcId="{3D7E4721-08AD-4056-9D97-280A0288FF53}" destId="{48EA20E2-9F73-4378-9103-C6F25598EA7F}" srcOrd="0" destOrd="0" presId="urn:microsoft.com/office/officeart/2008/layout/HorizontalMultiLevelHierarchy"/>
-    <dgm:cxn modelId="{B4FD77FA-C77B-48AF-8FBC-9D705ED00DE4}" type="presOf" srcId="{9B0E06C2-4430-4C22-92AF-6D91175F2E8B}" destId="{99E58E7E-BFE3-414B-AF9D-7BB998895FEF}" srcOrd="0" destOrd="0" presId="urn:microsoft.com/office/officeart/2008/layout/HorizontalMultiLevelHierarchy"/>
-    <dgm:cxn modelId="{E8E957DC-8B5E-4F8C-B5ED-96F2A805E2A8}" type="presOf" srcId="{4A1CE773-3E85-4B37-BA18-CB28DF37705F}" destId="{08C3CC76-66C0-40DD-B207-18615301AEA6}" srcOrd="0" destOrd="0" presId="urn:microsoft.com/office/officeart/2008/layout/HorizontalMultiLevelHierarchy"/>
+    <dgm:cxn modelId="{CC33FE3A-2675-4C05-AC2C-C262B46663BD}" type="presOf" srcId="{08C55BA2-31D6-43CA-BE8B-18095A33123C}" destId="{E44A7F6B-CDD6-46D7-8C6D-31E128DCFA9B}" srcOrd="0" destOrd="0" presId="urn:microsoft.com/office/officeart/2008/layout/HorizontalMultiLevelHierarchy"/>
+    <dgm:cxn modelId="{A67FD952-7E3E-42C2-B9AC-9786F65D1584}" srcId="{08C55BA2-31D6-43CA-BE8B-18095A33123C}" destId="{4A1CE773-3E85-4B37-BA18-CB28DF37705F}" srcOrd="0" destOrd="0" parTransId="{C970C188-F04F-415C-B685-2C4E7AFB148E}" sibTransId="{1EF5A848-6056-46B2-8C3B-F197EDA52614}"/>
+    <dgm:cxn modelId="{CC6C77C6-FE6E-49D4-86B7-B41D722DE6FD}" srcId="{D24B9365-C298-4D09-9B43-19F1F42CB936}" destId="{31A7FA4E-1377-4668-AA4A-F847E0BA75F9}" srcOrd="1" destOrd="0" parTransId="{BCECA982-1209-40D3-90B9-DB39233875A5}" sibTransId="{84D3DBC8-A14D-46AC-9625-01BC5680C226}"/>
+    <dgm:cxn modelId="{1BF0094A-FEFC-422B-B205-AFF45445190D}" type="presOf" srcId="{63FF3E21-F438-42A5-8D7B-E965B1D3812A}" destId="{9539C340-DD91-4CCB-9617-C26D5EA57291}" srcOrd="1" destOrd="0" presId="urn:microsoft.com/office/officeart/2008/layout/HorizontalMultiLevelHierarchy"/>
+    <dgm:cxn modelId="{68BEAA0F-F727-404F-A1C3-B6A93BF7DE79}" type="presOf" srcId="{B3A3E97E-B1F5-4285-B3CC-626A9AFB88AF}" destId="{962A20E9-4E8A-4469-B9A9-712648A37A7E}" srcOrd="1" destOrd="0" presId="urn:microsoft.com/office/officeart/2008/layout/HorizontalMultiLevelHierarchy"/>
+    <dgm:cxn modelId="{0E9DAE43-BD16-4A14-9821-2524BC241F48}" srcId="{CE13128E-9149-4B70-91DE-630C4ABBFE00}" destId="{08C55BA2-31D6-43CA-BE8B-18095A33123C}" srcOrd="1" destOrd="0" parTransId="{6DB745CF-1A78-406B-8408-ECE8759E9FA1}" sibTransId="{E3EE3127-9860-436D-80DB-2AE4EBD12F9F}"/>
+    <dgm:cxn modelId="{B353EAEA-C1EF-497E-AD8A-EEFA8A1765D1}" type="presOf" srcId="{305D8F76-DE5C-477C-9DE0-661AB94732FF}" destId="{2DB62359-910D-4F81-A286-8DE2D01AD00D}" srcOrd="1" destOrd="0" presId="urn:microsoft.com/office/officeart/2008/layout/HorizontalMultiLevelHierarchy"/>
     <dgm:cxn modelId="{E85A5082-869E-40EA-9C36-EDCB529A800C}" type="presParOf" srcId="{48EA20E2-9F73-4378-9103-C6F25598EA7F}" destId="{86C845A6-4E5D-48FE-9B1B-66F63DBF6920}" srcOrd="0" destOrd="0" presId="urn:microsoft.com/office/officeart/2008/layout/HorizontalMultiLevelHierarchy"/>
     <dgm:cxn modelId="{40337B89-9F14-49F4-B9A9-FB9EEE4ADA72}" type="presParOf" srcId="{86C845A6-4E5D-48FE-9B1B-66F63DBF6920}" destId="{85F62DE2-963F-4C4E-96AF-E89F91C81D5C}" srcOrd="0" destOrd="0" presId="urn:microsoft.com/office/officeart/2008/layout/HorizontalMultiLevelHierarchy"/>
     <dgm:cxn modelId="{22D98093-D67B-4619-B710-0A51376D5E73}" type="presParOf" srcId="{86C845A6-4E5D-48FE-9B1B-66F63DBF6920}" destId="{67D192E8-B60F-4363-ADBD-30FA0B008AD7}" srcOrd="1" destOrd="0" presId="urn:microsoft.com/office/officeart/2008/layout/HorizontalMultiLevelHierarchy"/>
@@ -16563,498 +16563,6 @@
       <dsp:cNvGrpSpPr/>
     </dsp:nvGrpSpPr>
     <dsp:grpSpPr/>
-    <dsp:sp modelId="{BFCD2251-09FB-4193-82AE-20E41AABECB4}">
-      <dsp:nvSpPr>
-        <dsp:cNvPr id="0" name=""/>
-        <dsp:cNvSpPr/>
-      </dsp:nvSpPr>
-      <dsp:spPr>
-        <a:xfrm>
-          <a:off x="0" y="0"/>
-          <a:ext cx="8928992" cy="5256583"/>
-        </a:xfrm>
-        <a:prstGeom prst="roundRect">
-          <a:avLst>
-            <a:gd name="adj" fmla="val 8500"/>
-          </a:avLst>
-        </a:prstGeom>
-        <a:solidFill>
-          <a:schemeClr val="accent1">
-            <a:hueOff val="0"/>
-            <a:satOff val="0"/>
-            <a:lumOff val="0"/>
-            <a:alphaOff val="0"/>
-          </a:schemeClr>
-        </a:solidFill>
-        <a:ln>
-          <a:noFill/>
-        </a:ln>
-        <a:effectLst/>
-        <a:scene3d>
-          <a:camera prst="orthographicFront"/>
-          <a:lightRig rig="chilly" dir="t"/>
-        </a:scene3d>
-        <a:sp3d prstMaterial="translucentPowder">
-          <a:bevelT w="127000" h="25400" prst="softRound"/>
-        </a:sp3d>
-      </dsp:spPr>
-      <dsp:style>
-        <a:lnRef idx="0">
-          <a:scrgbClr r="0" g="0" b="0"/>
-        </a:lnRef>
-        <a:fillRef idx="1">
-          <a:scrgbClr r="0" g="0" b="0"/>
-        </a:fillRef>
-        <a:effectRef idx="0">
-          <a:scrgbClr r="0" g="0" b="0"/>
-        </a:effectRef>
-        <a:fontRef idx="minor">
-          <a:schemeClr val="lt1"/>
-        </a:fontRef>
-      </dsp:style>
-      <dsp:txBody>
-        <a:bodyPr spcFirstLastPara="0" vert="horz" wrap="square" lIns="152400" tIns="152400" rIns="152400" bIns="4079693" numCol="1" spcCol="1270" anchor="t" anchorCtr="0">
-          <a:noAutofit/>
-        </a:bodyPr>
-        <a:lstStyle/>
-        <a:p>
-          <a:pPr lvl="0" algn="l" defTabSz="1778000">
-            <a:lnSpc>
-              <a:spcPct val="90000"/>
-            </a:lnSpc>
-            <a:spcBef>
-              <a:spcPct val="0"/>
-            </a:spcBef>
-            <a:spcAft>
-              <a:spcPct val="35000"/>
-            </a:spcAft>
-          </a:pPr>
-          <a:r>
-            <a:rPr lang="pt-BR" sz="4000" kern="1200" dirty="0" smtClean="0"/>
-            <a:t>Web site</a:t>
-          </a:r>
-          <a:endParaRPr lang="pt-BR" sz="4000" kern="1200" dirty="0"/>
-        </a:p>
-      </dsp:txBody>
-      <dsp:txXfrm>
-        <a:off x="130866" y="130866"/>
-        <a:ext cx="8667260" cy="4994851"/>
-      </dsp:txXfrm>
-    </dsp:sp>
-    <dsp:sp modelId="{B75B4B1B-09EA-44A0-A091-652EBDE0EA98}">
-      <dsp:nvSpPr>
-        <dsp:cNvPr id="0" name=""/>
-        <dsp:cNvSpPr/>
-      </dsp:nvSpPr>
-      <dsp:spPr>
-        <a:xfrm>
-          <a:off x="223224" y="1314145"/>
-          <a:ext cx="1339348" cy="3679608"/>
-        </a:xfrm>
-        <a:prstGeom prst="roundRect">
-          <a:avLst>
-            <a:gd name="adj" fmla="val 10500"/>
-          </a:avLst>
-        </a:prstGeom>
-        <a:solidFill>
-          <a:schemeClr val="lt1">
-            <a:alpha val="90000"/>
-            <a:hueOff val="0"/>
-            <a:satOff val="0"/>
-            <a:lumOff val="0"/>
-            <a:alphaOff val="0"/>
-          </a:schemeClr>
-        </a:solidFill>
-        <a:ln w="9525" cap="flat" cmpd="sng" algn="ctr">
-          <a:solidFill>
-            <a:schemeClr val="accent1">
-              <a:hueOff val="0"/>
-              <a:satOff val="0"/>
-              <a:lumOff val="0"/>
-              <a:alphaOff val="0"/>
-            </a:schemeClr>
-          </a:solidFill>
-          <a:prstDash val="solid"/>
-        </a:ln>
-        <a:effectLst/>
-        <a:scene3d>
-          <a:camera prst="orthographicFront"/>
-          <a:lightRig rig="chilly" dir="t"/>
-        </a:scene3d>
-        <a:sp3d z="12700" extrusionH="1700" prstMaterial="dkEdge">
-          <a:bevelT w="25400" h="6350" prst="softRound"/>
-          <a:bevelB w="0" h="0" prst="convex"/>
-        </a:sp3d>
-      </dsp:spPr>
-      <dsp:style>
-        <a:lnRef idx="1">
-          <a:scrgbClr r="0" g="0" b="0"/>
-        </a:lnRef>
-        <a:fillRef idx="1">
-          <a:scrgbClr r="0" g="0" b="0"/>
-        </a:fillRef>
-        <a:effectRef idx="0">
-          <a:scrgbClr r="0" g="0" b="0"/>
-        </a:effectRef>
-        <a:fontRef idx="minor"/>
-      </dsp:style>
-      <dsp:txBody>
-        <a:bodyPr spcFirstLastPara="0" vert="horz" wrap="square" lIns="76200" tIns="76200" rIns="76200" bIns="76200" numCol="1" spcCol="1270" anchor="ctr" anchorCtr="0">
-          <a:noAutofit/>
-        </a:bodyPr>
-        <a:lstStyle/>
-        <a:p>
-          <a:pPr lvl="0" algn="ctr" defTabSz="889000">
-            <a:lnSpc>
-              <a:spcPct val="90000"/>
-            </a:lnSpc>
-            <a:spcBef>
-              <a:spcPct val="0"/>
-            </a:spcBef>
-            <a:spcAft>
-              <a:spcPct val="35000"/>
-            </a:spcAft>
-          </a:pPr>
-          <a:r>
-            <a:rPr lang="pt-BR" sz="2000" kern="1200" dirty="0" smtClean="0"/>
-            <a:t>Serviço PWA</a:t>
-          </a:r>
-          <a:endParaRPr lang="pt-BR" sz="2000" kern="1200" dirty="0"/>
-        </a:p>
-      </dsp:txBody>
-      <dsp:txXfrm>
-        <a:off x="264414" y="1355335"/>
-        <a:ext cx="1256968" cy="3597228"/>
-      </dsp:txXfrm>
-    </dsp:sp>
-    <dsp:sp modelId="{ADD3C99B-AFC3-47B1-A4DF-7A75CC6ABE97}">
-      <dsp:nvSpPr>
-        <dsp:cNvPr id="0" name=""/>
-        <dsp:cNvSpPr/>
-      </dsp:nvSpPr>
-      <dsp:spPr>
-        <a:xfrm>
-          <a:off x="1785798" y="1314145"/>
-          <a:ext cx="6919968" cy="3679608"/>
-        </a:xfrm>
-        <a:prstGeom prst="roundRect">
-          <a:avLst>
-            <a:gd name="adj" fmla="val 10500"/>
-          </a:avLst>
-        </a:prstGeom>
-        <a:solidFill>
-          <a:schemeClr val="accent1">
-            <a:hueOff val="0"/>
-            <a:satOff val="0"/>
-            <a:lumOff val="0"/>
-            <a:alphaOff val="0"/>
-          </a:schemeClr>
-        </a:solidFill>
-        <a:ln>
-          <a:noFill/>
-        </a:ln>
-        <a:effectLst/>
-        <a:scene3d>
-          <a:camera prst="orthographicFront"/>
-          <a:lightRig rig="chilly" dir="t"/>
-        </a:scene3d>
-        <a:sp3d prstMaterial="translucentPowder">
-          <a:bevelT w="127000" h="25400" prst="softRound"/>
-        </a:sp3d>
-      </dsp:spPr>
-      <dsp:style>
-        <a:lnRef idx="0">
-          <a:scrgbClr r="0" g="0" b="0"/>
-        </a:lnRef>
-        <a:fillRef idx="1">
-          <a:scrgbClr r="0" g="0" b="0"/>
-        </a:fillRef>
-        <a:effectRef idx="0">
-          <a:scrgbClr r="0" g="0" b="0"/>
-        </a:effectRef>
-        <a:fontRef idx="minor">
-          <a:schemeClr val="lt1"/>
-        </a:fontRef>
-      </dsp:style>
-      <dsp:txBody>
-        <a:bodyPr spcFirstLastPara="0" vert="horz" wrap="square" lIns="152400" tIns="152400" rIns="152400" bIns="2336552" numCol="1" spcCol="1270" anchor="t" anchorCtr="0">
-          <a:noAutofit/>
-        </a:bodyPr>
-        <a:lstStyle/>
-        <a:p>
-          <a:pPr lvl="0" algn="l" defTabSz="1778000">
-            <a:lnSpc>
-              <a:spcPct val="90000"/>
-            </a:lnSpc>
-            <a:spcBef>
-              <a:spcPct val="0"/>
-            </a:spcBef>
-            <a:spcAft>
-              <a:spcPct val="35000"/>
-            </a:spcAft>
-          </a:pPr>
-          <a:r>
-            <a:rPr lang="pt-BR" sz="4000" kern="1200" dirty="0" smtClean="0"/>
-            <a:t>Configuração</a:t>
-          </a:r>
-          <a:endParaRPr lang="pt-BR" sz="4000" kern="1200" dirty="0"/>
-        </a:p>
-      </dsp:txBody>
-      <dsp:txXfrm>
-        <a:off x="1898959" y="1427306"/>
-        <a:ext cx="6693646" cy="3453286"/>
-      </dsp:txXfrm>
-    </dsp:sp>
-    <dsp:sp modelId="{003ADD9F-4AC4-45B5-8DD6-EC81A27549EB}">
-      <dsp:nvSpPr>
-        <dsp:cNvPr id="0" name=""/>
-        <dsp:cNvSpPr/>
-      </dsp:nvSpPr>
-      <dsp:spPr>
-        <a:xfrm>
-          <a:off x="1958797" y="2602009"/>
-          <a:ext cx="1383993" cy="2115775"/>
-        </a:xfrm>
-        <a:prstGeom prst="roundRect">
-          <a:avLst>
-            <a:gd name="adj" fmla="val 10500"/>
-          </a:avLst>
-        </a:prstGeom>
-        <a:solidFill>
-          <a:schemeClr val="lt1">
-            <a:alpha val="90000"/>
-            <a:hueOff val="0"/>
-            <a:satOff val="0"/>
-            <a:lumOff val="0"/>
-            <a:alphaOff val="0"/>
-          </a:schemeClr>
-        </a:solidFill>
-        <a:ln w="9525" cap="flat" cmpd="sng" algn="ctr">
-          <a:solidFill>
-            <a:schemeClr val="accent1">
-              <a:hueOff val="0"/>
-              <a:satOff val="0"/>
-              <a:lumOff val="0"/>
-              <a:alphaOff val="0"/>
-            </a:schemeClr>
-          </a:solidFill>
-          <a:prstDash val="solid"/>
-        </a:ln>
-        <a:effectLst/>
-        <a:scene3d>
-          <a:camera prst="orthographicFront"/>
-          <a:lightRig rig="chilly" dir="t"/>
-        </a:scene3d>
-        <a:sp3d z="12700" extrusionH="1700" prstMaterial="dkEdge">
-          <a:bevelT w="25400" h="6350" prst="softRound"/>
-          <a:bevelB w="0" h="0" prst="convex"/>
-        </a:sp3d>
-      </dsp:spPr>
-      <dsp:style>
-        <a:lnRef idx="1">
-          <a:scrgbClr r="0" g="0" b="0"/>
-        </a:lnRef>
-        <a:fillRef idx="1">
-          <a:scrgbClr r="0" g="0" b="0"/>
-        </a:fillRef>
-        <a:effectRef idx="0">
-          <a:scrgbClr r="0" g="0" b="0"/>
-        </a:effectRef>
-        <a:fontRef idx="minor"/>
-      </dsp:style>
-      <dsp:txBody>
-        <a:bodyPr spcFirstLastPara="0" vert="horz" wrap="square" lIns="76200" tIns="76200" rIns="76200" bIns="76200" numCol="1" spcCol="1270" anchor="ctr" anchorCtr="0">
-          <a:noAutofit/>
-        </a:bodyPr>
-        <a:lstStyle/>
-        <a:p>
-          <a:pPr lvl="0" algn="ctr" defTabSz="889000">
-            <a:lnSpc>
-              <a:spcPct val="90000"/>
-            </a:lnSpc>
-            <a:spcBef>
-              <a:spcPct val="0"/>
-            </a:spcBef>
-            <a:spcAft>
-              <a:spcPct val="35000"/>
-            </a:spcAft>
-          </a:pPr>
-          <a:r>
-            <a:rPr lang="pt-BR" sz="2000" kern="1200" dirty="0" smtClean="0"/>
-            <a:t>Base dados Aplicação</a:t>
-          </a:r>
-          <a:endParaRPr lang="pt-BR" sz="2000" kern="1200" dirty="0"/>
-        </a:p>
-      </dsp:txBody>
-      <dsp:txXfrm>
-        <a:off x="2001360" y="2644572"/>
-        <a:ext cx="1298867" cy="2030649"/>
-      </dsp:txXfrm>
-    </dsp:sp>
-    <dsp:sp modelId="{A5A6D88A-617E-417D-BD7B-EBF9A20413FC}">
-      <dsp:nvSpPr>
-        <dsp:cNvPr id="0" name=""/>
-        <dsp:cNvSpPr/>
-      </dsp:nvSpPr>
-      <dsp:spPr>
-        <a:xfrm>
-          <a:off x="3526951" y="2628291"/>
-          <a:ext cx="4955590" cy="2102633"/>
-        </a:xfrm>
-        <a:prstGeom prst="roundRect">
-          <a:avLst>
-            <a:gd name="adj" fmla="val 10500"/>
-          </a:avLst>
-        </a:prstGeom>
-        <a:solidFill>
-          <a:schemeClr val="accent1">
-            <a:hueOff val="0"/>
-            <a:satOff val="0"/>
-            <a:lumOff val="0"/>
-            <a:alphaOff val="0"/>
-          </a:schemeClr>
-        </a:solidFill>
-        <a:ln>
-          <a:noFill/>
-        </a:ln>
-        <a:effectLst/>
-        <a:scene3d>
-          <a:camera prst="orthographicFront"/>
-          <a:lightRig rig="chilly" dir="t"/>
-        </a:scene3d>
-        <a:sp3d prstMaterial="translucentPowder">
-          <a:bevelT w="127000" h="25400" prst="softRound"/>
-        </a:sp3d>
-      </dsp:spPr>
-      <dsp:style>
-        <a:lnRef idx="0">
-          <a:scrgbClr r="0" g="0" b="0"/>
-        </a:lnRef>
-        <a:fillRef idx="1">
-          <a:scrgbClr r="0" g="0" b="0"/>
-        </a:fillRef>
-        <a:effectRef idx="0">
-          <a:scrgbClr r="0" g="0" b="0"/>
-        </a:effectRef>
-        <a:fontRef idx="minor">
-          <a:schemeClr val="lt1"/>
-        </a:fontRef>
-      </dsp:style>
-      <dsp:txBody>
-        <a:bodyPr spcFirstLastPara="0" vert="horz" wrap="square" lIns="152400" tIns="152400" rIns="152400" bIns="1186820" numCol="1" spcCol="1270" anchor="t" anchorCtr="0">
-          <a:noAutofit/>
-        </a:bodyPr>
-        <a:lstStyle/>
-        <a:p>
-          <a:pPr lvl="0" algn="l" defTabSz="1778000">
-            <a:lnSpc>
-              <a:spcPct val="90000"/>
-            </a:lnSpc>
-            <a:spcBef>
-              <a:spcPct val="0"/>
-            </a:spcBef>
-            <a:spcAft>
-              <a:spcPct val="35000"/>
-            </a:spcAft>
-          </a:pPr>
-          <a:r>
-            <a:rPr lang="pt-BR" sz="4000" kern="1200" dirty="0" smtClean="0"/>
-            <a:t>Webservices</a:t>
-          </a:r>
-          <a:endParaRPr lang="pt-BR" sz="4000" kern="1200" dirty="0"/>
-        </a:p>
-      </dsp:txBody>
-      <dsp:txXfrm>
-        <a:off x="3591614" y="2692954"/>
-        <a:ext cx="4826264" cy="1973307"/>
-      </dsp:txXfrm>
-    </dsp:sp>
-    <dsp:sp modelId="{2C1EC8B9-85E5-46D8-A0E1-9621919A32B4}">
-      <dsp:nvSpPr>
-        <dsp:cNvPr id="0" name=""/>
-        <dsp:cNvSpPr/>
-      </dsp:nvSpPr>
-      <dsp:spPr>
-        <a:xfrm>
-          <a:off x="3650841" y="3574477"/>
-          <a:ext cx="4707811" cy="946185"/>
-        </a:xfrm>
-        <a:prstGeom prst="roundRect">
-          <a:avLst>
-            <a:gd name="adj" fmla="val 10500"/>
-          </a:avLst>
-        </a:prstGeom>
-        <a:solidFill>
-          <a:schemeClr val="lt1">
-            <a:alpha val="90000"/>
-            <a:hueOff val="0"/>
-            <a:satOff val="0"/>
-            <a:lumOff val="0"/>
-            <a:alphaOff val="0"/>
-          </a:schemeClr>
-        </a:solidFill>
-        <a:ln w="9525" cap="flat" cmpd="sng" algn="ctr">
-          <a:solidFill>
-            <a:schemeClr val="accent1">
-              <a:hueOff val="0"/>
-              <a:satOff val="0"/>
-              <a:lumOff val="0"/>
-              <a:alphaOff val="0"/>
-            </a:schemeClr>
-          </a:solidFill>
-          <a:prstDash val="solid"/>
-        </a:ln>
-        <a:effectLst/>
-        <a:scene3d>
-          <a:camera prst="orthographicFront"/>
-          <a:lightRig rig="chilly" dir="t"/>
-        </a:scene3d>
-        <a:sp3d z="12700" extrusionH="1700" prstMaterial="dkEdge">
-          <a:bevelT w="25400" h="6350" prst="softRound"/>
-          <a:bevelB w="0" h="0" prst="convex"/>
-        </a:sp3d>
-      </dsp:spPr>
-      <dsp:style>
-        <a:lnRef idx="1">
-          <a:scrgbClr r="0" g="0" b="0"/>
-        </a:lnRef>
-        <a:fillRef idx="1">
-          <a:scrgbClr r="0" g="0" b="0"/>
-        </a:fillRef>
-        <a:effectRef idx="0">
-          <a:scrgbClr r="0" g="0" b="0"/>
-        </a:effectRef>
-        <a:fontRef idx="minor"/>
-      </dsp:style>
-      <dsp:txBody>
-        <a:bodyPr spcFirstLastPara="0" vert="horz" wrap="square" lIns="76200" tIns="76200" rIns="76200" bIns="76200" numCol="1" spcCol="1270" anchor="ctr" anchorCtr="0">
-          <a:noAutofit/>
-        </a:bodyPr>
-        <a:lstStyle/>
-        <a:p>
-          <a:pPr lvl="0" algn="ctr" defTabSz="889000">
-            <a:lnSpc>
-              <a:spcPct val="90000"/>
-            </a:lnSpc>
-            <a:spcBef>
-              <a:spcPct val="0"/>
-            </a:spcBef>
-            <a:spcAft>
-              <a:spcPct val="35000"/>
-            </a:spcAft>
-          </a:pPr>
-          <a:r>
-            <a:rPr lang="pt-BR" sz="2000" kern="1200" dirty="0" smtClean="0"/>
-            <a:t>Bases terceiras</a:t>
-          </a:r>
-          <a:endParaRPr lang="pt-BR" sz="2000" kern="1200" dirty="0"/>
-        </a:p>
-      </dsp:txBody>
-      <dsp:txXfrm>
-        <a:off x="3679939" y="3603575"/>
-        <a:ext cx="4649615" cy="887989"/>
-      </dsp:txXfrm>
-    </dsp:sp>
   </dsp:spTree>
 </dsp:drawing>
 </file>
@@ -17847,9 +17355,9 @@
         <dsp:cNvSpPr/>
       </dsp:nvSpPr>
       <dsp:spPr>
-        <a:xfrm rot="40050">
-          <a:off x="3967853" y="2634266"/>
-          <a:ext cx="584228" cy="24741"/>
+        <a:xfrm rot="18271314">
+          <a:off x="3744556" y="2206210"/>
+          <a:ext cx="1030822" cy="24741"/>
         </a:xfrm>
         <a:custGeom>
           <a:avLst/>
@@ -17863,7 +17371,7 @@
                 <a:pt x="0" y="12370"/>
               </a:moveTo>
               <a:lnTo>
-                <a:pt x="584228" y="12370"/>
+                <a:pt x="1030822" y="12370"/>
               </a:lnTo>
             </a:path>
           </a:pathLst>
@@ -17916,8 +17424,8 @@
         </a:p>
       </dsp:txBody>
       <dsp:txXfrm>
-        <a:off x="4245361" y="2632031"/>
-        <a:ext cx="29211" cy="29211"/>
+        <a:off x="4234196" y="2192810"/>
+        <a:ext cx="51541" cy="51541"/>
       </dsp:txXfrm>
     </dsp:sp>
     <dsp:sp modelId="{F6BE6E96-4771-4198-B10E-7C2835266749}">
@@ -17927,7 +17435,7 @@
       </dsp:nvSpPr>
       <dsp:spPr>
         <a:xfrm>
-          <a:off x="4552062" y="1800200"/>
+          <a:off x="4552062" y="944089"/>
           <a:ext cx="1789488" cy="1699679"/>
         </a:xfrm>
         <a:prstGeom prst="roundRect">
@@ -17993,7 +17501,7 @@
         </a:p>
       </dsp:txBody>
       <dsp:txXfrm>
-        <a:off x="4601844" y="1849982"/>
+        <a:off x="4601844" y="993871"/>
         <a:ext cx="1689924" cy="1600115"/>
       </dsp:txXfrm>
     </dsp:sp>
@@ -18003,9 +17511,9 @@
         <dsp:cNvSpPr/>
       </dsp:nvSpPr>
       <dsp:spPr>
-        <a:xfrm rot="17731580">
-          <a:off x="5964886" y="2040387"/>
-          <a:ext cx="1323780" cy="24741"/>
+        <a:xfrm rot="93766">
+          <a:off x="6341444" y="1789339"/>
+          <a:ext cx="570663" cy="24741"/>
         </a:xfrm>
         <a:custGeom>
           <a:avLst/>
@@ -18019,7 +17527,7 @@
                 <a:pt x="0" y="12370"/>
               </a:moveTo>
               <a:lnTo>
-                <a:pt x="1323780" y="12370"/>
+                <a:pt x="570663" y="12370"/>
               </a:lnTo>
             </a:path>
           </a:pathLst>
@@ -18072,8 +17580,8 @@
         </a:p>
       </dsp:txBody>
       <dsp:txXfrm>
-        <a:off x="6593681" y="2019664"/>
-        <a:ext cx="66189" cy="66189"/>
+        <a:off x="6612509" y="1787443"/>
+        <a:ext cx="28533" cy="28533"/>
       </dsp:txXfrm>
     </dsp:sp>
     <dsp:sp modelId="{55F096FD-EFF2-45B8-9081-EB515D3FD4FA}">
@@ -18083,7 +17591,7 @@
       </dsp:nvSpPr>
       <dsp:spPr>
         <a:xfrm>
-          <a:off x="6912001" y="693792"/>
+          <a:off x="6912001" y="1047807"/>
           <a:ext cx="1686399" cy="1523368"/>
         </a:xfrm>
         <a:prstGeom prst="roundRect">
@@ -18149,7 +17657,7 @@
         </a:p>
       </dsp:txBody>
       <dsp:txXfrm>
-        <a:off x="6956619" y="738410"/>
+        <a:off x="6956619" y="1092425"/>
         <a:ext cx="1597163" cy="1434132"/>
       </dsp:txXfrm>
     </dsp:sp>
@@ -18159,9 +17667,9 @@
         <dsp:cNvSpPr/>
       </dsp:nvSpPr>
       <dsp:spPr>
-        <a:xfrm rot="3812925">
-          <a:off x="5958184" y="3256593"/>
-          <a:ext cx="1382587" cy="24741"/>
+        <a:xfrm rot="3826688">
+          <a:off x="3553248" y="3297268"/>
+          <a:ext cx="1485704" cy="24741"/>
         </a:xfrm>
         <a:custGeom>
           <a:avLst/>
@@ -18175,7 +17683,7 @@
                 <a:pt x="0" y="12370"/>
               </a:moveTo>
               <a:lnTo>
-                <a:pt x="1382587" y="12370"/>
+                <a:pt x="1485704" y="12370"/>
               </a:lnTo>
             </a:path>
           </a:pathLst>
@@ -18228,8 +17736,8 @@
         </a:p>
       </dsp:txBody>
       <dsp:txXfrm>
-        <a:off x="6614913" y="3234399"/>
-        <a:ext cx="69129" cy="69129"/>
+        <a:off x="4258958" y="3272496"/>
+        <a:ext cx="74285" cy="74285"/>
       </dsp:txXfrm>
     </dsp:sp>
     <dsp:sp modelId="{AAEECF93-F96B-4557-8B7E-EB719FA6407A}">
@@ -18239,7 +17747,7 @@
       </dsp:nvSpPr>
       <dsp:spPr>
         <a:xfrm>
-          <a:off x="6957405" y="3085967"/>
+          <a:off x="4624328" y="3174122"/>
           <a:ext cx="1640995" cy="1603843"/>
         </a:xfrm>
         <a:prstGeom prst="roundRect">
@@ -18305,7 +17813,7 @@
         </a:p>
       </dsp:txBody>
       <dsp:txXfrm>
-        <a:off x="7004380" y="3132942"/>
+        <a:off x="4671303" y="3221097"/>
         <a:ext cx="1547045" cy="1509893"/>
       </dsp:txXfrm>
     </dsp:sp>
@@ -40299,7 +39807,7 @@
           <a:p>
             <a:fld id="{3F5D9F91-5035-469D-968F-FE3C304D0282}" type="datetimeFigureOut">
               <a:rPr lang="pt-BR" smtClean="0"/>
-              <a:t>10/10/2018</a:t>
+              <a:t>13/11/2018</a:t>
             </a:fld>
             <a:endParaRPr lang="pt-BR"/>
           </a:p>
@@ -40632,6 +40140,90 @@
           <a:p>
             <a:fld id="{712E17E6-F46B-44DA-99F1-1EB897427454}" type="slidenum">
               <a:rPr lang="pt-BR" smtClean="0"/>
+              <a:t>6</a:t>
+            </a:fld>
+            <a:endParaRPr lang="pt-BR"/>
+          </a:p>
+        </p:txBody>
+      </p:sp>
+    </p:spTree>
+    <p:extLst>
+      <p:ext uri="{BB962C8B-B14F-4D97-AF65-F5344CB8AC3E}">
+        <p14:creationId xmlns:p14="http://schemas.microsoft.com/office/powerpoint/2010/main" val="624504403"/>
+      </p:ext>
+    </p:extLst>
+  </p:cSld>
+  <p:clrMapOvr>
+    <a:masterClrMapping/>
+  </p:clrMapOvr>
+</p:notes>
+</file>
+
+<file path=ppt/notesSlides/notesSlide2.xml><?xml version="1.0" encoding="utf-8"?>
+<p:notes xmlns:a="http://schemas.openxmlformats.org/drawingml/2006/main" xmlns:r="http://schemas.openxmlformats.org/officeDocument/2006/relationships" xmlns:p="http://schemas.openxmlformats.org/presentationml/2006/main">
+  <p:cSld>
+    <p:spTree>
+      <p:nvGrpSpPr>
+        <p:cNvPr id="1" name=""/>
+        <p:cNvGrpSpPr/>
+        <p:nvPr/>
+      </p:nvGrpSpPr>
+      <p:grpSpPr>
+        <a:xfrm>
+          <a:off x="0" y="0"/>
+          <a:ext cx="0" cy="0"/>
+          <a:chOff x="0" y="0"/>
+          <a:chExt cx="0" cy="0"/>
+        </a:xfrm>
+      </p:grpSpPr>
+      <p:sp>
+        <p:nvSpPr>
+          <p:cNvPr id="2" name="Espaço Reservado para Imagem de Slide 1"/>
+          <p:cNvSpPr>
+            <a:spLocks noGrp="1" noRot="1" noChangeAspect="1"/>
+          </p:cNvSpPr>
+          <p:nvPr>
+            <p:ph type="sldImg"/>
+          </p:nvPr>
+        </p:nvSpPr>
+        <p:spPr/>
+      </p:sp>
+      <p:sp>
+        <p:nvSpPr>
+          <p:cNvPr id="3" name="Espaço Reservado para Anotações 2"/>
+          <p:cNvSpPr>
+            <a:spLocks noGrp="1"/>
+          </p:cNvSpPr>
+          <p:nvPr>
+            <p:ph type="body" idx="1"/>
+          </p:nvPr>
+        </p:nvSpPr>
+        <p:spPr/>
+        <p:txBody>
+          <a:bodyPr/>
+          <a:lstStyle/>
+          <a:p>
+            <a:endParaRPr lang="pt-BR" dirty="0"/>
+          </a:p>
+        </p:txBody>
+      </p:sp>
+      <p:sp>
+        <p:nvSpPr>
+          <p:cNvPr id="4" name="Espaço Reservado para Número de Slide 3"/>
+          <p:cNvSpPr>
+            <a:spLocks noGrp="1"/>
+          </p:cNvSpPr>
+          <p:nvPr>
+            <p:ph type="sldNum" sz="quarter" idx="10"/>
+          </p:nvPr>
+        </p:nvSpPr>
+        <p:spPr/>
+        <p:txBody>
+          <a:bodyPr/>
+          <a:lstStyle/>
+          <a:p>
+            <a:fld id="{712E17E6-F46B-44DA-99F1-1EB897427454}" type="slidenum">
+              <a:rPr lang="pt-BR" smtClean="0"/>
               <a:t>16</a:t>
             </a:fld>
             <a:endParaRPr lang="pt-BR"/>
@@ -40843,7 +40435,7 @@
           <a:p>
             <a:fld id="{6170734A-4B5A-4F3B-B573-1E93A2DEC51B}" type="datetimeFigureOut">
               <a:rPr lang="pt-BR" smtClean="0"/>
-              <a:t>10/10/2018</a:t>
+              <a:t>13/11/2018</a:t>
             </a:fld>
             <a:endParaRPr lang="pt-BR"/>
           </a:p>
@@ -41008,7 +40600,7 @@
           <a:p>
             <a:fld id="{6170734A-4B5A-4F3B-B573-1E93A2DEC51B}" type="datetimeFigureOut">
               <a:rPr lang="pt-BR" smtClean="0"/>
-              <a:t>10/10/2018</a:t>
+              <a:t>13/11/2018</a:t>
             </a:fld>
             <a:endParaRPr lang="pt-BR"/>
           </a:p>
@@ -41183,7 +40775,7 @@
           <a:p>
             <a:fld id="{6170734A-4B5A-4F3B-B573-1E93A2DEC51B}" type="datetimeFigureOut">
               <a:rPr lang="pt-BR" smtClean="0"/>
-              <a:t>10/10/2018</a:t>
+              <a:t>13/11/2018</a:t>
             </a:fld>
             <a:endParaRPr lang="pt-BR"/>
           </a:p>
@@ -41366,7 +40958,7 @@
           <a:p>
             <a:fld id="{6170734A-4B5A-4F3B-B573-1E93A2DEC51B}" type="datetimeFigureOut">
               <a:rPr lang="pt-BR" smtClean="0"/>
-              <a:t>10/10/2018</a:t>
+              <a:t>13/11/2018</a:t>
             </a:fld>
             <a:endParaRPr lang="pt-BR"/>
           </a:p>
@@ -41628,7 +41220,7 @@
           <a:p>
             <a:fld id="{6170734A-4B5A-4F3B-B573-1E93A2DEC51B}" type="datetimeFigureOut">
               <a:rPr lang="pt-BR" smtClean="0"/>
-              <a:t>10/10/2018</a:t>
+              <a:t>13/11/2018</a:t>
             </a:fld>
             <a:endParaRPr lang="pt-BR"/>
           </a:p>
@@ -41976,7 +41568,7 @@
           <a:p>
             <a:fld id="{6170734A-4B5A-4F3B-B573-1E93A2DEC51B}" type="datetimeFigureOut">
               <a:rPr lang="pt-BR" smtClean="0"/>
-              <a:t>10/10/2018</a:t>
+              <a:t>13/11/2018</a:t>
             </a:fld>
             <a:endParaRPr lang="pt-BR"/>
           </a:p>
@@ -42284,7 +41876,7 @@
           <a:p>
             <a:fld id="{6170734A-4B5A-4F3B-B573-1E93A2DEC51B}" type="datetimeFigureOut">
               <a:rPr lang="pt-BR" smtClean="0"/>
-              <a:t>10/10/2018</a:t>
+              <a:t>13/11/2018</a:t>
             </a:fld>
             <a:endParaRPr lang="pt-BR"/>
           </a:p>
@@ -42511,7 +42103,7 @@
           <a:p>
             <a:fld id="{6170734A-4B5A-4F3B-B573-1E93A2DEC51B}" type="datetimeFigureOut">
               <a:rPr lang="pt-BR" smtClean="0"/>
-              <a:t>10/10/2018</a:t>
+              <a:t>13/11/2018</a:t>
             </a:fld>
             <a:endParaRPr lang="pt-BR"/>
           </a:p>
@@ -42601,7 +42193,7 @@
           <a:p>
             <a:fld id="{6170734A-4B5A-4F3B-B573-1E93A2DEC51B}" type="datetimeFigureOut">
               <a:rPr lang="pt-BR" smtClean="0"/>
-              <a:t>10/10/2018</a:t>
+              <a:t>13/11/2018</a:t>
             </a:fld>
             <a:endParaRPr lang="pt-BR"/>
           </a:p>
@@ -42889,7 +42481,7 @@
           <a:p>
             <a:fld id="{6170734A-4B5A-4F3B-B573-1E93A2DEC51B}" type="datetimeFigureOut">
               <a:rPr lang="pt-BR" smtClean="0"/>
-              <a:t>10/10/2018</a:t>
+              <a:t>13/11/2018</a:t>
             </a:fld>
             <a:endParaRPr lang="pt-BR"/>
           </a:p>
@@ -43158,7 +42750,7 @@
           <a:p>
             <a:fld id="{6170734A-4B5A-4F3B-B573-1E93A2DEC51B}" type="datetimeFigureOut">
               <a:rPr lang="pt-BR" smtClean="0"/>
-              <a:t>10/10/2018</a:t>
+              <a:t>13/11/2018</a:t>
             </a:fld>
             <a:endParaRPr lang="pt-BR"/>
           </a:p>
@@ -43368,7 +42960,7 @@
           <a:p>
             <a:fld id="{6170734A-4B5A-4F3B-B573-1E93A2DEC51B}" type="datetimeFigureOut">
               <a:rPr lang="pt-BR" smtClean="0"/>
-              <a:t>10/10/2018</a:t>
+              <a:t>13/11/2018</a:t>
             </a:fld>
             <a:endParaRPr lang="pt-BR"/>
           </a:p>
@@ -45254,35 +44846,35 @@
                 <a:gridCol w="558501">
                   <a:extLst>
                     <a:ext uri="{9D8B030D-6E8A-4147-A177-3AD203B41FA5}">
-                      <a16:colId xmlns:a16="http://schemas.microsoft.com/office/drawing/2014/main" xmlns="" val="20000"/>
+                      <a16:colId xmlns="" xmlns:a16="http://schemas.microsoft.com/office/drawing/2014/main" val="20000"/>
                     </a:ext>
                   </a:extLst>
                 </a:gridCol>
                 <a:gridCol w="5238155">
                   <a:extLst>
                     <a:ext uri="{9D8B030D-6E8A-4147-A177-3AD203B41FA5}">
-                      <a16:colId xmlns:a16="http://schemas.microsoft.com/office/drawing/2014/main" xmlns="" val="20001"/>
+                      <a16:colId xmlns="" xmlns:a16="http://schemas.microsoft.com/office/drawing/2014/main" val="20001"/>
                     </a:ext>
                   </a:extLst>
                 </a:gridCol>
                 <a:gridCol w="703633">
                   <a:extLst>
                     <a:ext uri="{9D8B030D-6E8A-4147-A177-3AD203B41FA5}">
-                      <a16:colId xmlns:a16="http://schemas.microsoft.com/office/drawing/2014/main" xmlns="" val="20002"/>
+                      <a16:colId xmlns="" xmlns:a16="http://schemas.microsoft.com/office/drawing/2014/main" val="20002"/>
                     </a:ext>
                   </a:extLst>
                 </a:gridCol>
                 <a:gridCol w="1563628">
                   <a:extLst>
                     <a:ext uri="{9D8B030D-6E8A-4147-A177-3AD203B41FA5}">
-                      <a16:colId xmlns:a16="http://schemas.microsoft.com/office/drawing/2014/main" xmlns="" val="20003"/>
+                      <a16:colId xmlns="" xmlns:a16="http://schemas.microsoft.com/office/drawing/2014/main" val="20003"/>
                     </a:ext>
                   </a:extLst>
                 </a:gridCol>
                 <a:gridCol w="871226">
                   <a:extLst>
                     <a:ext uri="{9D8B030D-6E8A-4147-A177-3AD203B41FA5}">
-                      <a16:colId xmlns:a16="http://schemas.microsoft.com/office/drawing/2014/main" xmlns="" val="20004"/>
+                      <a16:colId xmlns="" xmlns:a16="http://schemas.microsoft.com/office/drawing/2014/main" val="20004"/>
                     </a:ext>
                   </a:extLst>
                 </a:gridCol>
@@ -45397,7 +44989,7 @@
                 </a:tc>
                 <a:extLst>
                   <a:ext uri="{0D108BD9-81ED-4DB2-BD59-A6C34878D82A}">
-                    <a16:rowId xmlns:a16="http://schemas.microsoft.com/office/drawing/2014/main" xmlns="" val="10000"/>
+                    <a16:rowId xmlns="" xmlns:a16="http://schemas.microsoft.com/office/drawing/2014/main" val="10000"/>
                   </a:ext>
                 </a:extLst>
               </a:tr>
@@ -45504,7 +45096,7 @@
                 </a:tc>
                 <a:extLst>
                   <a:ext uri="{0D108BD9-81ED-4DB2-BD59-A6C34878D82A}">
-                    <a16:rowId xmlns:a16="http://schemas.microsoft.com/office/drawing/2014/main" xmlns="" val="10001"/>
+                    <a16:rowId xmlns="" xmlns:a16="http://schemas.microsoft.com/office/drawing/2014/main" val="10001"/>
                   </a:ext>
                 </a:extLst>
               </a:tr>
@@ -45611,7 +45203,7 @@
                 </a:tc>
                 <a:extLst>
                   <a:ext uri="{0D108BD9-81ED-4DB2-BD59-A6C34878D82A}">
-                    <a16:rowId xmlns:a16="http://schemas.microsoft.com/office/drawing/2014/main" xmlns="" val="10002"/>
+                    <a16:rowId xmlns="" xmlns:a16="http://schemas.microsoft.com/office/drawing/2014/main" val="10002"/>
                   </a:ext>
                 </a:extLst>
               </a:tr>
@@ -45718,7 +45310,7 @@
                 </a:tc>
                 <a:extLst>
                   <a:ext uri="{0D108BD9-81ED-4DB2-BD59-A6C34878D82A}">
-                    <a16:rowId xmlns:a16="http://schemas.microsoft.com/office/drawing/2014/main" xmlns="" val="10003"/>
+                    <a16:rowId xmlns="" xmlns:a16="http://schemas.microsoft.com/office/drawing/2014/main" val="10003"/>
                   </a:ext>
                 </a:extLst>
               </a:tr>
@@ -45832,7 +45424,7 @@
                 </a:tc>
                 <a:extLst>
                   <a:ext uri="{0D108BD9-81ED-4DB2-BD59-A6C34878D82A}">
-                    <a16:rowId xmlns:a16="http://schemas.microsoft.com/office/drawing/2014/main" xmlns="" val="10004"/>
+                    <a16:rowId xmlns="" xmlns:a16="http://schemas.microsoft.com/office/drawing/2014/main" val="10004"/>
                   </a:ext>
                 </a:extLst>
               </a:tr>
@@ -45939,7 +45531,7 @@
                 </a:tc>
                 <a:extLst>
                   <a:ext uri="{0D108BD9-81ED-4DB2-BD59-A6C34878D82A}">
-                    <a16:rowId xmlns:a16="http://schemas.microsoft.com/office/drawing/2014/main" xmlns="" val="10005"/>
+                    <a16:rowId xmlns="" xmlns:a16="http://schemas.microsoft.com/office/drawing/2014/main" val="10005"/>
                   </a:ext>
                 </a:extLst>
               </a:tr>
@@ -46046,7 +45638,7 @@
                 </a:tc>
                 <a:extLst>
                   <a:ext uri="{0D108BD9-81ED-4DB2-BD59-A6C34878D82A}">
-                    <a16:rowId xmlns:a16="http://schemas.microsoft.com/office/drawing/2014/main" xmlns="" val="10006"/>
+                    <a16:rowId xmlns="" xmlns:a16="http://schemas.microsoft.com/office/drawing/2014/main" val="10006"/>
                   </a:ext>
                 </a:extLst>
               </a:tr>
@@ -46153,7 +45745,7 @@
                 </a:tc>
                 <a:extLst>
                   <a:ext uri="{0D108BD9-81ED-4DB2-BD59-A6C34878D82A}">
-                    <a16:rowId xmlns:a16="http://schemas.microsoft.com/office/drawing/2014/main" xmlns="" val="10007"/>
+                    <a16:rowId xmlns="" xmlns:a16="http://schemas.microsoft.com/office/drawing/2014/main" val="10007"/>
                   </a:ext>
                 </a:extLst>
               </a:tr>
@@ -46260,7 +45852,7 @@
                 </a:tc>
                 <a:extLst>
                   <a:ext uri="{0D108BD9-81ED-4DB2-BD59-A6C34878D82A}">
-                    <a16:rowId xmlns:a16="http://schemas.microsoft.com/office/drawing/2014/main" xmlns="" val="10008"/>
+                    <a16:rowId xmlns="" xmlns:a16="http://schemas.microsoft.com/office/drawing/2014/main" val="10008"/>
                   </a:ext>
                 </a:extLst>
               </a:tr>
@@ -46317,7 +45909,7 @@
                 </a:tc>
                 <a:extLst>
                   <a:ext uri="{0D108BD9-81ED-4DB2-BD59-A6C34878D82A}">
-                    <a16:rowId xmlns:a16="http://schemas.microsoft.com/office/drawing/2014/main" xmlns="" val="10009"/>
+                    <a16:rowId xmlns="" xmlns:a16="http://schemas.microsoft.com/office/drawing/2014/main" val="10009"/>
                   </a:ext>
                 </a:extLst>
               </a:tr>
@@ -48985,35 +48577,35 @@
                 <a:gridCol w="3111033">
                   <a:extLst>
                     <a:ext uri="{9D8B030D-6E8A-4147-A177-3AD203B41FA5}">
-                      <a16:colId xmlns:a16="http://schemas.microsoft.com/office/drawing/2014/main" xmlns="" val="20000"/>
+                      <a16:colId xmlns="" xmlns:a16="http://schemas.microsoft.com/office/drawing/2014/main" val="20000"/>
                     </a:ext>
                   </a:extLst>
                 </a:gridCol>
                 <a:gridCol w="993424">
                   <a:extLst>
                     <a:ext uri="{9D8B030D-6E8A-4147-A177-3AD203B41FA5}">
-                      <a16:colId xmlns:a16="http://schemas.microsoft.com/office/drawing/2014/main" xmlns="" val="20001"/>
+                      <a16:colId xmlns="" xmlns:a16="http://schemas.microsoft.com/office/drawing/2014/main" val="20001"/>
                     </a:ext>
                   </a:extLst>
                 </a:gridCol>
                 <a:gridCol w="1368152">
                   <a:extLst>
                     <a:ext uri="{9D8B030D-6E8A-4147-A177-3AD203B41FA5}">
-                      <a16:colId xmlns:a16="http://schemas.microsoft.com/office/drawing/2014/main" xmlns="" val="20002"/>
+                      <a16:colId xmlns="" xmlns:a16="http://schemas.microsoft.com/office/drawing/2014/main" val="20002"/>
                     </a:ext>
                   </a:extLst>
                 </a:gridCol>
                 <a:gridCol w="1512168">
                   <a:extLst>
                     <a:ext uri="{9D8B030D-6E8A-4147-A177-3AD203B41FA5}">
-                      <a16:colId xmlns:a16="http://schemas.microsoft.com/office/drawing/2014/main" xmlns="" val="20003"/>
+                      <a16:colId xmlns="" xmlns:a16="http://schemas.microsoft.com/office/drawing/2014/main" val="20003"/>
                     </a:ext>
                   </a:extLst>
                 </a:gridCol>
                 <a:gridCol w="1872207">
                   <a:extLst>
                     <a:ext uri="{9D8B030D-6E8A-4147-A177-3AD203B41FA5}">
-                      <a16:colId xmlns:a16="http://schemas.microsoft.com/office/drawing/2014/main" xmlns="" val="20004"/>
+                      <a16:colId xmlns="" xmlns:a16="http://schemas.microsoft.com/office/drawing/2014/main" val="20004"/>
                     </a:ext>
                   </a:extLst>
                 </a:gridCol>
@@ -49176,7 +48768,7 @@
                 </a:tc>
                 <a:extLst>
                   <a:ext uri="{0D108BD9-81ED-4DB2-BD59-A6C34878D82A}">
-                    <a16:rowId xmlns:a16="http://schemas.microsoft.com/office/drawing/2014/main" xmlns="" val="10000"/>
+                    <a16:rowId xmlns="" xmlns:a16="http://schemas.microsoft.com/office/drawing/2014/main" val="10000"/>
                   </a:ext>
                 </a:extLst>
               </a:tr>
@@ -49347,7 +48939,7 @@
                 </a:tc>
                 <a:extLst>
                   <a:ext uri="{0D108BD9-81ED-4DB2-BD59-A6C34878D82A}">
-                    <a16:rowId xmlns:a16="http://schemas.microsoft.com/office/drawing/2014/main" xmlns="" val="10001"/>
+                    <a16:rowId xmlns="" xmlns:a16="http://schemas.microsoft.com/office/drawing/2014/main" val="10001"/>
                   </a:ext>
                 </a:extLst>
               </a:tr>
@@ -49515,7 +49107,7 @@
                 </a:tc>
                 <a:extLst>
                   <a:ext uri="{0D108BD9-81ED-4DB2-BD59-A6C34878D82A}">
-                    <a16:rowId xmlns:a16="http://schemas.microsoft.com/office/drawing/2014/main" xmlns="" val="10002"/>
+                    <a16:rowId xmlns="" xmlns:a16="http://schemas.microsoft.com/office/drawing/2014/main" val="10002"/>
                   </a:ext>
                 </a:extLst>
               </a:tr>
@@ -49683,7 +49275,7 @@
                 </a:tc>
                 <a:extLst>
                   <a:ext uri="{0D108BD9-81ED-4DB2-BD59-A6C34878D82A}">
-                    <a16:rowId xmlns:a16="http://schemas.microsoft.com/office/drawing/2014/main" xmlns="" val="10003"/>
+                    <a16:rowId xmlns="" xmlns:a16="http://schemas.microsoft.com/office/drawing/2014/main" val="10003"/>
                   </a:ext>
                 </a:extLst>
               </a:tr>
@@ -49842,7 +49434,7 @@
                 </a:tc>
                 <a:extLst>
                   <a:ext uri="{0D108BD9-81ED-4DB2-BD59-A6C34878D82A}">
-                    <a16:rowId xmlns:a16="http://schemas.microsoft.com/office/drawing/2014/main" xmlns="" val="10004"/>
+                    <a16:rowId xmlns="" xmlns:a16="http://schemas.microsoft.com/office/drawing/2014/main" val="10004"/>
                   </a:ext>
                 </a:extLst>
               </a:tr>
@@ -50010,7 +49602,7 @@
                 </a:tc>
                 <a:extLst>
                   <a:ext uri="{0D108BD9-81ED-4DB2-BD59-A6C34878D82A}">
-                    <a16:rowId xmlns:a16="http://schemas.microsoft.com/office/drawing/2014/main" xmlns="" val="10005"/>
+                    <a16:rowId xmlns="" xmlns:a16="http://schemas.microsoft.com/office/drawing/2014/main" val="10005"/>
                   </a:ext>
                 </a:extLst>
               </a:tr>
@@ -50169,7 +49761,7 @@
                 </a:tc>
                 <a:extLst>
                   <a:ext uri="{0D108BD9-81ED-4DB2-BD59-A6C34878D82A}">
-                    <a16:rowId xmlns:a16="http://schemas.microsoft.com/office/drawing/2014/main" xmlns="" val="10006"/>
+                    <a16:rowId xmlns="" xmlns:a16="http://schemas.microsoft.com/office/drawing/2014/main" val="10006"/>
                   </a:ext>
                 </a:extLst>
               </a:tr>
@@ -50340,7 +49932,7 @@
                 </a:tc>
                 <a:extLst>
                   <a:ext uri="{0D108BD9-81ED-4DB2-BD59-A6C34878D82A}">
-                    <a16:rowId xmlns:a16="http://schemas.microsoft.com/office/drawing/2014/main" xmlns="" val="10007"/>
+                    <a16:rowId xmlns="" xmlns:a16="http://schemas.microsoft.com/office/drawing/2014/main" val="10007"/>
                   </a:ext>
                 </a:extLst>
               </a:tr>
@@ -50520,7 +50112,7 @@
                 </a:tc>
                 <a:extLst>
                   <a:ext uri="{0D108BD9-81ED-4DB2-BD59-A6C34878D82A}">
-                    <a16:rowId xmlns:a16="http://schemas.microsoft.com/office/drawing/2014/main" xmlns="" val="10008"/>
+                    <a16:rowId xmlns="" xmlns:a16="http://schemas.microsoft.com/office/drawing/2014/main" val="10008"/>
                   </a:ext>
                 </a:extLst>
               </a:tr>
@@ -50691,7 +50283,7 @@
                 </a:tc>
                 <a:extLst>
                   <a:ext uri="{0D108BD9-81ED-4DB2-BD59-A6C34878D82A}">
-                    <a16:rowId xmlns:a16="http://schemas.microsoft.com/office/drawing/2014/main" xmlns="" val="10009"/>
+                    <a16:rowId xmlns="" xmlns:a16="http://schemas.microsoft.com/office/drawing/2014/main" val="10009"/>
                   </a:ext>
                 </a:extLst>
               </a:tr>
@@ -51065,7 +50657,7 @@
         <p:spPr>
           <a:xfrm>
             <a:off x="307975" y="274638"/>
-            <a:ext cx="8728521" cy="1143000"/>
+            <a:ext cx="8728521" cy="994122"/>
           </a:xfrm>
         </p:spPr>
         <p:txBody>
@@ -51089,18 +50681,18 @@
           <p:nvPr>
             <p:extLst>
               <p:ext uri="{D42A27DB-BD31-4B8C-83A1-F6EECF244321}">
-                <p14:modId xmlns:p14="http://schemas.microsoft.com/office/powerpoint/2010/main" val="1822011568"/>
+                <p14:modId xmlns:p14="http://schemas.microsoft.com/office/powerpoint/2010/main" val="551652060"/>
               </p:ext>
             </p:extLst>
           </p:nvPr>
         </p:nvGraphicFramePr>
         <p:xfrm>
-          <a:off x="307975" y="1340768"/>
+          <a:off x="330859" y="1196752"/>
           <a:ext cx="8598401" cy="5256584"/>
         </p:xfrm>
         <a:graphic>
           <a:graphicData uri="http://schemas.openxmlformats.org/drawingml/2006/diagram">
-            <dgm:relIds xmlns:dgm="http://schemas.openxmlformats.org/drawingml/2006/diagram" xmlns:r="http://schemas.openxmlformats.org/officeDocument/2006/relationships" r:dm="rId2" r:lo="rId3" r:qs="rId4" r:cs="rId5"/>
+            <dgm:relIds xmlns:dgm="http://schemas.openxmlformats.org/drawingml/2006/diagram" xmlns:r="http://schemas.openxmlformats.org/officeDocument/2006/relationships" r:dm="rId3" r:lo="rId4" r:qs="rId5" r:cs="rId6"/>
           </a:graphicData>
         </a:graphic>
       </p:graphicFrame>
@@ -51216,7 +50808,7 @@
         </p:nvSpPr>
         <p:spPr>
           <a:xfrm>
-            <a:off x="668899" y="2796247"/>
+            <a:off x="668899" y="2708920"/>
             <a:ext cx="950773" cy="369332"/>
           </a:xfrm>
           <a:prstGeom prst="rect">
@@ -51251,7 +50843,7 @@
         </p:nvSpPr>
         <p:spPr>
           <a:xfrm>
-            <a:off x="2515226" y="2780928"/>
+            <a:off x="2515226" y="2636912"/>
             <a:ext cx="1281248" cy="369332"/>
           </a:xfrm>
           <a:prstGeom prst="rect">
@@ -51286,7 +50878,7 @@
         </p:nvSpPr>
         <p:spPr>
           <a:xfrm>
-            <a:off x="7547762" y="4077072"/>
+            <a:off x="5169946" y="4077072"/>
             <a:ext cx="971548" cy="369332"/>
           </a:xfrm>
           <a:prstGeom prst="rect">
@@ -51320,7 +50912,7 @@
         </p:nvSpPr>
         <p:spPr>
           <a:xfrm>
-            <a:off x="7284180" y="1622869"/>
+            <a:off x="7164288" y="1844824"/>
             <a:ext cx="1835631" cy="369332"/>
           </a:xfrm>
           <a:prstGeom prst="rect">
@@ -51354,7 +50946,7 @@
         </p:nvSpPr>
         <p:spPr>
           <a:xfrm>
-            <a:off x="4960017" y="2780928"/>
+            <a:off x="4960017" y="1803296"/>
             <a:ext cx="1391407" cy="369332"/>
           </a:xfrm>
           <a:prstGeom prst="rect">
@@ -51428,18 +51020,18 @@
           <p:nvPr>
             <p:extLst>
               <p:ext uri="{D42A27DB-BD31-4B8C-83A1-F6EECF244321}">
-                <p14:modId xmlns:p14="http://schemas.microsoft.com/office/powerpoint/2010/main" val="2252121767"/>
+                <p14:modId xmlns:p14="http://schemas.microsoft.com/office/powerpoint/2010/main" val="1104738259"/>
               </p:ext>
             </p:extLst>
           </p:nvPr>
         </p:nvGraphicFramePr>
         <p:xfrm>
-          <a:off x="612775" y="6030580"/>
+          <a:off x="612775" y="6250907"/>
           <a:ext cx="8279704" cy="583568"/>
         </p:xfrm>
         <a:graphic>
           <a:graphicData uri="http://schemas.openxmlformats.org/drawingml/2006/diagram">
-            <dgm:relIds xmlns:dgm="http://schemas.openxmlformats.org/drawingml/2006/diagram" xmlns:r="http://schemas.openxmlformats.org/officeDocument/2006/relationships" r:dm="rId7" r:lo="rId8" r:qs="rId9" r:cs="rId10"/>
+            <dgm:relIds xmlns:dgm="http://schemas.openxmlformats.org/drawingml/2006/diagram" xmlns:r="http://schemas.openxmlformats.org/officeDocument/2006/relationships" r:dm="rId8" r:lo="rId9" r:qs="rId10" r:cs="rId11"/>
           </a:graphicData>
         </a:graphic>
       </p:graphicFrame>
@@ -51525,7 +51117,7 @@
           <p:nvPr/>
         </p:nvPicPr>
         <p:blipFill rotWithShape="1">
-          <a:blip r:embed="rId12">
+          <a:blip r:embed="rId13">
             <a:extLst>
               <a:ext uri="{28A0092B-C50C-407E-A947-70E740481C1C}">
                 <a14:useLocalDpi xmlns:a14="http://schemas.microsoft.com/office/drawing/2010/main" val="0"/>
@@ -51862,7 +51454,7 @@
         </p:nvSpPr>
         <p:spPr>
           <a:xfrm>
-            <a:off x="7956376" y="4797152"/>
+            <a:off x="7956376" y="5013312"/>
             <a:ext cx="731520" cy="1224000"/>
           </a:xfrm>
           <a:prstGeom prst="curvedLeftArrow">
@@ -51945,8 +51537,8 @@
         </p:nvSpPr>
         <p:spPr>
           <a:xfrm>
-            <a:off x="6977968" y="4709996"/>
-            <a:ext cx="978408" cy="350115"/>
+            <a:off x="4867240" y="4922016"/>
+            <a:ext cx="3096344" cy="387077"/>
           </a:xfrm>
           <a:prstGeom prst="rightArrow">
             <a:avLst>
@@ -52051,7 +51643,7 @@
         </p:nvSpPr>
         <p:spPr>
           <a:xfrm>
-            <a:off x="6977968" y="4340664"/>
+            <a:off x="6977968" y="4427820"/>
             <a:ext cx="1540743" cy="369332"/>
           </a:xfrm>
           <a:prstGeom prst="rect">

--- a/Ppt-Final.pptx
+++ b/Ppt-Final.pptx
@@ -127,7 +127,7 @@
   </p:defaultTextStyle>
   <p:extLst>
     <p:ext uri="{EFAFB233-063F-42B5-8137-9DF3F51BA10A}">
-      <p15:sldGuideLst xmlns:p15="http://schemas.microsoft.com/office/powerpoint/2012/main" xmlns="">
+      <p15:sldGuideLst xmlns="" xmlns:p15="http://schemas.microsoft.com/office/powerpoint/2012/main">
         <p15:guide id="1" orient="horz" pos="2160">
           <p15:clr>
             <a:srgbClr val="A4A3A4"/>
@@ -4872,14 +4872,14 @@
           <a:r>
             <a:rPr lang="pt-BR" sz="1600" b="1" dirty="0" smtClean="0">
               <a:solidFill>
-                <a:srgbClr val="7030A0"/>
+                <a:srgbClr val="FFC000"/>
               </a:solidFill>
             </a:rPr>
             <a:t>Serviço ativo</a:t>
           </a:r>
           <a:endParaRPr lang="pt-BR" sz="1600" b="1" dirty="0">
             <a:solidFill>
-              <a:srgbClr val="7030A0"/>
+              <a:srgbClr val="FFC000"/>
             </a:solidFill>
           </a:endParaRPr>
         </a:p>
@@ -4909,7 +4909,11 @@
     </dgm:pt>
     <dgm:pt modelId="{505F4CD4-2686-42E6-95A9-7B89F6B9C74E}">
       <dgm:prSet phldrT="[Texto]" custT="1"/>
-      <dgm:spPr/>
+      <dgm:spPr>
+        <a:solidFill>
+          <a:srgbClr val="00B050"/>
+        </a:solidFill>
+      </dgm:spPr>
       <dgm:t>
         <a:bodyPr/>
         <a:lstStyle/>
@@ -4984,14 +4988,14 @@
           <a:r>
             <a:rPr lang="pt-BR" sz="1600" b="1" dirty="0" smtClean="0">
               <a:solidFill>
-                <a:srgbClr val="7030A0"/>
+                <a:srgbClr val="00B050"/>
               </a:solidFill>
             </a:rPr>
             <a:t>Regularidade de atividades acadêmicas</a:t>
           </a:r>
           <a:endParaRPr lang="pt-BR" sz="1600" b="1" dirty="0">
             <a:solidFill>
-              <a:srgbClr val="7030A0"/>
+              <a:srgbClr val="00B050"/>
             </a:solidFill>
           </a:endParaRPr>
         </a:p>
@@ -5142,15 +5146,48 @@
     </dgm:pt>
     <dgm:pt modelId="{00580EB5-6E14-41C9-BAE4-5D9B53114EEE}" type="pres">
       <dgm:prSet presAssocID="{AEC7EC48-8C02-4B20-8E1F-90500B617624}" presName="c1" presStyleLbl="node1" presStyleIdx="0" presStyleCnt="19"/>
-      <dgm:spPr/>
+      <dgm:spPr>
+        <a:solidFill>
+          <a:srgbClr val="0070C0"/>
+        </a:solidFill>
+      </dgm:spPr>
+      <dgm:t>
+        <a:bodyPr/>
+        <a:lstStyle/>
+        <a:p>
+          <a:endParaRPr lang="pt-BR"/>
+        </a:p>
+      </dgm:t>
     </dgm:pt>
     <dgm:pt modelId="{4448610D-4D4D-41F4-890F-69C4D3D935FC}" type="pres">
       <dgm:prSet presAssocID="{AEC7EC48-8C02-4B20-8E1F-90500B617624}" presName="c2" presStyleLbl="node1" presStyleIdx="1" presStyleCnt="19"/>
-      <dgm:spPr/>
+      <dgm:spPr>
+        <a:solidFill>
+          <a:srgbClr val="0070C0"/>
+        </a:solidFill>
+      </dgm:spPr>
+      <dgm:t>
+        <a:bodyPr/>
+        <a:lstStyle/>
+        <a:p>
+          <a:endParaRPr lang="pt-BR"/>
+        </a:p>
+      </dgm:t>
     </dgm:pt>
     <dgm:pt modelId="{E00C693B-520F-47D0-BF8F-47A0DB9CF440}" type="pres">
       <dgm:prSet presAssocID="{AEC7EC48-8C02-4B20-8E1F-90500B617624}" presName="c3" presStyleLbl="node1" presStyleIdx="2" presStyleCnt="19"/>
-      <dgm:spPr/>
+      <dgm:spPr>
+        <a:solidFill>
+          <a:srgbClr val="0070C0"/>
+        </a:solidFill>
+      </dgm:spPr>
+      <dgm:t>
+        <a:bodyPr/>
+        <a:lstStyle/>
+        <a:p>
+          <a:endParaRPr lang="pt-BR"/>
+        </a:p>
+      </dgm:t>
     </dgm:pt>
     <dgm:pt modelId="{2069A35E-31CE-4145-B4C3-65945DAC45DF}" type="pres">
       <dgm:prSet presAssocID="{AEC7EC48-8C02-4B20-8E1F-90500B617624}" presName="c4" presStyleLbl="node1" presStyleIdx="3" presStyleCnt="19"/>
@@ -5162,55 +5199,198 @@
     </dgm:pt>
     <dgm:pt modelId="{4A3BB8EA-5318-4840-908C-4C12AD3258F5}" type="pres">
       <dgm:prSet presAssocID="{AEC7EC48-8C02-4B20-8E1F-90500B617624}" presName="c6" presStyleLbl="node1" presStyleIdx="5" presStyleCnt="19"/>
-      <dgm:spPr/>
+      <dgm:spPr>
+        <a:solidFill>
+          <a:srgbClr val="0070C0"/>
+        </a:solidFill>
+      </dgm:spPr>
+      <dgm:t>
+        <a:bodyPr/>
+        <a:lstStyle/>
+        <a:p>
+          <a:endParaRPr lang="pt-BR"/>
+        </a:p>
+      </dgm:t>
     </dgm:pt>
     <dgm:pt modelId="{8CBDDA7E-4803-4C44-99D4-124C240D06E5}" type="pres">
       <dgm:prSet presAssocID="{AEC7EC48-8C02-4B20-8E1F-90500B617624}" presName="c7" presStyleLbl="node1" presStyleIdx="6" presStyleCnt="19"/>
-      <dgm:spPr/>
+      <dgm:spPr>
+        <a:solidFill>
+          <a:srgbClr val="0070C0"/>
+        </a:solidFill>
+      </dgm:spPr>
+      <dgm:t>
+        <a:bodyPr/>
+        <a:lstStyle/>
+        <a:p>
+          <a:endParaRPr lang="pt-BR"/>
+        </a:p>
+      </dgm:t>
     </dgm:pt>
     <dgm:pt modelId="{A8EDFAC4-0083-41BA-8FB4-0FBD5B49C7E9}" type="pres">
       <dgm:prSet presAssocID="{AEC7EC48-8C02-4B20-8E1F-90500B617624}" presName="c8" presStyleLbl="node1" presStyleIdx="7" presStyleCnt="19"/>
-      <dgm:spPr/>
+      <dgm:spPr>
+        <a:solidFill>
+          <a:srgbClr val="0070C0"/>
+        </a:solidFill>
+      </dgm:spPr>
+      <dgm:t>
+        <a:bodyPr/>
+        <a:lstStyle/>
+        <a:p>
+          <a:endParaRPr lang="pt-BR"/>
+        </a:p>
+      </dgm:t>
     </dgm:pt>
     <dgm:pt modelId="{F0E3306D-5F74-47EC-AD44-C46708318CFD}" type="pres">
       <dgm:prSet presAssocID="{AEC7EC48-8C02-4B20-8E1F-90500B617624}" presName="c9" presStyleLbl="node1" presStyleIdx="8" presStyleCnt="19"/>
-      <dgm:spPr/>
+      <dgm:spPr>
+        <a:solidFill>
+          <a:srgbClr val="0070C0"/>
+        </a:solidFill>
+      </dgm:spPr>
+      <dgm:t>
+        <a:bodyPr/>
+        <a:lstStyle/>
+        <a:p>
+          <a:endParaRPr lang="pt-BR"/>
+        </a:p>
+      </dgm:t>
     </dgm:pt>
     <dgm:pt modelId="{46AAA524-6750-4A40-81BB-1CA9ABF48930}" type="pres">
       <dgm:prSet presAssocID="{AEC7EC48-8C02-4B20-8E1F-90500B617624}" presName="c10" presStyleLbl="node1" presStyleIdx="9" presStyleCnt="19"/>
-      <dgm:spPr/>
+      <dgm:spPr>
+        <a:solidFill>
+          <a:srgbClr val="0070C0"/>
+        </a:solidFill>
+      </dgm:spPr>
+      <dgm:t>
+        <a:bodyPr/>
+        <a:lstStyle/>
+        <a:p>
+          <a:endParaRPr lang="pt-BR"/>
+        </a:p>
+      </dgm:t>
     </dgm:pt>
     <dgm:pt modelId="{4D92DDD5-8D64-4B0E-9FA3-4E4AE1700A15}" type="pres">
       <dgm:prSet presAssocID="{AEC7EC48-8C02-4B20-8E1F-90500B617624}" presName="c11" presStyleLbl="node1" presStyleIdx="10" presStyleCnt="19"/>
-      <dgm:spPr/>
+      <dgm:spPr>
+        <a:solidFill>
+          <a:srgbClr val="0070C0"/>
+        </a:solidFill>
+      </dgm:spPr>
+      <dgm:t>
+        <a:bodyPr/>
+        <a:lstStyle/>
+        <a:p>
+          <a:endParaRPr lang="pt-BR"/>
+        </a:p>
+      </dgm:t>
     </dgm:pt>
     <dgm:pt modelId="{91772DB1-3A7D-4EA5-81A7-86DAFFF585F2}" type="pres">
       <dgm:prSet presAssocID="{AEC7EC48-8C02-4B20-8E1F-90500B617624}" presName="c12" presStyleLbl="node1" presStyleIdx="11" presStyleCnt="19"/>
-      <dgm:spPr/>
+      <dgm:spPr>
+        <a:solidFill>
+          <a:srgbClr val="0070C0"/>
+        </a:solidFill>
+      </dgm:spPr>
+      <dgm:t>
+        <a:bodyPr/>
+        <a:lstStyle/>
+        <a:p>
+          <a:endParaRPr lang="pt-BR"/>
+        </a:p>
+      </dgm:t>
     </dgm:pt>
     <dgm:pt modelId="{3E862664-DC2C-4985-B968-AD77D73F8587}" type="pres">
       <dgm:prSet presAssocID="{AEC7EC48-8C02-4B20-8E1F-90500B617624}" presName="c13" presStyleLbl="node1" presStyleIdx="12" presStyleCnt="19"/>
-      <dgm:spPr/>
+      <dgm:spPr>
+        <a:solidFill>
+          <a:srgbClr val="0070C0"/>
+        </a:solidFill>
+      </dgm:spPr>
+      <dgm:t>
+        <a:bodyPr/>
+        <a:lstStyle/>
+        <a:p>
+          <a:endParaRPr lang="pt-BR"/>
+        </a:p>
+      </dgm:t>
     </dgm:pt>
     <dgm:pt modelId="{5581EE3E-EC0C-436D-8F48-E62FEC748958}" type="pres">
       <dgm:prSet presAssocID="{AEC7EC48-8C02-4B20-8E1F-90500B617624}" presName="c14" presStyleLbl="node1" presStyleIdx="13" presStyleCnt="19"/>
-      <dgm:spPr/>
+      <dgm:spPr>
+        <a:solidFill>
+          <a:srgbClr val="0070C0"/>
+        </a:solidFill>
+      </dgm:spPr>
+      <dgm:t>
+        <a:bodyPr/>
+        <a:lstStyle/>
+        <a:p>
+          <a:endParaRPr lang="pt-BR"/>
+        </a:p>
+      </dgm:t>
     </dgm:pt>
     <dgm:pt modelId="{AE908452-2532-491A-B351-C4711C5DE25B}" type="pres">
       <dgm:prSet presAssocID="{AEC7EC48-8C02-4B20-8E1F-90500B617624}" presName="c15" presStyleLbl="node1" presStyleIdx="14" presStyleCnt="19"/>
-      <dgm:spPr/>
+      <dgm:spPr>
+        <a:solidFill>
+          <a:srgbClr val="0070C0"/>
+        </a:solidFill>
+      </dgm:spPr>
+      <dgm:t>
+        <a:bodyPr/>
+        <a:lstStyle/>
+        <a:p>
+          <a:endParaRPr lang="pt-BR"/>
+        </a:p>
+      </dgm:t>
     </dgm:pt>
     <dgm:pt modelId="{41C0A3F5-B9FA-480F-9FE9-F65875326FBC}" type="pres">
       <dgm:prSet presAssocID="{AEC7EC48-8C02-4B20-8E1F-90500B617624}" presName="c16" presStyleLbl="node1" presStyleIdx="15" presStyleCnt="19"/>
-      <dgm:spPr/>
+      <dgm:spPr>
+        <a:solidFill>
+          <a:srgbClr val="0070C0"/>
+        </a:solidFill>
+      </dgm:spPr>
+      <dgm:t>
+        <a:bodyPr/>
+        <a:lstStyle/>
+        <a:p>
+          <a:endParaRPr lang="pt-BR"/>
+        </a:p>
+      </dgm:t>
     </dgm:pt>
     <dgm:pt modelId="{13E195AE-E1EA-4E19-97C6-55417BA5FEF1}" type="pres">
       <dgm:prSet presAssocID="{AEC7EC48-8C02-4B20-8E1F-90500B617624}" presName="c17" presStyleLbl="node1" presStyleIdx="16" presStyleCnt="19"/>
-      <dgm:spPr/>
+      <dgm:spPr>
+        <a:solidFill>
+          <a:srgbClr val="0070C0"/>
+        </a:solidFill>
+      </dgm:spPr>
+      <dgm:t>
+        <a:bodyPr/>
+        <a:lstStyle/>
+        <a:p>
+          <a:endParaRPr lang="pt-BR"/>
+        </a:p>
+      </dgm:t>
     </dgm:pt>
     <dgm:pt modelId="{E33FD6B8-956F-4C60-AB20-1143C5DCC8DD}" type="pres">
       <dgm:prSet presAssocID="{AEC7EC48-8C02-4B20-8E1F-90500B617624}" presName="c18" presStyleLbl="node1" presStyleIdx="17" presStyleCnt="19"/>
-      <dgm:spPr/>
+      <dgm:spPr>
+        <a:solidFill>
+          <a:srgbClr val="0070C0"/>
+        </a:solidFill>
+      </dgm:spPr>
+      <dgm:t>
+        <a:bodyPr/>
+        <a:lstStyle/>
+        <a:p>
+          <a:endParaRPr lang="pt-BR"/>
+        </a:p>
+      </dgm:t>
     </dgm:pt>
     <dgm:pt modelId="{8971B518-2617-4DA8-9693-53AC754B0610}" type="pres">
       <dgm:prSet presAssocID="{35D481EC-5A30-4509-A548-3FF1DB75A4B2}" presName="chevronComposite1" presStyleCnt="0"/>
@@ -5218,7 +5398,18 @@
     </dgm:pt>
     <dgm:pt modelId="{4AC40FF3-008F-4006-B5F6-29CDB6E77DEB}" type="pres">
       <dgm:prSet presAssocID="{35D481EC-5A30-4509-A548-3FF1DB75A4B2}" presName="chevron1" presStyleLbl="sibTrans2D1" presStyleIdx="0" presStyleCnt="4"/>
-      <dgm:spPr/>
+      <dgm:spPr>
+        <a:solidFill>
+          <a:srgbClr val="0070C0"/>
+        </a:solidFill>
+      </dgm:spPr>
+      <dgm:t>
+        <a:bodyPr/>
+        <a:lstStyle/>
+        <a:p>
+          <a:endParaRPr lang="pt-BR"/>
+        </a:p>
+      </dgm:t>
     </dgm:pt>
     <dgm:pt modelId="{D902790A-FE1A-46F4-BEEC-01C8E2E3BB21}" type="pres">
       <dgm:prSet presAssocID="{35D481EC-5A30-4509-A548-3FF1DB75A4B2}" presName="spChevron1" presStyleCnt="0"/>
@@ -5249,7 +5440,18 @@
     </dgm:pt>
     <dgm:pt modelId="{5510BB7F-E98E-4475-A087-C6391C783681}" type="pres">
       <dgm:prSet presAssocID="{E9B790F8-FE85-49B3-A297-89693CDC07BF}" presName="chevron1" presStyleLbl="sibTrans2D1" presStyleIdx="1" presStyleCnt="4" custLinFactNeighborX="-32832" custLinFactNeighborY="3004"/>
-      <dgm:spPr/>
+      <dgm:spPr>
+        <a:solidFill>
+          <a:srgbClr val="0070C0"/>
+        </a:solidFill>
+      </dgm:spPr>
+      <dgm:t>
+        <a:bodyPr/>
+        <a:lstStyle/>
+        <a:p>
+          <a:endParaRPr lang="pt-BR"/>
+        </a:p>
+      </dgm:t>
     </dgm:pt>
     <dgm:pt modelId="{5383089A-DE8F-4C30-8343-04430CDC116B}" type="pres">
       <dgm:prSet presAssocID="{E9B790F8-FE85-49B3-A297-89693CDC07BF}" presName="spChevron1" presStyleCnt="0"/>
@@ -5280,7 +5482,18 @@
     </dgm:pt>
     <dgm:pt modelId="{C5065143-8AF7-4AE9-A44E-5E4DF178427E}" type="pres">
       <dgm:prSet presAssocID="{7F461BAA-C4A6-40D8-A0E9-4E017EC132BE}" presName="chevron1" presStyleLbl="sibTrans2D1" presStyleIdx="2" presStyleCnt="4" custLinFactNeighborX="-37554" custLinFactNeighborY="3004"/>
-      <dgm:spPr/>
+      <dgm:spPr>
+        <a:solidFill>
+          <a:srgbClr val="FFC000"/>
+        </a:solidFill>
+      </dgm:spPr>
+      <dgm:t>
+        <a:bodyPr/>
+        <a:lstStyle/>
+        <a:p>
+          <a:endParaRPr lang="pt-BR"/>
+        </a:p>
+      </dgm:t>
     </dgm:pt>
     <dgm:pt modelId="{0B3ECFED-BEFB-4AD3-8B13-FE6A9DE76FBF}" type="pres">
       <dgm:prSet presAssocID="{7F461BAA-C4A6-40D8-A0E9-4E017EC132BE}" presName="spChevron1" presStyleCnt="0"/>
@@ -5311,7 +5524,18 @@
     </dgm:pt>
     <dgm:pt modelId="{B9E275C6-562A-432D-BC53-BE29329C92C7}" type="pres">
       <dgm:prSet presAssocID="{45B7446E-FBDF-439B-B7B5-639F3F563037}" presName="chevron1" presStyleLbl="sibTrans2D1" presStyleIdx="3" presStyleCnt="4"/>
-      <dgm:spPr/>
+      <dgm:spPr>
+        <a:solidFill>
+          <a:srgbClr val="00B050"/>
+        </a:solidFill>
+      </dgm:spPr>
+      <dgm:t>
+        <a:bodyPr/>
+        <a:lstStyle/>
+        <a:p>
+          <a:endParaRPr lang="pt-BR"/>
+        </a:p>
+      </dgm:t>
     </dgm:pt>
     <dgm:pt modelId="{A32425F3-1A05-480B-8C42-3867B5FF3B43}" type="pres">
       <dgm:prSet presAssocID="{45B7446E-FBDF-439B-B7B5-639F3F563037}" presName="spChevron1" presStyleCnt="0"/>
@@ -5416,7 +5640,7 @@
   <dgm:whole/>
   <dgm:extLst>
     <a:ext uri="http://schemas.microsoft.com/office/drawing/2008/diagram">
-      <dsp:dataModelExt xmlns:dsp="http://schemas.microsoft.com/office/drawing/2008/diagram" relId="rId9" minVer="http://schemas.openxmlformats.org/drawingml/2006/diagram"/>
+      <dsp:dataModelExt xmlns:dsp="http://schemas.microsoft.com/office/drawing/2008/diagram" relId="rId8" minVer="http://schemas.openxmlformats.org/drawingml/2006/diagram"/>
     </a:ext>
   </dgm:extLst>
 </dgm:dataModel>
@@ -5495,6 +5719,13 @@
         <a:lstStyle/>
         <a:p>
           <a:endParaRPr lang="pt-BR" b="1" dirty="0">
+            <a:ln>
+              <a:solidFill>
+                <a:schemeClr val="bg1">
+                  <a:lumMod val="75000"/>
+                </a:schemeClr>
+              </a:solidFill>
+            </a:ln>
             <a:solidFill>
               <a:srgbClr val="FF0000"/>
             </a:solidFill>
@@ -5641,7 +5872,11 @@
           <dgm:chPref val="3"/>
         </dgm:presLayoutVars>
       </dgm:prSet>
-      <dgm:spPr/>
+      <dgm:spPr>
+        <a:prstGeom prst="ellipse">
+          <a:avLst/>
+        </a:prstGeom>
+      </dgm:spPr>
       <dgm:t>
         <a:bodyPr/>
         <a:lstStyle/>
@@ -5776,7 +6011,11 @@
           <dgm:chPref val="3"/>
         </dgm:presLayoutVars>
       </dgm:prSet>
-      <dgm:spPr/>
+      <dgm:spPr>
+        <a:prstGeom prst="roundRect">
+          <a:avLst/>
+        </a:prstGeom>
+      </dgm:spPr>
       <dgm:t>
         <a:bodyPr/>
         <a:lstStyle/>
@@ -5799,12 +6038,12 @@
     <dgm:cxn modelId="{47F307E1-7ECF-43F0-8628-7A43B8568B8F}" type="presOf" srcId="{62D06435-42C5-4C37-A0F2-83E4A7B934B3}" destId="{8A7B2A75-ADCE-4543-B9AD-59C4E7FCD436}" srcOrd="0" destOrd="0" presId="urn:microsoft.com/office/officeart/2005/8/layout/hierarchy2"/>
     <dgm:cxn modelId="{FC0DF796-AA6A-4E74-AA0B-7AFF76797FB7}" srcId="{4050C737-9860-4B25-B3B3-C2F1FA2E1FAF}" destId="{CF015C9E-9BF7-4D93-97E5-18158D554CB5}" srcOrd="0" destOrd="0" parTransId="{E1D6D09E-BADB-489F-A2C5-A845050AB783}" sibTransId="{393DBABD-3BDE-4A87-9A98-F179BC16BEB8}"/>
     <dgm:cxn modelId="{C2095F03-A0AE-4AB2-9336-86C4CF0E2B34}" type="presOf" srcId="{E1D6D09E-BADB-489F-A2C5-A845050AB783}" destId="{40EC9B65-825A-4CFD-9FF3-3094A2D18072}" srcOrd="0" destOrd="0" presId="urn:microsoft.com/office/officeart/2005/8/layout/hierarchy2"/>
+    <dgm:cxn modelId="{39552CB3-1880-403C-9E8C-38B4652594E7}" type="presOf" srcId="{711E827C-9087-44DE-8DF3-26A34868DBA4}" destId="{A495C0D0-0E80-48DB-8154-D582C59B72C3}" srcOrd="0" destOrd="0" presId="urn:microsoft.com/office/officeart/2005/8/layout/hierarchy2"/>
     <dgm:cxn modelId="{1FBE4952-DE6C-4B1F-B7FC-9417CD67FB4C}" srcId="{62D06435-42C5-4C37-A0F2-83E4A7B934B3}" destId="{4050C737-9860-4B25-B3B3-C2F1FA2E1FAF}" srcOrd="0" destOrd="0" parTransId="{591EE9A3-43DE-493B-BA54-643DF4BC9A63}" sibTransId="{BBF949C2-C086-44C9-9914-F7DFE2B6414F}"/>
-    <dgm:cxn modelId="{39552CB3-1880-403C-9E8C-38B4652594E7}" type="presOf" srcId="{711E827C-9087-44DE-8DF3-26A34868DBA4}" destId="{A495C0D0-0E80-48DB-8154-D582C59B72C3}" srcOrd="0" destOrd="0" presId="urn:microsoft.com/office/officeart/2005/8/layout/hierarchy2"/>
     <dgm:cxn modelId="{3FDD80F5-076F-487A-BC4E-58DA54323B99}" type="presOf" srcId="{E1D6D09E-BADB-489F-A2C5-A845050AB783}" destId="{5A3F2215-C070-469D-8FAD-8B93D680F758}" srcOrd="1" destOrd="0" presId="urn:microsoft.com/office/officeart/2005/8/layout/hierarchy2"/>
     <dgm:cxn modelId="{9543CDCA-0550-45F8-9E61-480AE16FBB2C}" type="presOf" srcId="{CF015C9E-9BF7-4D93-97E5-18158D554CB5}" destId="{3F240D39-27BF-4E23-88E7-47F174716589}" srcOrd="0" destOrd="0" presId="urn:microsoft.com/office/officeart/2005/8/layout/hierarchy2"/>
+    <dgm:cxn modelId="{E62E3B82-BBC8-487C-BCFA-DB88AC2636FE}" type="presOf" srcId="{4AE0E92A-7832-4160-8C0B-8A8BA7CF080B}" destId="{2E20864C-51AA-4E41-B9EF-0C7D12A3BCFB}" srcOrd="1" destOrd="0" presId="urn:microsoft.com/office/officeart/2005/8/layout/hierarchy2"/>
     <dgm:cxn modelId="{12B9FEA0-FFF6-4795-BEA2-21EFD93FD823}" type="presOf" srcId="{4AE0E92A-7832-4160-8C0B-8A8BA7CF080B}" destId="{96677CEF-A1B8-4F89-9C60-579502C7ED3D}" srcOrd="0" destOrd="0" presId="urn:microsoft.com/office/officeart/2005/8/layout/hierarchy2"/>
-    <dgm:cxn modelId="{E62E3B82-BBC8-487C-BCFA-DB88AC2636FE}" type="presOf" srcId="{4AE0E92A-7832-4160-8C0B-8A8BA7CF080B}" destId="{2E20864C-51AA-4E41-B9EF-0C7D12A3BCFB}" srcOrd="1" destOrd="0" presId="urn:microsoft.com/office/officeart/2005/8/layout/hierarchy2"/>
     <dgm:cxn modelId="{3FABB688-9922-48E3-898C-E7750CDAC638}" srcId="{BD10C00A-EB8A-49DC-82EC-3AEECA527BEC}" destId="{711E827C-9087-44DE-8DF3-26A34868DBA4}" srcOrd="0" destOrd="0" parTransId="{5738801A-DCE2-426E-A766-9F33CA2EC25C}" sibTransId="{DCE8CEBE-03E3-483D-9F43-298E6ADCC249}"/>
     <dgm:cxn modelId="{4860E34A-3672-447D-9921-142374730D64}" type="presParOf" srcId="{8A7B2A75-ADCE-4543-B9AD-59C4E7FCD436}" destId="{64F7868B-37E6-40B0-B2FC-8264F4077BEF}" srcOrd="0" destOrd="0" presId="urn:microsoft.com/office/officeart/2005/8/layout/hierarchy2"/>
     <dgm:cxn modelId="{90A09036-AAB0-4452-8AE4-2D387559B0E7}" type="presParOf" srcId="{64F7868B-37E6-40B0-B2FC-8264F4077BEF}" destId="{C3BCA4F6-D50D-44F7-BF83-FDFD5F58570C}" srcOrd="0" destOrd="0" presId="urn:microsoft.com/office/officeart/2005/8/layout/hierarchy2"/>
@@ -7474,8 +7713,8 @@
       </dsp:nvSpPr>
       <dsp:spPr>
         <a:xfrm>
-          <a:off x="100326" y="1610148"/>
-          <a:ext cx="1385821" cy="456691"/>
+          <a:off x="88685" y="1742804"/>
+          <a:ext cx="1325309" cy="436749"/>
         </a:xfrm>
         <a:prstGeom prst="rect">
           <a:avLst/>
@@ -7531,8 +7770,8 @@
         </a:p>
       </dsp:txBody>
       <dsp:txXfrm>
-        <a:off x="100326" y="1610148"/>
-        <a:ext cx="1385821" cy="456691"/>
+        <a:off x="88685" y="1742804"/>
+        <a:ext cx="1325309" cy="436749"/>
       </dsp:txXfrm>
     </dsp:sp>
     <dsp:sp modelId="{00580EB5-6E14-41C9-BAE4-5D9B53114EEE}">
@@ -7542,19 +7781,14 @@
       </dsp:nvSpPr>
       <dsp:spPr>
         <a:xfrm>
-          <a:off x="98751" y="1471251"/>
-          <a:ext cx="110235" cy="110235"/>
+          <a:off x="87179" y="1609972"/>
+          <a:ext cx="105422" cy="105422"/>
         </a:xfrm>
         <a:prstGeom prst="ellipse">
           <a:avLst/>
         </a:prstGeom>
         <a:solidFill>
-          <a:schemeClr val="accent3">
-            <a:hueOff val="0"/>
-            <a:satOff val="0"/>
-            <a:lumOff val="0"/>
-            <a:alphaOff val="0"/>
-          </a:schemeClr>
+          <a:srgbClr val="0070C0"/>
         </a:solidFill>
         <a:ln>
           <a:noFill/>
@@ -7588,19 +7822,14 @@
       </dsp:nvSpPr>
       <dsp:spPr>
         <a:xfrm>
-          <a:off x="175916" y="1316921"/>
-          <a:ext cx="110235" cy="110235"/>
+          <a:off x="160974" y="1462380"/>
+          <a:ext cx="105422" cy="105422"/>
         </a:xfrm>
         <a:prstGeom prst="ellipse">
           <a:avLst/>
         </a:prstGeom>
         <a:solidFill>
-          <a:schemeClr val="accent3">
-            <a:hueOff val="8"/>
-            <a:satOff val="-2792"/>
-            <a:lumOff val="-654"/>
-            <a:alphaOff val="0"/>
-          </a:schemeClr>
+          <a:srgbClr val="0070C0"/>
         </a:solidFill>
         <a:ln>
           <a:noFill/>
@@ -7634,19 +7863,14 @@
       </dsp:nvSpPr>
       <dsp:spPr>
         <a:xfrm>
-          <a:off x="361112" y="1347787"/>
-          <a:ext cx="173227" cy="173227"/>
+          <a:off x="338084" y="1491899"/>
+          <a:ext cx="165663" cy="165663"/>
         </a:xfrm>
         <a:prstGeom prst="ellipse">
           <a:avLst/>
         </a:prstGeom>
         <a:solidFill>
-          <a:schemeClr val="accent3">
-            <a:hueOff val="15"/>
-            <a:satOff val="-5585"/>
-            <a:lumOff val="-1307"/>
-            <a:alphaOff val="0"/>
-          </a:schemeClr>
+          <a:srgbClr val="0070C0"/>
         </a:solidFill>
         <a:ln>
           <a:noFill/>
@@ -7680,8 +7904,8 @@
       </dsp:nvSpPr>
       <dsp:spPr>
         <a:xfrm>
-          <a:off x="515442" y="1178024"/>
-          <a:ext cx="110235" cy="110235"/>
+          <a:off x="485675" y="1329548"/>
+          <a:ext cx="105422" cy="105422"/>
         </a:xfrm>
         <a:prstGeom prst="ellipse">
           <a:avLst/>
@@ -7726,8 +7950,8 @@
       </dsp:nvSpPr>
       <dsp:spPr>
         <a:xfrm>
-          <a:off x="716072" y="1116292"/>
-          <a:ext cx="110235" cy="110235"/>
+          <a:off x="677544" y="1270512"/>
+          <a:ext cx="105422" cy="105422"/>
         </a:xfrm>
         <a:prstGeom prst="ellipse">
           <a:avLst/>
@@ -7772,19 +7996,14 @@
       </dsp:nvSpPr>
       <dsp:spPr>
         <a:xfrm>
-          <a:off x="963000" y="1224323"/>
-          <a:ext cx="110235" cy="110235"/>
+          <a:off x="913690" y="1373826"/>
+          <a:ext cx="105422" cy="105422"/>
         </a:xfrm>
         <a:prstGeom prst="ellipse">
           <a:avLst/>
         </a:prstGeom>
         <a:solidFill>
-          <a:schemeClr val="accent3">
-            <a:hueOff val="38"/>
-            <a:satOff val="-13962"/>
-            <a:lumOff val="-3268"/>
-            <a:alphaOff val="0"/>
-          </a:schemeClr>
+          <a:srgbClr val="0070C0"/>
         </a:solidFill>
         <a:ln>
           <a:noFill/>
@@ -7818,19 +8037,14 @@
       </dsp:nvSpPr>
       <dsp:spPr>
         <a:xfrm>
-          <a:off x="1117330" y="1301488"/>
-          <a:ext cx="173227" cy="173227"/>
+          <a:off x="1061282" y="1447621"/>
+          <a:ext cx="165663" cy="165663"/>
         </a:xfrm>
         <a:prstGeom prst="ellipse">
           <a:avLst/>
         </a:prstGeom>
         <a:solidFill>
-          <a:schemeClr val="accent3">
-            <a:hueOff val="46"/>
-            <a:satOff val="-16754"/>
-            <a:lumOff val="-3922"/>
-            <a:alphaOff val="0"/>
-          </a:schemeClr>
+          <a:srgbClr val="0070C0"/>
         </a:solidFill>
         <a:ln>
           <a:noFill/>
@@ -7864,19 +8078,14 @@
       </dsp:nvSpPr>
       <dsp:spPr>
         <a:xfrm>
-          <a:off x="1333392" y="1471251"/>
-          <a:ext cx="110235" cy="110235"/>
+          <a:off x="1267909" y="1609972"/>
+          <a:ext cx="105422" cy="105422"/>
         </a:xfrm>
         <a:prstGeom prst="ellipse">
           <a:avLst/>
         </a:prstGeom>
         <a:solidFill>
-          <a:schemeClr val="accent3">
-            <a:hueOff val="53"/>
-            <a:satOff val="-19546"/>
-            <a:lumOff val="-4576"/>
-            <a:alphaOff val="0"/>
-          </a:schemeClr>
+          <a:srgbClr val="0070C0"/>
         </a:solidFill>
         <a:ln>
           <a:noFill/>
@@ -7910,19 +8119,14 @@
       </dsp:nvSpPr>
       <dsp:spPr>
         <a:xfrm>
-          <a:off x="1425990" y="1641014"/>
-          <a:ext cx="110235" cy="110235"/>
+          <a:off x="1356464" y="1772322"/>
+          <a:ext cx="105422" cy="105422"/>
         </a:xfrm>
         <a:prstGeom prst="ellipse">
           <a:avLst/>
         </a:prstGeom>
         <a:solidFill>
-          <a:schemeClr val="accent3">
-            <a:hueOff val="61"/>
-            <a:satOff val="-22339"/>
-            <a:lumOff val="-5229"/>
-            <a:alphaOff val="0"/>
-          </a:schemeClr>
+          <a:srgbClr val="0070C0"/>
         </a:solidFill>
         <a:ln>
           <a:noFill/>
@@ -7956,19 +8160,14 @@
       </dsp:nvSpPr>
       <dsp:spPr>
         <a:xfrm>
-          <a:off x="623473" y="1316921"/>
-          <a:ext cx="283463" cy="283463"/>
+          <a:off x="588989" y="1462380"/>
+          <a:ext cx="271086" cy="271086"/>
         </a:xfrm>
         <a:prstGeom prst="ellipse">
           <a:avLst/>
         </a:prstGeom>
         <a:solidFill>
-          <a:schemeClr val="accent3">
-            <a:hueOff val="68"/>
-            <a:satOff val="-25131"/>
-            <a:lumOff val="-5883"/>
-            <a:alphaOff val="0"/>
-          </a:schemeClr>
+          <a:srgbClr val="0070C0"/>
         </a:solidFill>
         <a:ln>
           <a:noFill/>
@@ -8002,19 +8201,14 @@
       </dsp:nvSpPr>
       <dsp:spPr>
         <a:xfrm>
-          <a:off x="21586" y="1903375"/>
-          <a:ext cx="110235" cy="110235"/>
+          <a:off x="13383" y="2023227"/>
+          <a:ext cx="105422" cy="105422"/>
         </a:xfrm>
         <a:prstGeom prst="ellipse">
           <a:avLst/>
         </a:prstGeom>
         <a:solidFill>
-          <a:schemeClr val="accent3">
-            <a:hueOff val="76"/>
-            <a:satOff val="-27923"/>
-            <a:lumOff val="-6537"/>
-            <a:alphaOff val="0"/>
-          </a:schemeClr>
+          <a:srgbClr val="0070C0"/>
         </a:solidFill>
         <a:ln>
           <a:noFill/>
@@ -8048,19 +8242,14 @@
       </dsp:nvSpPr>
       <dsp:spPr>
         <a:xfrm>
-          <a:off x="114184" y="2042272"/>
-          <a:ext cx="173227" cy="173227"/>
+          <a:off x="101938" y="2156060"/>
+          <a:ext cx="165663" cy="165663"/>
         </a:xfrm>
         <a:prstGeom prst="ellipse">
           <a:avLst/>
         </a:prstGeom>
         <a:solidFill>
-          <a:schemeClr val="accent3">
-            <a:hueOff val="84"/>
-            <a:satOff val="-30716"/>
-            <a:lumOff val="-7190"/>
-            <a:alphaOff val="0"/>
-          </a:schemeClr>
+          <a:srgbClr val="0070C0"/>
         </a:solidFill>
         <a:ln>
           <a:noFill/>
@@ -8094,19 +8283,14 @@
       </dsp:nvSpPr>
       <dsp:spPr>
         <a:xfrm>
-          <a:off x="345679" y="2165737"/>
-          <a:ext cx="251967" cy="251967"/>
+          <a:off x="323325" y="2274133"/>
+          <a:ext cx="240965" cy="240965"/>
         </a:xfrm>
         <a:prstGeom prst="ellipse">
           <a:avLst/>
         </a:prstGeom>
         <a:solidFill>
-          <a:schemeClr val="accent3">
-            <a:hueOff val="91"/>
-            <a:satOff val="-33508"/>
-            <a:lumOff val="-7844"/>
-            <a:alphaOff val="0"/>
-          </a:schemeClr>
+          <a:srgbClr val="0070C0"/>
         </a:solidFill>
         <a:ln>
           <a:noFill/>
@@ -8140,19 +8324,14 @@
       </dsp:nvSpPr>
       <dsp:spPr>
         <a:xfrm>
-          <a:off x="669772" y="2366366"/>
-          <a:ext cx="110235" cy="110235"/>
+          <a:off x="633267" y="2466001"/>
+          <a:ext cx="105422" cy="105422"/>
         </a:xfrm>
         <a:prstGeom prst="ellipse">
           <a:avLst/>
         </a:prstGeom>
         <a:solidFill>
-          <a:schemeClr val="accent3">
-            <a:hueOff val="99"/>
-            <a:satOff val="-36300"/>
-            <a:lumOff val="-8498"/>
-            <a:alphaOff val="0"/>
-          </a:schemeClr>
+          <a:srgbClr val="0070C0"/>
         </a:solidFill>
         <a:ln>
           <a:noFill/>
@@ -8186,19 +8365,14 @@
       </dsp:nvSpPr>
       <dsp:spPr>
         <a:xfrm>
-          <a:off x="731505" y="2165737"/>
-          <a:ext cx="173227" cy="173227"/>
+          <a:off x="692303" y="2274133"/>
+          <a:ext cx="165663" cy="165663"/>
         </a:xfrm>
         <a:prstGeom prst="ellipse">
           <a:avLst/>
         </a:prstGeom>
         <a:solidFill>
-          <a:schemeClr val="accent3">
-            <a:hueOff val="107"/>
-            <a:satOff val="-39093"/>
-            <a:lumOff val="-9151"/>
-            <a:alphaOff val="0"/>
-          </a:schemeClr>
+          <a:srgbClr val="0070C0"/>
         </a:solidFill>
         <a:ln>
           <a:noFill/>
@@ -8232,19 +8406,14 @@
       </dsp:nvSpPr>
       <dsp:spPr>
         <a:xfrm>
-          <a:off x="885835" y="2381799"/>
-          <a:ext cx="110235" cy="110235"/>
+          <a:off x="839895" y="2480761"/>
+          <a:ext cx="105422" cy="105422"/>
         </a:xfrm>
         <a:prstGeom prst="ellipse">
           <a:avLst/>
         </a:prstGeom>
         <a:solidFill>
-          <a:schemeClr val="accent3">
-            <a:hueOff val="114"/>
-            <a:satOff val="-41885"/>
-            <a:lumOff val="-9805"/>
-            <a:alphaOff val="0"/>
-          </a:schemeClr>
+          <a:srgbClr val="0070C0"/>
         </a:solidFill>
         <a:ln>
           <a:noFill/>
@@ -8278,19 +8447,14 @@
       </dsp:nvSpPr>
       <dsp:spPr>
         <a:xfrm>
-          <a:off x="1024732" y="2134871"/>
-          <a:ext cx="251967" cy="251967"/>
+          <a:off x="972727" y="2244614"/>
+          <a:ext cx="240965" cy="240965"/>
         </a:xfrm>
         <a:prstGeom prst="ellipse">
           <a:avLst/>
         </a:prstGeom>
         <a:solidFill>
-          <a:schemeClr val="accent3">
-            <a:hueOff val="122"/>
-            <a:satOff val="-44677"/>
-            <a:lumOff val="-10459"/>
-            <a:alphaOff val="0"/>
-          </a:schemeClr>
+          <a:srgbClr val="0070C0"/>
         </a:solidFill>
         <a:ln>
           <a:noFill/>
@@ -8324,19 +8488,14 @@
       </dsp:nvSpPr>
       <dsp:spPr>
         <a:xfrm>
-          <a:off x="1364258" y="2073138"/>
-          <a:ext cx="173227" cy="173227"/>
+          <a:off x="1297428" y="2185578"/>
+          <a:ext cx="165663" cy="165663"/>
         </a:xfrm>
         <a:prstGeom prst="ellipse">
           <a:avLst/>
         </a:prstGeom>
         <a:solidFill>
-          <a:schemeClr val="accent3">
-            <a:hueOff val="129"/>
-            <a:satOff val="-47470"/>
-            <a:lumOff val="-11112"/>
-            <a:alphaOff val="0"/>
-          </a:schemeClr>
+          <a:srgbClr val="0070C0"/>
         </a:solidFill>
         <a:ln>
           <a:noFill/>
@@ -8370,8 +8529,8 @@
       </dsp:nvSpPr>
       <dsp:spPr>
         <a:xfrm>
-          <a:off x="1537486" y="1347530"/>
-          <a:ext cx="508745" cy="971249"/>
+          <a:off x="1463091" y="1491653"/>
+          <a:ext cx="486530" cy="928840"/>
         </a:xfrm>
         <a:prstGeom prst="chevron">
           <a:avLst>
@@ -8379,12 +8538,7 @@
           </a:avLst>
         </a:prstGeom>
         <a:solidFill>
-          <a:schemeClr val="accent3">
-            <a:hueOff val="0"/>
-            <a:satOff val="0"/>
-            <a:lumOff val="0"/>
-            <a:alphaOff val="0"/>
-          </a:schemeClr>
+          <a:srgbClr val="0070C0"/>
         </a:solidFill>
         <a:ln>
           <a:noFill/>
@@ -8418,8 +8572,8 @@
       </dsp:nvSpPr>
       <dsp:spPr>
         <a:xfrm>
-          <a:off x="2046231" y="1348002"/>
-          <a:ext cx="1387486" cy="971240"/>
+          <a:off x="1949622" y="1492104"/>
+          <a:ext cx="1326902" cy="928831"/>
         </a:xfrm>
         <a:prstGeom prst="rect">
           <a:avLst/>
@@ -8475,8 +8629,8 @@
         </a:p>
       </dsp:txBody>
       <dsp:txXfrm>
-        <a:off x="2046231" y="1348002"/>
-        <a:ext cx="1387486" cy="971240"/>
+        <a:off x="1949622" y="1492104"/>
+        <a:ext cx="1326902" cy="928831"/>
       </dsp:txXfrm>
     </dsp:sp>
     <dsp:sp modelId="{5510BB7F-E98E-4475-A087-C6391C783681}">
@@ -8486,8 +8640,8 @@
       </dsp:nvSpPr>
       <dsp:spPr>
         <a:xfrm>
-          <a:off x="3266686" y="1376706"/>
-          <a:ext cx="508745" cy="971249"/>
+          <a:off x="3116786" y="1519556"/>
+          <a:ext cx="486530" cy="928840"/>
         </a:xfrm>
         <a:prstGeom prst="chevron">
           <a:avLst>
@@ -8495,12 +8649,7 @@
           </a:avLst>
         </a:prstGeom>
         <a:solidFill>
-          <a:schemeClr val="accent3">
-            <a:hueOff val="46"/>
-            <a:satOff val="-16754"/>
-            <a:lumOff val="-3922"/>
-            <a:alphaOff val="0"/>
-          </a:schemeClr>
+          <a:srgbClr val="0070C0"/>
         </a:solidFill>
         <a:ln>
           <a:noFill/>
@@ -8534,8 +8683,8 @@
       </dsp:nvSpPr>
       <dsp:spPr>
         <a:xfrm>
-          <a:off x="3942463" y="1348002"/>
-          <a:ext cx="1387486" cy="971240"/>
+          <a:off x="3763055" y="1492104"/>
+          <a:ext cx="1326902" cy="928831"/>
         </a:xfrm>
         <a:prstGeom prst="rect">
           <a:avLst/>
@@ -8578,21 +8727,21 @@
           <a:r>
             <a:rPr lang="pt-BR" sz="1600" b="1" kern="1200" dirty="0" smtClean="0">
               <a:solidFill>
-                <a:srgbClr val="7030A0"/>
+                <a:srgbClr val="FFC000"/>
               </a:solidFill>
             </a:rPr>
             <a:t>Serviço ativo</a:t>
           </a:r>
           <a:endParaRPr lang="pt-BR" sz="1600" b="1" kern="1200" dirty="0">
             <a:solidFill>
-              <a:srgbClr val="7030A0"/>
+              <a:srgbClr val="FFC000"/>
             </a:solidFill>
           </a:endParaRPr>
         </a:p>
       </dsp:txBody>
       <dsp:txXfrm>
-        <a:off x="3942463" y="1348002"/>
-        <a:ext cx="1387486" cy="971240"/>
+        <a:off x="3763055" y="1492104"/>
+        <a:ext cx="1326902" cy="928831"/>
       </dsp:txXfrm>
     </dsp:sp>
     <dsp:sp modelId="{C5065143-8AF7-4AE9-A44E-5E4DF178427E}">
@@ -8602,8 +8751,8 @@
       </dsp:nvSpPr>
       <dsp:spPr>
         <a:xfrm>
-          <a:off x="5138895" y="1376706"/>
-          <a:ext cx="508745" cy="971249"/>
+          <a:off x="4907245" y="1519556"/>
+          <a:ext cx="486530" cy="928840"/>
         </a:xfrm>
         <a:prstGeom prst="chevron">
           <a:avLst>
@@ -8611,12 +8760,7 @@
           </a:avLst>
         </a:prstGeom>
         <a:solidFill>
-          <a:schemeClr val="accent3">
-            <a:hueOff val="91"/>
-            <a:satOff val="-33508"/>
-            <a:lumOff val="-7844"/>
-            <a:alphaOff val="0"/>
-          </a:schemeClr>
+          <a:srgbClr val="FFC000"/>
         </a:solidFill>
         <a:ln>
           <a:noFill/>
@@ -8650,8 +8794,8 @@
       </dsp:nvSpPr>
       <dsp:spPr>
         <a:xfrm>
-          <a:off x="5838695" y="1348002"/>
-          <a:ext cx="1387486" cy="971240"/>
+          <a:off x="5576488" y="1492104"/>
+          <a:ext cx="1326902" cy="928831"/>
         </a:xfrm>
         <a:prstGeom prst="rect">
           <a:avLst/>
@@ -8694,21 +8838,21 @@
           <a:r>
             <a:rPr lang="pt-BR" sz="1600" b="1" kern="1200" dirty="0" smtClean="0">
               <a:solidFill>
-                <a:srgbClr val="7030A0"/>
+                <a:srgbClr val="00B050"/>
               </a:solidFill>
             </a:rPr>
             <a:t>Regularidade de atividades acadêmicas</a:t>
           </a:r>
           <a:endParaRPr lang="pt-BR" sz="1600" b="1" kern="1200" dirty="0">
             <a:solidFill>
-              <a:srgbClr val="7030A0"/>
+              <a:srgbClr val="00B050"/>
             </a:solidFill>
           </a:endParaRPr>
         </a:p>
       </dsp:txBody>
       <dsp:txXfrm>
-        <a:off x="5838695" y="1348002"/>
-        <a:ext cx="1387486" cy="971240"/>
+        <a:off x="5576488" y="1492104"/>
+        <a:ext cx="1326902" cy="928831"/>
       </dsp:txXfrm>
     </dsp:sp>
     <dsp:sp modelId="{B9E275C6-562A-432D-BC53-BE29329C92C7}">
@@ -8718,8 +8862,8 @@
       </dsp:nvSpPr>
       <dsp:spPr>
         <a:xfrm>
-          <a:off x="7226181" y="1347530"/>
-          <a:ext cx="508745" cy="971249"/>
+          <a:off x="6903390" y="1491653"/>
+          <a:ext cx="486530" cy="928840"/>
         </a:xfrm>
         <a:prstGeom prst="chevron">
           <a:avLst>
@@ -8727,12 +8871,7 @@
           </a:avLst>
         </a:prstGeom>
         <a:solidFill>
-          <a:schemeClr val="accent3">
-            <a:hueOff val="137"/>
-            <a:satOff val="-50262"/>
-            <a:lumOff val="-11766"/>
-            <a:alphaOff val="0"/>
-          </a:schemeClr>
+          <a:srgbClr val="00B050"/>
         </a:solidFill>
         <a:ln>
           <a:noFill/>
@@ -8766,19 +8905,14 @@
       </dsp:nvSpPr>
       <dsp:spPr>
         <a:xfrm>
-          <a:off x="7838988" y="1278628"/>
-          <a:ext cx="1179363" cy="1179363"/>
+          <a:off x="7489438" y="1425759"/>
+          <a:ext cx="1127866" cy="1127866"/>
         </a:xfrm>
         <a:prstGeom prst="ellipse">
           <a:avLst/>
         </a:prstGeom>
         <a:solidFill>
-          <a:schemeClr val="accent3">
-            <a:hueOff val="137"/>
-            <a:satOff val="-50262"/>
-            <a:lumOff val="-11766"/>
-            <a:alphaOff val="0"/>
-          </a:schemeClr>
+          <a:srgbClr val="00B050"/>
         </a:solidFill>
         <a:ln>
           <a:noFill/>
@@ -8859,8 +8993,8 @@
         </a:p>
       </dsp:txBody>
       <dsp:txXfrm>
-        <a:off x="8011702" y="1451342"/>
-        <a:ext cx="833935" cy="833935"/>
+        <a:off x="7654610" y="1590931"/>
+        <a:ext cx="797522" cy="797522"/>
       </dsp:txXfrm>
     </dsp:sp>
     <dsp:sp modelId="{E051B2E9-E0F1-4F67-B203-7076EBD6126A}">
@@ -8870,8 +9004,8 @@
       </dsp:nvSpPr>
       <dsp:spPr>
         <a:xfrm>
-          <a:off x="7734926" y="2537319"/>
-          <a:ext cx="1387486" cy="855616"/>
+          <a:off x="7389921" y="2629490"/>
+          <a:ext cx="1326902" cy="818256"/>
         </a:xfrm>
         <a:prstGeom prst="rect">
           <a:avLst/>
@@ -8924,8 +9058,8 @@
         </a:p>
       </dsp:txBody>
       <dsp:txXfrm>
-        <a:off x="7734926" y="2537319"/>
-        <a:ext cx="1387486" cy="855616"/>
+        <a:off x="7389921" y="2629490"/>
+        <a:ext cx="1326902" cy="818256"/>
       </dsp:txXfrm>
     </dsp:sp>
   </dsp:spTree>
@@ -8950,10 +9084,8 @@
           <a:off x="282441" y="1915"/>
           <a:ext cx="1900997" cy="1942300"/>
         </a:xfrm>
-        <a:prstGeom prst="roundRect">
-          <a:avLst>
-            <a:gd name="adj" fmla="val 10000"/>
-          </a:avLst>
+        <a:prstGeom prst="ellipse">
+          <a:avLst/>
         </a:prstGeom>
         <a:blipFill rotWithShape="0">
           <a:blip xmlns:r="http://schemas.openxmlformats.org/officeDocument/2006/relationships" r:embed="rId1"/>
@@ -9013,8 +9145,8 @@
         </a:p>
       </dsp:txBody>
       <dsp:txXfrm>
-        <a:off x="338119" y="57593"/>
-        <a:ext cx="1789641" cy="1830944"/>
+        <a:off x="560836" y="286358"/>
+        <a:ext cx="1344207" cy="1373414"/>
       </dsp:txXfrm>
     </dsp:sp>
     <dsp:sp modelId="{40EC9B65-825A-4CFD-9FF3-3094A2D18072}">
@@ -9419,9 +9551,7 @@
           <a:ext cx="1292030" cy="1190867"/>
         </a:xfrm>
         <a:prstGeom prst="roundRect">
-          <a:avLst>
-            <a:gd name="adj" fmla="val 10000"/>
-          </a:avLst>
+          <a:avLst/>
         </a:prstGeom>
         <a:blipFill rotWithShape="0">
           <a:blip xmlns:r="http://schemas.openxmlformats.org/officeDocument/2006/relationships" r:embed="rId4"/>
@@ -9457,12 +9587,12 @@
         </a:fontRef>
       </dsp:style>
       <dsp:txBody>
-        <a:bodyPr spcFirstLastPara="0" vert="horz" wrap="square" lIns="40640" tIns="40640" rIns="40640" bIns="40640" numCol="1" spcCol="1270" anchor="ctr" anchorCtr="0">
+        <a:bodyPr spcFirstLastPara="0" vert="horz" wrap="square" lIns="40005" tIns="40005" rIns="40005" bIns="40005" numCol="1" spcCol="1270" anchor="ctr" anchorCtr="0">
           <a:noAutofit/>
         </a:bodyPr>
         <a:lstStyle/>
         <a:p>
-          <a:pPr lvl="0" algn="ctr" defTabSz="2844800">
+          <a:pPr lvl="0" algn="ctr" defTabSz="2800350">
             <a:lnSpc>
               <a:spcPct val="90000"/>
             </a:lnSpc>
@@ -9473,7 +9603,14 @@
               <a:spcPct val="35000"/>
             </a:spcAft>
           </a:pPr>
-          <a:endParaRPr lang="pt-BR" sz="6400" b="1" kern="1200" dirty="0">
+          <a:endParaRPr lang="pt-BR" sz="6300" b="1" kern="1200" dirty="0">
+            <a:ln>
+              <a:solidFill>
+                <a:schemeClr val="bg1">
+                  <a:lumMod val="75000"/>
+                </a:schemeClr>
+              </a:solidFill>
+            </a:ln>
             <a:solidFill>
               <a:srgbClr val="FF0000"/>
             </a:solidFill>
@@ -9481,8 +9618,8 @@
         </a:p>
       </dsp:txBody>
       <dsp:txXfrm>
-        <a:off x="7203279" y="411553"/>
-        <a:ext cx="1222272" cy="1121109"/>
+        <a:off x="7226533" y="434807"/>
+        <a:ext cx="1175764" cy="1074601"/>
       </dsp:txXfrm>
     </dsp:sp>
   </dsp:spTree>
@@ -17447,7 +17584,7 @@
           <a:p>
             <a:fld id="{3F5D9F91-5035-469D-968F-FE3C304D0282}" type="datetimeFigureOut">
               <a:rPr lang="pt-BR" smtClean="0"/>
-              <a:t>19/11/2018</a:t>
+              <a:t>22/11/2018</a:t>
             </a:fld>
             <a:endParaRPr lang="pt-BR"/>
           </a:p>
@@ -18259,7 +18396,7 @@
           <a:p>
             <a:fld id="{6170734A-4B5A-4F3B-B573-1E93A2DEC51B}" type="datetimeFigureOut">
               <a:rPr lang="pt-BR" smtClean="0"/>
-              <a:t>19/11/2018</a:t>
+              <a:t>22/11/2018</a:t>
             </a:fld>
             <a:endParaRPr lang="pt-BR"/>
           </a:p>
@@ -18424,7 +18561,7 @@
           <a:p>
             <a:fld id="{6170734A-4B5A-4F3B-B573-1E93A2DEC51B}" type="datetimeFigureOut">
               <a:rPr lang="pt-BR" smtClean="0"/>
-              <a:t>19/11/2018</a:t>
+              <a:t>22/11/2018</a:t>
             </a:fld>
             <a:endParaRPr lang="pt-BR"/>
           </a:p>
@@ -18599,7 +18736,7 @@
           <a:p>
             <a:fld id="{6170734A-4B5A-4F3B-B573-1E93A2DEC51B}" type="datetimeFigureOut">
               <a:rPr lang="pt-BR" smtClean="0"/>
-              <a:t>19/11/2018</a:t>
+              <a:t>22/11/2018</a:t>
             </a:fld>
             <a:endParaRPr lang="pt-BR"/>
           </a:p>
@@ -18782,7 +18919,7 @@
           <a:p>
             <a:fld id="{6170734A-4B5A-4F3B-B573-1E93A2DEC51B}" type="datetimeFigureOut">
               <a:rPr lang="pt-BR" smtClean="0"/>
-              <a:t>19/11/2018</a:t>
+              <a:t>22/11/2018</a:t>
             </a:fld>
             <a:endParaRPr lang="pt-BR"/>
           </a:p>
@@ -19044,7 +19181,7 @@
           <a:p>
             <a:fld id="{6170734A-4B5A-4F3B-B573-1E93A2DEC51B}" type="datetimeFigureOut">
               <a:rPr lang="pt-BR" smtClean="0"/>
-              <a:t>19/11/2018</a:t>
+              <a:t>22/11/2018</a:t>
             </a:fld>
             <a:endParaRPr lang="pt-BR"/>
           </a:p>
@@ -19392,7 +19529,7 @@
           <a:p>
             <a:fld id="{6170734A-4B5A-4F3B-B573-1E93A2DEC51B}" type="datetimeFigureOut">
               <a:rPr lang="pt-BR" smtClean="0"/>
-              <a:t>19/11/2018</a:t>
+              <a:t>22/11/2018</a:t>
             </a:fld>
             <a:endParaRPr lang="pt-BR"/>
           </a:p>
@@ -19700,7 +19837,7 @@
           <a:p>
             <a:fld id="{6170734A-4B5A-4F3B-B573-1E93A2DEC51B}" type="datetimeFigureOut">
               <a:rPr lang="pt-BR" smtClean="0"/>
-              <a:t>19/11/2018</a:t>
+              <a:t>22/11/2018</a:t>
             </a:fld>
             <a:endParaRPr lang="pt-BR"/>
           </a:p>
@@ -19927,7 +20064,7 @@
           <a:p>
             <a:fld id="{6170734A-4B5A-4F3B-B573-1E93A2DEC51B}" type="datetimeFigureOut">
               <a:rPr lang="pt-BR" smtClean="0"/>
-              <a:t>19/11/2018</a:t>
+              <a:t>22/11/2018</a:t>
             </a:fld>
             <a:endParaRPr lang="pt-BR"/>
           </a:p>
@@ -20017,7 +20154,7 @@
           <a:p>
             <a:fld id="{6170734A-4B5A-4F3B-B573-1E93A2DEC51B}" type="datetimeFigureOut">
               <a:rPr lang="pt-BR" smtClean="0"/>
-              <a:t>19/11/2018</a:t>
+              <a:t>22/11/2018</a:t>
             </a:fld>
             <a:endParaRPr lang="pt-BR"/>
           </a:p>
@@ -20305,7 +20442,7 @@
           <a:p>
             <a:fld id="{6170734A-4B5A-4F3B-B573-1E93A2DEC51B}" type="datetimeFigureOut">
               <a:rPr lang="pt-BR" smtClean="0"/>
-              <a:t>19/11/2018</a:t>
+              <a:t>22/11/2018</a:t>
             </a:fld>
             <a:endParaRPr lang="pt-BR"/>
           </a:p>
@@ -20574,7 +20711,7 @@
           <a:p>
             <a:fld id="{6170734A-4B5A-4F3B-B573-1E93A2DEC51B}" type="datetimeFigureOut">
               <a:rPr lang="pt-BR" smtClean="0"/>
-              <a:t>19/11/2018</a:t>
+              <a:t>22/11/2018</a:t>
             </a:fld>
             <a:endParaRPr lang="pt-BR"/>
           </a:p>
@@ -20784,7 +20921,7 @@
           <a:p>
             <a:fld id="{6170734A-4B5A-4F3B-B573-1E93A2DEC51B}" type="datetimeFigureOut">
               <a:rPr lang="pt-BR" smtClean="0"/>
-              <a:t>19/11/2018</a:t>
+              <a:t>22/11/2018</a:t>
             </a:fld>
             <a:endParaRPr lang="pt-BR"/>
           </a:p>
@@ -21889,7 +22026,6 @@
               <a:rPr lang="pt-BR" b="1" dirty="0" smtClean="0"/>
               <a:t> Server</a:t>
             </a:r>
-            <a:endParaRPr lang="pt-BR" b="1" dirty="0" smtClean="0"/>
           </a:p>
           <a:p>
             <a:pPr>
@@ -22266,44 +22402,15 @@
           <a:chExt cx="0" cy="0"/>
         </a:xfrm>
       </p:grpSpPr>
-      <p:sp>
-        <p:nvSpPr>
-          <p:cNvPr id="2" name="Título 1"/>
-          <p:cNvSpPr>
-            <a:spLocks noGrp="1"/>
-          </p:cNvSpPr>
-          <p:nvPr>
-            <p:ph type="title"/>
-          </p:nvPr>
-        </p:nvSpPr>
-        <p:spPr>
-          <a:xfrm>
-            <a:off x="827584" y="123986"/>
-            <a:ext cx="8089654" cy="859194"/>
-          </a:xfrm>
-        </p:spPr>
-        <p:txBody>
-          <a:bodyPr/>
-          <a:lstStyle/>
-          <a:p>
-            <a:pPr algn="l"/>
-            <a:r>
-              <a:rPr lang="pt-BR" sz="3200" dirty="0" smtClean="0"/>
-              <a:t>Home usuário</a:t>
-            </a:r>
-            <a:endParaRPr lang="pt-BR" sz="3200" dirty="0"/>
-          </a:p>
-        </p:txBody>
-      </p:sp>
       <p:pic>
         <p:nvPicPr>
-          <p:cNvPr id="4" name="Picture 2" descr="https://cdn-images-1.medium.com/max/600/1*YHKQVfSqFafrXvGcc5wUuQ.png"/>
+          <p:cNvPr id="1026" name="Picture 2"/>
           <p:cNvPicPr>
             <a:picLocks noChangeAspect="1" noChangeArrowheads="1"/>
           </p:cNvPicPr>
           <p:nvPr/>
         </p:nvPicPr>
-        <p:blipFill rotWithShape="1">
+        <p:blipFill>
           <a:blip r:embed="rId2">
             <a:extLst>
               <a:ext uri="{28A0092B-C50C-407E-A947-70E740481C1C}">
@@ -22311,57 +22418,15 @@
               </a:ext>
             </a:extLst>
           </a:blip>
-          <a:srcRect b="11346"/>
-          <a:stretch/>
+          <a:srcRect/>
+          <a:stretch>
+            <a:fillRect/>
+          </a:stretch>
         </p:blipFill>
         <p:spPr bwMode="auto">
           <a:xfrm>
-            <a:off x="0" y="-60521"/>
-            <a:ext cx="827584" cy="614104"/>
-          </a:xfrm>
-          <a:prstGeom prst="rect">
-            <a:avLst/>
-          </a:prstGeom>
-          <a:ln>
-            <a:noFill/>
-          </a:ln>
-          <a:effectLst>
-            <a:softEdge rad="112500"/>
-          </a:effectLst>
-          <a:extLst>
-            <a:ext uri="{909E8E84-426E-40DD-AFC4-6F175D3DCCD1}">
-              <a14:hiddenFill xmlns:a14="http://schemas.microsoft.com/office/drawing/2010/main">
-                <a:solidFill>
-                  <a:srgbClr val="FFFFFF"/>
-                </a:solidFill>
-              </a14:hiddenFill>
-            </a:ext>
-          </a:extLst>
-        </p:spPr>
-      </p:pic>
-      <p:pic>
-        <p:nvPicPr>
-          <p:cNvPr id="5" name="Picture 2"/>
-          <p:cNvPicPr>
-            <a:picLocks noChangeAspect="1" noChangeArrowheads="1"/>
-          </p:cNvPicPr>
-          <p:nvPr/>
-        </p:nvPicPr>
-        <p:blipFill rotWithShape="1">
-          <a:blip r:embed="rId3">
-            <a:extLst>
-              <a:ext uri="{28A0092B-C50C-407E-A947-70E740481C1C}">
-                <a14:useLocalDpi xmlns:a14="http://schemas.microsoft.com/office/drawing/2010/main" val="0"/>
-              </a:ext>
-            </a:extLst>
-          </a:blip>
-          <a:srcRect r="42883"/>
-          <a:stretch/>
-        </p:blipFill>
-        <p:spPr bwMode="auto">
-          <a:xfrm>
-            <a:off x="260255" y="980728"/>
-            <a:ext cx="8776241" cy="5654784"/>
+            <a:off x="242942" y="955158"/>
+            <a:ext cx="8782050" cy="5657850"/>
           </a:xfrm>
           <a:prstGeom prst="rect">
             <a:avLst/>
@@ -22404,50 +22469,147 @@
       </p:pic>
       <p:sp>
         <p:nvSpPr>
-          <p:cNvPr id="6" name="Elipse 5"/>
-          <p:cNvSpPr/>
-          <p:nvPr/>
+          <p:cNvPr id="2" name="Título 1"/>
+          <p:cNvSpPr>
+            <a:spLocks noGrp="1"/>
+          </p:cNvSpPr>
+          <p:nvPr>
+            <p:ph type="title"/>
+          </p:nvPr>
         </p:nvSpPr>
         <p:spPr>
           <a:xfrm>
-            <a:off x="6228184" y="4869160"/>
-            <a:ext cx="3384376" cy="1988840"/>
+            <a:off x="827584" y="123986"/>
+            <a:ext cx="8089654" cy="859194"/>
           </a:xfrm>
-          <a:prstGeom prst="ellipse">
-            <a:avLst/>
-          </a:prstGeom>
-          <a:noFill/>
-          <a:ln>
-            <a:solidFill>
-              <a:srgbClr val="C00000"/>
-            </a:solidFill>
-          </a:ln>
         </p:spPr>
-        <p:style>
-          <a:lnRef idx="2">
-            <a:schemeClr val="accent1">
-              <a:shade val="50000"/>
-            </a:schemeClr>
-          </a:lnRef>
-          <a:fillRef idx="1">
-            <a:schemeClr val="accent1"/>
-          </a:fillRef>
-          <a:effectRef idx="0">
-            <a:schemeClr val="accent1"/>
-          </a:effectRef>
-          <a:fontRef idx="minor">
-            <a:schemeClr val="lt1"/>
-          </a:fontRef>
-        </p:style>
         <p:txBody>
-          <a:bodyPr rtlCol="0" anchor="ctr"/>
+          <a:bodyPr/>
           <a:lstStyle/>
           <a:p>
-            <a:pPr algn="ctr"/>
-            <a:endParaRPr lang="pt-BR"/>
+            <a:pPr algn="l"/>
+            <a:r>
+              <a:rPr lang="pt-BR" sz="3200" dirty="0" smtClean="0"/>
+              <a:t>Home usuário</a:t>
+            </a:r>
+            <a:endParaRPr lang="pt-BR" sz="3200" dirty="0"/>
           </a:p>
         </p:txBody>
       </p:sp>
+      <p:pic>
+        <p:nvPicPr>
+          <p:cNvPr id="4" name="Picture 2" descr="https://cdn-images-1.medium.com/max/600/1*YHKQVfSqFafrXvGcc5wUuQ.png"/>
+          <p:cNvPicPr>
+            <a:picLocks noChangeAspect="1" noChangeArrowheads="1"/>
+          </p:cNvPicPr>
+          <p:nvPr/>
+        </p:nvPicPr>
+        <p:blipFill rotWithShape="1">
+          <a:blip r:embed="rId3">
+            <a:extLst>
+              <a:ext uri="{28A0092B-C50C-407E-A947-70E740481C1C}">
+                <a14:useLocalDpi xmlns:a14="http://schemas.microsoft.com/office/drawing/2010/main" val="0"/>
+              </a:ext>
+            </a:extLst>
+          </a:blip>
+          <a:srcRect b="11346"/>
+          <a:stretch/>
+        </p:blipFill>
+        <p:spPr bwMode="auto">
+          <a:xfrm>
+            <a:off x="0" y="-60521"/>
+            <a:ext cx="827584" cy="614104"/>
+          </a:xfrm>
+          <a:prstGeom prst="rect">
+            <a:avLst/>
+          </a:prstGeom>
+          <a:ln>
+            <a:noFill/>
+          </a:ln>
+          <a:effectLst>
+            <a:softEdge rad="112500"/>
+          </a:effectLst>
+          <a:extLst>
+            <a:ext uri="{909E8E84-426E-40DD-AFC4-6F175D3DCCD1}">
+              <a14:hiddenFill xmlns:a14="http://schemas.microsoft.com/office/drawing/2010/main">
+                <a:solidFill>
+                  <a:srgbClr val="FFFFFF"/>
+                </a:solidFill>
+              </a14:hiddenFill>
+            </a:ext>
+          </a:extLst>
+        </p:spPr>
+      </p:pic>
+      <p:pic>
+        <p:nvPicPr>
+          <p:cNvPr id="7" name="Picture 2"/>
+          <p:cNvPicPr>
+            <a:picLocks noChangeAspect="1" noChangeArrowheads="1"/>
+          </p:cNvPicPr>
+          <p:nvPr/>
+        </p:nvPicPr>
+        <p:blipFill rotWithShape="1">
+          <a:blip r:embed="rId4">
+            <a:duotone>
+              <a:prstClr val="black"/>
+              <a:schemeClr val="accent3">
+                <a:tint val="45000"/>
+                <a:satMod val="400000"/>
+              </a:schemeClr>
+            </a:duotone>
+            <a:extLst>
+              <a:ext uri="{28A0092B-C50C-407E-A947-70E740481C1C}">
+                <a14:useLocalDpi xmlns:a14="http://schemas.microsoft.com/office/drawing/2010/main" val="0"/>
+              </a:ext>
+            </a:extLst>
+          </a:blip>
+          <a:srcRect l="42308" t="78337" r="43300" b="6359"/>
+          <a:stretch/>
+        </p:blipFill>
+        <p:spPr bwMode="auto">
+          <a:xfrm>
+            <a:off x="3419872" y="4711120"/>
+            <a:ext cx="5491384" cy="1901887"/>
+          </a:xfrm>
+          <a:prstGeom prst="roundRect">
+            <a:avLst>
+              <a:gd name="adj" fmla="val 8594"/>
+            </a:avLst>
+          </a:prstGeom>
+          <a:solidFill>
+            <a:srgbClr val="FFFFFF">
+              <a:shade val="85000"/>
+            </a:srgbClr>
+          </a:solidFill>
+          <a:ln>
+            <a:noFill/>
+          </a:ln>
+          <a:effectLst>
+            <a:reflection blurRad="12700" stA="38000" endPos="28000" dist="5000" dir="5400000" sy="-100000" algn="bl" rotWithShape="0"/>
+          </a:effectLst>
+          <a:extLst>
+            <a:ext uri="{91240B29-F687-4F45-9708-019B960494DF}">
+              <a14:hiddenLine xmlns:a14="http://schemas.microsoft.com/office/drawing/2010/main" w="9525">
+                <a:solidFill>
+                  <a:schemeClr val="tx1"/>
+                </a:solidFill>
+                <a:miter lim="800000"/>
+                <a:headEnd/>
+                <a:tailEnd/>
+              </a14:hiddenLine>
+            </a:ext>
+            <a:ext uri="{AF507438-7753-43E0-B8FC-AC1667EBCBE1}">
+              <a14:hiddenEffects xmlns:a14="http://schemas.microsoft.com/office/drawing/2010/main">
+                <a:effectLst>
+                  <a:outerShdw dist="35921" dir="2700000" algn="ctr" rotWithShape="0">
+                    <a:schemeClr val="bg2"/>
+                  </a:outerShdw>
+                </a:effectLst>
+              </a14:hiddenEffects>
+            </a:ext>
+          </a:extLst>
+        </p:spPr>
+      </p:pic>
     </p:spTree>
     <p:extLst>
       <p:ext uri="{BB962C8B-B14F-4D97-AF65-F5344CB8AC3E}">
@@ -22461,7 +22623,78 @@
   <p:timing>
     <p:tnLst>
       <p:par>
-        <p:cTn id="1" dur="indefinite" restart="never" nodeType="tmRoot"/>
+        <p:cTn id="1" dur="indefinite" restart="never" nodeType="tmRoot">
+          <p:childTnLst>
+            <p:seq concurrent="1" nextAc="seek">
+              <p:cTn id="2" dur="indefinite" nodeType="mainSeq">
+                <p:childTnLst>
+                  <p:par>
+                    <p:cTn id="3" fill="hold">
+                      <p:stCondLst>
+                        <p:cond delay="indefinite"/>
+                        <p:cond evt="onBegin" delay="0">
+                          <p:tn val="2"/>
+                        </p:cond>
+                      </p:stCondLst>
+                      <p:childTnLst>
+                        <p:par>
+                          <p:cTn id="4" fill="hold">
+                            <p:stCondLst>
+                              <p:cond delay="0"/>
+                            </p:stCondLst>
+                            <p:childTnLst>
+                              <p:par>
+                                <p:cTn id="5" presetID="1" presetClass="entr" presetSubtype="0" fill="hold" nodeType="afterEffect">
+                                  <p:stCondLst>
+                                    <p:cond delay="5000"/>
+                                  </p:stCondLst>
+                                  <p:childTnLst>
+                                    <p:set>
+                                      <p:cBhvr>
+                                        <p:cTn id="6" dur="1" fill="hold">
+                                          <p:stCondLst>
+                                            <p:cond delay="0"/>
+                                          </p:stCondLst>
+                                        </p:cTn>
+                                        <p:tgtEl>
+                                          <p:spTgt spid="7"/>
+                                        </p:tgtEl>
+                                        <p:attrNameLst>
+                                          <p:attrName>style.visibility</p:attrName>
+                                        </p:attrNameLst>
+                                      </p:cBhvr>
+                                      <p:to>
+                                        <p:strVal val="visible"/>
+                                      </p:to>
+                                    </p:set>
+                                  </p:childTnLst>
+                                </p:cTn>
+                              </p:par>
+                            </p:childTnLst>
+                          </p:cTn>
+                        </p:par>
+                      </p:childTnLst>
+                    </p:cTn>
+                  </p:par>
+                </p:childTnLst>
+              </p:cTn>
+              <p:prevCondLst>
+                <p:cond evt="onPrev" delay="0">
+                  <p:tgtEl>
+                    <p:sldTgt/>
+                  </p:tgtEl>
+                </p:cond>
+              </p:prevCondLst>
+              <p:nextCondLst>
+                <p:cond evt="onNext" delay="0">
+                  <p:tgtEl>
+                    <p:sldTgt/>
+                  </p:tgtEl>
+                </p:cond>
+              </p:nextCondLst>
+            </p:seq>
+          </p:childTnLst>
+        </p:cTn>
       </p:par>
     </p:tnLst>
   </p:timing>
@@ -24036,15 +24269,7 @@
                   <a:schemeClr val="tx1"/>
                 </a:solidFill>
               </a:rPr>
-              <a:t>Disponibilização de </a:t>
-            </a:r>
-            <a:r>
-              <a:rPr lang="pt-BR" sz="2000" b="1" dirty="0" smtClean="0">
-                <a:solidFill>
-                  <a:schemeClr val="tx1"/>
-                </a:solidFill>
-              </a:rPr>
-              <a:t>serviços </a:t>
+              <a:t>Disponibilização de serviços </a:t>
             </a:r>
             <a:r>
               <a:rPr lang="pt-BR" sz="1200" b="1" dirty="0" smtClean="0">
@@ -24069,15 +24294,7 @@
                   <a:srgbClr val="00B050"/>
                 </a:solidFill>
               </a:rPr>
-              <a:t>Solução </a:t>
-            </a:r>
-            <a:r>
-              <a:rPr lang="pt-BR" sz="2000" b="1" dirty="0" smtClean="0">
-                <a:solidFill>
-                  <a:srgbClr val="00B050"/>
-                </a:solidFill>
-              </a:rPr>
-              <a:t>de </a:t>
+              <a:t>Solução de </a:t>
             </a:r>
             <a:r>
               <a:rPr lang="pt-BR" sz="2000" b="1" dirty="0" err="1" smtClean="0">
@@ -24093,15 +24310,7 @@
                   <a:srgbClr val="00B050"/>
                 </a:solidFill>
               </a:rPr>
-              <a:t> em </a:t>
-            </a:r>
-            <a:r>
-              <a:rPr lang="pt-BR" sz="2000" b="1" dirty="0" smtClean="0">
-                <a:solidFill>
-                  <a:srgbClr val="00B050"/>
-                </a:solidFill>
-              </a:rPr>
-              <a:t>três clicks</a:t>
+              <a:t> em três clicks</a:t>
             </a:r>
           </a:p>
           <a:p>
@@ -24272,15 +24481,7 @@
             </a:pPr>
             <a:r>
               <a:rPr lang="pt-BR" sz="2000" b="1" dirty="0" smtClean="0"/>
-              <a:t>Docentes com </a:t>
-            </a:r>
-            <a:r>
-              <a:rPr lang="pt-BR" sz="2000" b="1" dirty="0" smtClean="0"/>
-              <a:t>pouco </a:t>
-            </a:r>
-            <a:r>
-              <a:rPr lang="pt-BR" sz="2000" b="1" dirty="0" smtClean="0"/>
-              <a:t>tempo</a:t>
+              <a:t>Docentes com pouco tempo</a:t>
             </a:r>
           </a:p>
           <a:p>
@@ -24307,23 +24508,7 @@
                   <a:srgbClr val="00B050"/>
                 </a:solidFill>
               </a:rPr>
-              <a:t>Operação de sistemas </a:t>
-            </a:r>
-            <a:r>
-              <a:rPr lang="pt-BR" sz="2000" b="1" dirty="0" smtClean="0">
-                <a:solidFill>
-                  <a:srgbClr val="00B050"/>
-                </a:solidFill>
-              </a:rPr>
-              <a:t>burocráticos poucos </a:t>
-            </a:r>
-            <a:r>
-              <a:rPr lang="pt-BR" sz="2000" b="1" dirty="0" smtClean="0">
-                <a:solidFill>
-                  <a:srgbClr val="00B050"/>
-                </a:solidFill>
-              </a:rPr>
-              <a:t>interativos</a:t>
+              <a:t>Operação de sistemas burocráticos poucos interativos</a:t>
             </a:r>
           </a:p>
           <a:p>
@@ -24350,13 +24535,8 @@
             </a:pPr>
             <a:r>
               <a:rPr lang="pt-BR" sz="2000" b="1" dirty="0" smtClean="0"/>
-              <a:t>Prazos </a:t>
+              <a:t>Prazos apertados </a:t>
             </a:r>
-            <a:r>
-              <a:rPr lang="pt-BR" sz="2000" b="1" dirty="0" smtClean="0"/>
-              <a:t>apertados </a:t>
-            </a:r>
-            <a:endParaRPr lang="pt-BR" sz="2000" b="1" dirty="0" smtClean="0"/>
           </a:p>
           <a:p>
             <a:pPr marL="0" indent="0">
@@ -24902,7 +25082,7 @@
         </p:nvSpPr>
         <p:spPr>
           <a:xfrm>
-            <a:off x="2970667" y="3685051"/>
+            <a:off x="2915816" y="3685051"/>
             <a:ext cx="838691" cy="369332"/>
           </a:xfrm>
           <a:prstGeom prst="rect">
@@ -25580,9 +25760,583 @@
   <p:timing>
     <p:tnLst>
       <p:par>
-        <p:cTn id="1" dur="indefinite" restart="never" nodeType="tmRoot"/>
+        <p:cTn id="1" dur="indefinite" restart="never" nodeType="tmRoot">
+          <p:childTnLst>
+            <p:seq concurrent="1" nextAc="seek">
+              <p:cTn id="2" dur="indefinite" nodeType="mainSeq">
+                <p:childTnLst>
+                  <p:par>
+                    <p:cTn id="3" fill="hold">
+                      <p:stCondLst>
+                        <p:cond delay="indefinite"/>
+                        <p:cond evt="onBegin" delay="0">
+                          <p:tn val="2"/>
+                        </p:cond>
+                      </p:stCondLst>
+                      <p:childTnLst>
+                        <p:par>
+                          <p:cTn id="4" fill="hold">
+                            <p:stCondLst>
+                              <p:cond delay="0"/>
+                            </p:stCondLst>
+                            <p:childTnLst>
+                              <p:par>
+                                <p:cTn id="5" presetID="1" presetClass="entr" presetSubtype="0" fill="hold" grpId="0" nodeType="afterEffect">
+                                  <p:stCondLst>
+                                    <p:cond delay="2000"/>
+                                  </p:stCondLst>
+                                  <p:childTnLst>
+                                    <p:set>
+                                      <p:cBhvr>
+                                        <p:cTn id="6" dur="1" fill="hold">
+                                          <p:stCondLst>
+                                            <p:cond delay="0"/>
+                                          </p:stCondLst>
+                                        </p:cTn>
+                                        <p:tgtEl>
+                                          <p:spTgt spid="20"/>
+                                        </p:tgtEl>
+                                        <p:attrNameLst>
+                                          <p:attrName>style.visibility</p:attrName>
+                                        </p:attrNameLst>
+                                      </p:cBhvr>
+                                      <p:to>
+                                        <p:strVal val="visible"/>
+                                      </p:to>
+                                    </p:set>
+                                  </p:childTnLst>
+                                </p:cTn>
+                              </p:par>
+                            </p:childTnLst>
+                          </p:cTn>
+                        </p:par>
+                        <p:par>
+                          <p:cTn id="7" fill="hold">
+                            <p:stCondLst>
+                              <p:cond delay="2000"/>
+                            </p:stCondLst>
+                            <p:childTnLst>
+                              <p:par>
+                                <p:cTn id="8" presetID="1" presetClass="entr" presetSubtype="0" fill="hold" nodeType="afterEffect">
+                                  <p:stCondLst>
+                                    <p:cond delay="2000"/>
+                                  </p:stCondLst>
+                                  <p:childTnLst>
+                                    <p:set>
+                                      <p:cBhvr>
+                                        <p:cTn id="9" dur="1" fill="hold">
+                                          <p:stCondLst>
+                                            <p:cond delay="0"/>
+                                          </p:stCondLst>
+                                        </p:cTn>
+                                        <p:tgtEl>
+                                          <p:spTgt spid="1053"/>
+                                        </p:tgtEl>
+                                        <p:attrNameLst>
+                                          <p:attrName>style.visibility</p:attrName>
+                                        </p:attrNameLst>
+                                      </p:cBhvr>
+                                      <p:to>
+                                        <p:strVal val="visible"/>
+                                      </p:to>
+                                    </p:set>
+                                  </p:childTnLst>
+                                </p:cTn>
+                              </p:par>
+                            </p:childTnLst>
+                          </p:cTn>
+                        </p:par>
+                        <p:par>
+                          <p:cTn id="10" fill="hold">
+                            <p:stCondLst>
+                              <p:cond delay="4000"/>
+                            </p:stCondLst>
+                            <p:childTnLst>
+                              <p:par>
+                                <p:cTn id="11" presetID="1" presetClass="entr" presetSubtype="0" fill="hold" nodeType="afterEffect">
+                                  <p:stCondLst>
+                                    <p:cond delay="5000"/>
+                                  </p:stCondLst>
+                                  <p:childTnLst>
+                                    <p:set>
+                                      <p:cBhvr>
+                                        <p:cTn id="12" dur="1" fill="hold">
+                                          <p:stCondLst>
+                                            <p:cond delay="0"/>
+                                          </p:stCondLst>
+                                        </p:cTn>
+                                        <p:tgtEl>
+                                          <p:spTgt spid="1028"/>
+                                        </p:tgtEl>
+                                        <p:attrNameLst>
+                                          <p:attrName>style.visibility</p:attrName>
+                                        </p:attrNameLst>
+                                      </p:cBhvr>
+                                      <p:to>
+                                        <p:strVal val="visible"/>
+                                      </p:to>
+                                    </p:set>
+                                  </p:childTnLst>
+                                </p:cTn>
+                              </p:par>
+                            </p:childTnLst>
+                          </p:cTn>
+                        </p:par>
+                        <p:par>
+                          <p:cTn id="13" fill="hold">
+                            <p:stCondLst>
+                              <p:cond delay="9000"/>
+                            </p:stCondLst>
+                            <p:childTnLst>
+                              <p:par>
+                                <p:cTn id="14" presetID="1" presetClass="entr" presetSubtype="0" fill="hold" grpId="0" nodeType="afterEffect">
+                                  <p:stCondLst>
+                                    <p:cond delay="5000"/>
+                                  </p:stCondLst>
+                                  <p:childTnLst>
+                                    <p:set>
+                                      <p:cBhvr>
+                                        <p:cTn id="15" dur="1" fill="hold">
+                                          <p:stCondLst>
+                                            <p:cond delay="0"/>
+                                          </p:stCondLst>
+                                        </p:cTn>
+                                        <p:tgtEl>
+                                          <p:spTgt spid="16"/>
+                                        </p:tgtEl>
+                                        <p:attrNameLst>
+                                          <p:attrName>style.visibility</p:attrName>
+                                        </p:attrNameLst>
+                                      </p:cBhvr>
+                                      <p:to>
+                                        <p:strVal val="visible"/>
+                                      </p:to>
+                                    </p:set>
+                                  </p:childTnLst>
+                                </p:cTn>
+                              </p:par>
+                              <p:par>
+                                <p:cTn id="16" presetID="1" presetClass="entr" presetSubtype="0" fill="hold" nodeType="withEffect">
+                                  <p:stCondLst>
+                                    <p:cond delay="5000"/>
+                                  </p:stCondLst>
+                                  <p:childTnLst>
+                                    <p:set>
+                                      <p:cBhvr>
+                                        <p:cTn id="17" dur="1" fill="hold">
+                                          <p:stCondLst>
+                                            <p:cond delay="0"/>
+                                          </p:stCondLst>
+                                        </p:cTn>
+                                        <p:tgtEl>
+                                          <p:spTgt spid="22"/>
+                                        </p:tgtEl>
+                                        <p:attrNameLst>
+                                          <p:attrName>style.visibility</p:attrName>
+                                        </p:attrNameLst>
+                                      </p:cBhvr>
+                                      <p:to>
+                                        <p:strVal val="visible"/>
+                                      </p:to>
+                                    </p:set>
+                                  </p:childTnLst>
+                                </p:cTn>
+                              </p:par>
+                            </p:childTnLst>
+                          </p:cTn>
+                        </p:par>
+                      </p:childTnLst>
+                    </p:cTn>
+                  </p:par>
+                  <p:par>
+                    <p:cTn id="18" fill="hold">
+                      <p:stCondLst>
+                        <p:cond delay="indefinite"/>
+                      </p:stCondLst>
+                      <p:childTnLst>
+                        <p:par>
+                          <p:cTn id="19" fill="hold">
+                            <p:stCondLst>
+                              <p:cond delay="0"/>
+                            </p:stCondLst>
+                            <p:childTnLst>
+                              <p:par>
+                                <p:cTn id="20" presetID="1" presetClass="entr" presetSubtype="0" fill="hold" nodeType="clickEffect">
+                                  <p:stCondLst>
+                                    <p:cond delay="0"/>
+                                  </p:stCondLst>
+                                  <p:childTnLst>
+                                    <p:set>
+                                      <p:cBhvr>
+                                        <p:cTn id="21" dur="1" fill="hold">
+                                          <p:stCondLst>
+                                            <p:cond delay="0"/>
+                                          </p:stCondLst>
+                                        </p:cTn>
+                                        <p:tgtEl>
+                                          <p:spTgt spid="1030"/>
+                                        </p:tgtEl>
+                                        <p:attrNameLst>
+                                          <p:attrName>style.visibility</p:attrName>
+                                        </p:attrNameLst>
+                                      </p:cBhvr>
+                                      <p:to>
+                                        <p:strVal val="visible"/>
+                                      </p:to>
+                                    </p:set>
+                                  </p:childTnLst>
+                                </p:cTn>
+                              </p:par>
+                            </p:childTnLst>
+                          </p:cTn>
+                        </p:par>
+                        <p:par>
+                          <p:cTn id="22" fill="hold">
+                            <p:stCondLst>
+                              <p:cond delay="0"/>
+                            </p:stCondLst>
+                            <p:childTnLst>
+                              <p:par>
+                                <p:cTn id="23" presetID="1" presetClass="entr" presetSubtype="0" fill="hold" grpId="0" nodeType="afterEffect">
+                                  <p:stCondLst>
+                                    <p:cond delay="0"/>
+                                  </p:stCondLst>
+                                  <p:childTnLst>
+                                    <p:set>
+                                      <p:cBhvr>
+                                        <p:cTn id="24" dur="1" fill="hold">
+                                          <p:stCondLst>
+                                            <p:cond delay="0"/>
+                                          </p:stCondLst>
+                                        </p:cTn>
+                                        <p:tgtEl>
+                                          <p:spTgt spid="17"/>
+                                        </p:tgtEl>
+                                        <p:attrNameLst>
+                                          <p:attrName>style.visibility</p:attrName>
+                                        </p:attrNameLst>
+                                      </p:cBhvr>
+                                      <p:to>
+                                        <p:strVal val="visible"/>
+                                      </p:to>
+                                    </p:set>
+                                  </p:childTnLst>
+                                </p:cTn>
+                              </p:par>
+                              <p:par>
+                                <p:cTn id="25" presetID="1" presetClass="entr" presetSubtype="0" fill="hold" nodeType="withEffect">
+                                  <p:stCondLst>
+                                    <p:cond delay="5000"/>
+                                  </p:stCondLst>
+                                  <p:childTnLst>
+                                    <p:set>
+                                      <p:cBhvr>
+                                        <p:cTn id="26" dur="1" fill="hold">
+                                          <p:stCondLst>
+                                            <p:cond delay="0"/>
+                                          </p:stCondLst>
+                                        </p:cTn>
+                                        <p:tgtEl>
+                                          <p:spTgt spid="24"/>
+                                        </p:tgtEl>
+                                        <p:attrNameLst>
+                                          <p:attrName>style.visibility</p:attrName>
+                                        </p:attrNameLst>
+                                      </p:cBhvr>
+                                      <p:to>
+                                        <p:strVal val="visible"/>
+                                      </p:to>
+                                    </p:set>
+                                  </p:childTnLst>
+                                </p:cTn>
+                              </p:par>
+                            </p:childTnLst>
+                          </p:cTn>
+                        </p:par>
+                      </p:childTnLst>
+                    </p:cTn>
+                  </p:par>
+                  <p:par>
+                    <p:cTn id="27" fill="hold">
+                      <p:stCondLst>
+                        <p:cond delay="indefinite"/>
+                      </p:stCondLst>
+                      <p:childTnLst>
+                        <p:par>
+                          <p:cTn id="28" fill="hold">
+                            <p:stCondLst>
+                              <p:cond delay="0"/>
+                            </p:stCondLst>
+                            <p:childTnLst>
+                              <p:par>
+                                <p:cTn id="29" presetID="1" presetClass="entr" presetSubtype="0" fill="hold" nodeType="clickEffect">
+                                  <p:stCondLst>
+                                    <p:cond delay="0"/>
+                                  </p:stCondLst>
+                                  <p:childTnLst>
+                                    <p:set>
+                                      <p:cBhvr>
+                                        <p:cTn id="30" dur="1" fill="hold">
+                                          <p:stCondLst>
+                                            <p:cond delay="0"/>
+                                          </p:stCondLst>
+                                        </p:cTn>
+                                        <p:tgtEl>
+                                          <p:spTgt spid="3078"/>
+                                        </p:tgtEl>
+                                        <p:attrNameLst>
+                                          <p:attrName>style.visibility</p:attrName>
+                                        </p:attrNameLst>
+                                      </p:cBhvr>
+                                      <p:to>
+                                        <p:strVal val="visible"/>
+                                      </p:to>
+                                    </p:set>
+                                  </p:childTnLst>
+                                </p:cTn>
+                              </p:par>
+                              <p:par>
+                                <p:cTn id="31" presetID="1" presetClass="entr" presetSubtype="0" fill="hold" grpId="0" nodeType="withEffect">
+                                  <p:stCondLst>
+                                    <p:cond delay="0"/>
+                                  </p:stCondLst>
+                                  <p:childTnLst>
+                                    <p:set>
+                                      <p:cBhvr>
+                                        <p:cTn id="32" dur="1" fill="hold">
+                                          <p:stCondLst>
+                                            <p:cond delay="0"/>
+                                          </p:stCondLst>
+                                        </p:cTn>
+                                        <p:tgtEl>
+                                          <p:spTgt spid="21"/>
+                                        </p:tgtEl>
+                                        <p:attrNameLst>
+                                          <p:attrName>style.visibility</p:attrName>
+                                        </p:attrNameLst>
+                                      </p:cBhvr>
+                                      <p:to>
+                                        <p:strVal val="visible"/>
+                                      </p:to>
+                                    </p:set>
+                                  </p:childTnLst>
+                                </p:cTn>
+                              </p:par>
+                            </p:childTnLst>
+                          </p:cTn>
+                        </p:par>
+                      </p:childTnLst>
+                    </p:cTn>
+                  </p:par>
+                  <p:par>
+                    <p:cTn id="33" fill="hold">
+                      <p:stCondLst>
+                        <p:cond delay="indefinite"/>
+                      </p:stCondLst>
+                      <p:childTnLst>
+                        <p:par>
+                          <p:cTn id="34" fill="hold">
+                            <p:stCondLst>
+                              <p:cond delay="0"/>
+                            </p:stCondLst>
+                            <p:childTnLst>
+                              <p:par>
+                                <p:cTn id="35" presetID="1" presetClass="entr" presetSubtype="0" fill="hold" nodeType="clickEffect">
+                                  <p:stCondLst>
+                                    <p:cond delay="0"/>
+                                  </p:stCondLst>
+                                  <p:childTnLst>
+                                    <p:set>
+                                      <p:cBhvr>
+                                        <p:cTn id="36" dur="1" fill="hold">
+                                          <p:stCondLst>
+                                            <p:cond delay="0"/>
+                                          </p:stCondLst>
+                                        </p:cTn>
+                                        <p:tgtEl>
+                                          <p:spTgt spid="3080"/>
+                                        </p:tgtEl>
+                                        <p:attrNameLst>
+                                          <p:attrName>style.visibility</p:attrName>
+                                        </p:attrNameLst>
+                                      </p:cBhvr>
+                                      <p:to>
+                                        <p:strVal val="visible"/>
+                                      </p:to>
+                                    </p:set>
+                                  </p:childTnLst>
+                                </p:cTn>
+                              </p:par>
+                              <p:par>
+                                <p:cTn id="37" presetID="1" presetClass="entr" presetSubtype="0" fill="hold" grpId="0" nodeType="withEffect">
+                                  <p:stCondLst>
+                                    <p:cond delay="0"/>
+                                  </p:stCondLst>
+                                  <p:childTnLst>
+                                    <p:set>
+                                      <p:cBhvr>
+                                        <p:cTn id="38" dur="1" fill="hold">
+                                          <p:stCondLst>
+                                            <p:cond delay="0"/>
+                                          </p:stCondLst>
+                                        </p:cTn>
+                                        <p:tgtEl>
+                                          <p:spTgt spid="23"/>
+                                        </p:tgtEl>
+                                        <p:attrNameLst>
+                                          <p:attrName>style.visibility</p:attrName>
+                                        </p:attrNameLst>
+                                      </p:cBhvr>
+                                      <p:to>
+                                        <p:strVal val="visible"/>
+                                      </p:to>
+                                    </p:set>
+                                  </p:childTnLst>
+                                </p:cTn>
+                              </p:par>
+                            </p:childTnLst>
+                          </p:cTn>
+                        </p:par>
+                      </p:childTnLst>
+                    </p:cTn>
+                  </p:par>
+                  <p:par>
+                    <p:cTn id="39" fill="hold">
+                      <p:stCondLst>
+                        <p:cond delay="indefinite"/>
+                      </p:stCondLst>
+                      <p:childTnLst>
+                        <p:par>
+                          <p:cTn id="40" fill="hold">
+                            <p:stCondLst>
+                              <p:cond delay="0"/>
+                            </p:stCondLst>
+                            <p:childTnLst>
+                              <p:par>
+                                <p:cTn id="41" presetID="1" presetClass="entr" presetSubtype="0" fill="hold" nodeType="clickEffect">
+                                  <p:stCondLst>
+                                    <p:cond delay="0"/>
+                                  </p:stCondLst>
+                                  <p:childTnLst>
+                                    <p:set>
+                                      <p:cBhvr>
+                                        <p:cTn id="42" dur="1" fill="hold">
+                                          <p:stCondLst>
+                                            <p:cond delay="0"/>
+                                          </p:stCondLst>
+                                        </p:cTn>
+                                        <p:tgtEl>
+                                          <p:spTgt spid="13"/>
+                                        </p:tgtEl>
+                                        <p:attrNameLst>
+                                          <p:attrName>style.visibility</p:attrName>
+                                        </p:attrNameLst>
+                                      </p:cBhvr>
+                                      <p:to>
+                                        <p:strVal val="visible"/>
+                                      </p:to>
+                                    </p:set>
+                                  </p:childTnLst>
+                                </p:cTn>
+                              </p:par>
+                              <p:par>
+                                <p:cTn id="43" presetID="1" presetClass="entr" presetSubtype="0" fill="hold" grpId="0" nodeType="withEffect">
+                                  <p:stCondLst>
+                                    <p:cond delay="0"/>
+                                  </p:stCondLst>
+                                  <p:childTnLst>
+                                    <p:set>
+                                      <p:cBhvr>
+                                        <p:cTn id="44" dur="1" fill="hold">
+                                          <p:stCondLst>
+                                            <p:cond delay="0"/>
+                                          </p:stCondLst>
+                                        </p:cTn>
+                                        <p:tgtEl>
+                                          <p:spTgt spid="18"/>
+                                        </p:tgtEl>
+                                        <p:attrNameLst>
+                                          <p:attrName>style.visibility</p:attrName>
+                                        </p:attrNameLst>
+                                      </p:cBhvr>
+                                      <p:to>
+                                        <p:strVal val="visible"/>
+                                      </p:to>
+                                    </p:set>
+                                  </p:childTnLst>
+                                </p:cTn>
+                              </p:par>
+                            </p:childTnLst>
+                          </p:cTn>
+                        </p:par>
+                        <p:par>
+                          <p:cTn id="45" fill="hold">
+                            <p:stCondLst>
+                              <p:cond delay="0"/>
+                            </p:stCondLst>
+                            <p:childTnLst>
+                              <p:par>
+                                <p:cTn id="46" presetID="1" presetClass="entr" presetSubtype="0" fill="hold" nodeType="afterEffect">
+                                  <p:stCondLst>
+                                    <p:cond delay="5000"/>
+                                  </p:stCondLst>
+                                  <p:childTnLst>
+                                    <p:set>
+                                      <p:cBhvr>
+                                        <p:cTn id="47" dur="1" fill="hold">
+                                          <p:stCondLst>
+                                            <p:cond delay="0"/>
+                                          </p:stCondLst>
+                                        </p:cTn>
+                                        <p:tgtEl>
+                                          <p:spTgt spid="25"/>
+                                        </p:tgtEl>
+                                        <p:attrNameLst>
+                                          <p:attrName>style.visibility</p:attrName>
+                                        </p:attrNameLst>
+                                      </p:cBhvr>
+                                      <p:to>
+                                        <p:strVal val="visible"/>
+                                      </p:to>
+                                    </p:set>
+                                  </p:childTnLst>
+                                </p:cTn>
+                              </p:par>
+                            </p:childTnLst>
+                          </p:cTn>
+                        </p:par>
+                      </p:childTnLst>
+                    </p:cTn>
+                  </p:par>
+                </p:childTnLst>
+              </p:cTn>
+              <p:prevCondLst>
+                <p:cond evt="onPrev" delay="0">
+                  <p:tgtEl>
+                    <p:sldTgt/>
+                  </p:tgtEl>
+                </p:cond>
+              </p:prevCondLst>
+              <p:nextCondLst>
+                <p:cond evt="onNext" delay="0">
+                  <p:tgtEl>
+                    <p:sldTgt/>
+                  </p:tgtEl>
+                </p:cond>
+              </p:nextCondLst>
+            </p:seq>
+          </p:childTnLst>
+        </p:cTn>
       </p:par>
     </p:tnLst>
+    <p:bldLst>
+      <p:bldP spid="16" grpId="0"/>
+      <p:bldP spid="17" grpId="0"/>
+      <p:bldP spid="18" grpId="0"/>
+      <p:bldP spid="20" grpId="0"/>
+      <p:bldP spid="21" grpId="0"/>
+      <p:bldP spid="23" grpId="0"/>
+    </p:bldLst>
   </p:timing>
 </p:sld>
 </file>
@@ -26151,6 +26905,91 @@
       </p:grpSpPr>
       <p:pic>
         <p:nvPicPr>
+          <p:cNvPr id="1034" name="Picture 10" descr="Imagem relacionada"/>
+          <p:cNvPicPr>
+            <a:picLocks noChangeAspect="1" noChangeArrowheads="1"/>
+          </p:cNvPicPr>
+          <p:nvPr/>
+        </p:nvPicPr>
+        <p:blipFill rotWithShape="1">
+          <a:blip r:embed="rId2">
+            <a:duotone>
+              <a:schemeClr val="accent3">
+                <a:shade val="45000"/>
+                <a:satMod val="135000"/>
+              </a:schemeClr>
+              <a:prstClr val="white"/>
+            </a:duotone>
+            <a:extLst>
+              <a:ext uri="{BEBA8EAE-BF5A-486C-A8C5-ECC9F3942E4B}">
+                <a14:imgProps xmlns:a14="http://schemas.microsoft.com/office/drawing/2010/main">
+                  <a14:imgLayer r:embed="rId3">
+                    <a14:imgEffect>
+                      <a14:brightnessContrast contrast="20000"/>
+                    </a14:imgEffect>
+                  </a14:imgLayer>
+                </a14:imgProps>
+              </a:ext>
+              <a:ext uri="{28A0092B-C50C-407E-A947-70E740481C1C}">
+                <a14:useLocalDpi xmlns:a14="http://schemas.microsoft.com/office/drawing/2010/main" val="0"/>
+              </a:ext>
+            </a:extLst>
+          </a:blip>
+          <a:srcRect l="4874" t="-1084" r="4710" b="10001"/>
+          <a:stretch/>
+        </p:blipFill>
+        <p:spPr bwMode="auto">
+          <a:xfrm>
+            <a:off x="5076056" y="1877786"/>
+            <a:ext cx="3655977" cy="3639446"/>
+          </a:xfrm>
+          <a:prstGeom prst="ellipse">
+            <a:avLst/>
+          </a:prstGeom>
+          <a:ln>
+            <a:noFill/>
+          </a:ln>
+          <a:effectLst>
+            <a:softEdge rad="112500"/>
+          </a:effectLst>
+          <a:extLst>
+            <a:ext uri="{909E8E84-426E-40DD-AFC4-6F175D3DCCD1}">
+              <a14:hiddenFill xmlns:a14="http://schemas.microsoft.com/office/drawing/2010/main">
+                <a:solidFill>
+                  <a:srgbClr val="FFFFFF"/>
+                </a:solidFill>
+              </a14:hiddenFill>
+            </a:ext>
+          </a:extLst>
+        </p:spPr>
+      </p:pic>
+      <p:graphicFrame>
+        <p:nvGraphicFramePr>
+          <p:cNvPr id="11" name="Espaço Reservado para Conteúdo 10"/>
+          <p:cNvGraphicFramePr>
+            <a:graphicFrameLocks noGrp="1"/>
+          </p:cNvGraphicFramePr>
+          <p:nvPr>
+            <p:ph idx="1"/>
+            <p:extLst>
+              <p:ext uri="{D42A27DB-BD31-4B8C-83A1-F6EECF244321}">
+                <p14:modId xmlns:p14="http://schemas.microsoft.com/office/powerpoint/2010/main" val="956329246"/>
+              </p:ext>
+            </p:extLst>
+          </p:nvPr>
+        </p:nvGraphicFramePr>
+        <p:xfrm>
+          <a:off x="413792" y="1340768"/>
+          <a:ext cx="8730207" cy="4752528"/>
+        </p:xfrm>
+        <a:graphic>
+          <a:graphicData uri="http://schemas.openxmlformats.org/drawingml/2006/diagram">
+            <dgm:relIds xmlns:dgm="http://schemas.openxmlformats.org/drawingml/2006/diagram" xmlns:r="http://schemas.openxmlformats.org/officeDocument/2006/relationships" r:dm="rId4" r:lo="rId5" r:qs="rId6" r:cs="rId7"/>
+          </a:graphicData>
+        </a:graphic>
+      </p:graphicFrame>
+      <p:pic>
+        <p:nvPicPr>
           <p:cNvPr id="1026" name="Picture 2" descr="Resultado de imagem para serviÃ§os web"/>
           <p:cNvPicPr>
             <a:picLocks noChangeAspect="1" noChangeArrowheads="1"/>
@@ -26158,11 +26997,11 @@
           <p:nvPr/>
         </p:nvPicPr>
         <p:blipFill rotWithShape="1">
-          <a:blip r:embed="rId2">
+          <a:blip r:embed="rId9">
             <a:extLst>
               <a:ext uri="{BEBA8EAE-BF5A-486C-A8C5-ECC9F3942E4B}">
                 <a14:imgProps xmlns:a14="http://schemas.microsoft.com/office/drawing/2010/main">
-                  <a14:imgLayer r:embed="rId3">
+                  <a14:imgLayer r:embed="rId10">
                     <a14:imgEffect>
                       <a14:colorTemperature colorTemp="5900"/>
                     </a14:imgEffect>
@@ -26222,12 +27061,11 @@
           <a:bodyPr/>
           <a:lstStyle/>
           <a:p>
-            <a:pPr algn="l"/>
             <a:r>
-              <a:rPr lang="pt-BR" sz="3200" dirty="0" smtClean="0"/>
-              <a:t>Implicação</a:t>
+              <a:rPr lang="pt-BR" sz="1600" dirty="0" smtClean="0"/>
+              <a:t>Disparo de notificação</a:t>
             </a:r>
-            <a:endParaRPr lang="pt-BR" sz="3200" dirty="0"/>
+            <a:endParaRPr lang="pt-BR" sz="1600" dirty="0"/>
           </a:p>
         </p:txBody>
       </p:sp>
@@ -26240,7 +27078,7 @@
           <p:nvPr/>
         </p:nvPicPr>
         <p:blipFill rotWithShape="1">
-          <a:blip r:embed="rId4">
+          <a:blip r:embed="rId11">
             <a:extLst>
               <a:ext uri="{28A0092B-C50C-407E-A947-70E740481C1C}">
                 <a14:useLocalDpi xmlns:a14="http://schemas.microsoft.com/office/drawing/2010/main" val="0"/>
@@ -26275,31 +27113,6 @@
           </a:extLst>
         </p:spPr>
       </p:pic>
-      <p:graphicFrame>
-        <p:nvGraphicFramePr>
-          <p:cNvPr id="11" name="Espaço Reservado para Conteúdo 10"/>
-          <p:cNvGraphicFramePr>
-            <a:graphicFrameLocks noGrp="1"/>
-          </p:cNvGraphicFramePr>
-          <p:nvPr>
-            <p:ph idx="1"/>
-            <p:extLst>
-              <p:ext uri="{D42A27DB-BD31-4B8C-83A1-F6EECF244321}">
-                <p14:modId xmlns:p14="http://schemas.microsoft.com/office/powerpoint/2010/main" val="3007311410"/>
-              </p:ext>
-            </p:extLst>
-          </p:nvPr>
-        </p:nvGraphicFramePr>
-        <p:xfrm>
-          <a:off x="9168" y="1548234"/>
-          <a:ext cx="9144000" cy="4545062"/>
-        </p:xfrm>
-        <a:graphic>
-          <a:graphicData uri="http://schemas.openxmlformats.org/drawingml/2006/diagram">
-            <dgm:relIds xmlns:dgm="http://schemas.openxmlformats.org/drawingml/2006/diagram" xmlns:r="http://schemas.openxmlformats.org/officeDocument/2006/relationships" r:dm="rId5" r:lo="rId6" r:qs="rId7" r:cs="rId8"/>
-          </a:graphicData>
-        </a:graphic>
-      </p:graphicFrame>
       <p:pic>
         <p:nvPicPr>
           <p:cNvPr id="1030" name="Picture 6" descr="Resultado de imagem para servidor nuvem vector"/>
@@ -26309,7 +27122,7 @@
           <p:nvPr/>
         </p:nvPicPr>
         <p:blipFill>
-          <a:blip r:embed="rId10">
+          <a:blip r:embed="rId12">
             <a:duotone>
               <a:schemeClr val="accent3">
                 <a:shade val="45000"/>
@@ -26320,7 +27133,7 @@
             <a:extLst>
               <a:ext uri="{BEBA8EAE-BF5A-486C-A8C5-ECC9F3942E4B}">
                 <a14:imgProps xmlns:a14="http://schemas.microsoft.com/office/drawing/2010/main">
-                  <a14:imgLayer r:embed="rId11">
+                  <a14:imgLayer r:embed="rId13">
                     <a14:imgEffect>
                       <a14:sharpenSoften amount="-50000"/>
                     </a14:imgEffect>
@@ -26339,7 +27152,7 @@
         </p:blipFill>
         <p:spPr bwMode="auto">
           <a:xfrm>
-            <a:off x="-127168" y="2247892"/>
+            <a:off x="35496" y="2247892"/>
             <a:ext cx="954752" cy="954752"/>
           </a:xfrm>
           <a:prstGeom prst="ellipse">
@@ -26370,7 +27183,7 @@
         </p:nvSpPr>
         <p:spPr>
           <a:xfrm>
-            <a:off x="5875631" y="6237312"/>
+            <a:off x="5875631" y="6257051"/>
             <a:ext cx="2045753" cy="307777"/>
           </a:xfrm>
           <a:prstGeom prst="rect">
@@ -26396,6 +27209,154 @@
           </a:p>
         </p:txBody>
       </p:sp>
+      <p:sp>
+        <p:nvSpPr>
+          <p:cNvPr id="17" name="CaixaDeTexto 16"/>
+          <p:cNvSpPr txBox="1"/>
+          <p:nvPr/>
+        </p:nvSpPr>
+        <p:spPr>
+          <a:xfrm>
+            <a:off x="23777" y="3760387"/>
+            <a:ext cx="1019831" cy="307777"/>
+          </a:xfrm>
+          <a:prstGeom prst="rect">
+            <a:avLst/>
+          </a:prstGeom>
+          <a:noFill/>
+        </p:spPr>
+        <p:txBody>
+          <a:bodyPr wrap="none" rtlCol="0">
+            <a:spAutoFit/>
+          </a:bodyPr>
+          <a:lstStyle/>
+          <a:p>
+            <a:r>
+              <a:rPr lang="pt-BR" sz="1400" dirty="0" smtClean="0">
+                <a:latin typeface="Palatino Linotype (Corpo)"/>
+              </a:rPr>
+              <a:t>Faculdade</a:t>
+            </a:r>
+            <a:endParaRPr lang="pt-BR" sz="1400" dirty="0">
+              <a:latin typeface="Palatino Linotype (Corpo)"/>
+            </a:endParaRPr>
+          </a:p>
+        </p:txBody>
+      </p:sp>
+      <p:pic>
+        <p:nvPicPr>
+          <p:cNvPr id="15" name="Picture 2" descr="Imagem relacionada"/>
+          <p:cNvPicPr>
+            <a:picLocks noChangeAspect="1" noChangeArrowheads="1"/>
+          </p:cNvPicPr>
+          <p:nvPr/>
+        </p:nvPicPr>
+        <p:blipFill rotWithShape="1">
+          <a:blip r:embed="rId14" cstate="print">
+            <a:extLst>
+              <a:ext uri="{28A0092B-C50C-407E-A947-70E740481C1C}">
+                <a14:useLocalDpi xmlns:a14="http://schemas.microsoft.com/office/drawing/2010/main" val="0"/>
+              </a:ext>
+            </a:extLst>
+          </a:blip>
+          <a:srcRect l="16970" t="16070" r="15625" b="14439"/>
+          <a:stretch/>
+        </p:blipFill>
+        <p:spPr bwMode="auto">
+          <a:xfrm>
+            <a:off x="251520" y="3202644"/>
+            <a:ext cx="504056" cy="519651"/>
+          </a:xfrm>
+          <a:prstGeom prst="rect">
+            <a:avLst/>
+          </a:prstGeom>
+          <a:noFill/>
+          <a:extLst>
+            <a:ext uri="{909E8E84-426E-40DD-AFC4-6F175D3DCCD1}">
+              <a14:hiddenFill xmlns:a14="http://schemas.microsoft.com/office/drawing/2010/main">
+                <a:solidFill>
+                  <a:srgbClr val="FFFFFF"/>
+                </a:solidFill>
+              </a14:hiddenFill>
+            </a:ext>
+          </a:extLst>
+        </p:spPr>
+      </p:pic>
+      <p:cxnSp>
+        <p:nvCxnSpPr>
+          <p:cNvPr id="18" name="Conector de seta reta 17"/>
+          <p:cNvCxnSpPr/>
+          <p:nvPr/>
+        </p:nvCxnSpPr>
+        <p:spPr>
+          <a:xfrm>
+            <a:off x="1115616" y="2996952"/>
+            <a:ext cx="5991428" cy="2520280"/>
+          </a:xfrm>
+          <a:prstGeom prst="straightConnector1">
+            <a:avLst/>
+          </a:prstGeom>
+          <a:ln>
+            <a:prstDash val="sysDash"/>
+            <a:headEnd type="arrow"/>
+            <a:tailEnd type="arrow"/>
+          </a:ln>
+        </p:spPr>
+        <p:style>
+          <a:lnRef idx="3">
+            <a:schemeClr val="accent5"/>
+          </a:lnRef>
+          <a:fillRef idx="0">
+            <a:schemeClr val="accent5"/>
+          </a:fillRef>
+          <a:effectRef idx="2">
+            <a:schemeClr val="accent5"/>
+          </a:effectRef>
+          <a:fontRef idx="minor">
+            <a:schemeClr val="tx1"/>
+          </a:fontRef>
+        </p:style>
+      </p:cxnSp>
+      <p:sp>
+        <p:nvSpPr>
+          <p:cNvPr id="51" name="CaixaDeTexto 50"/>
+          <p:cNvSpPr txBox="1"/>
+          <p:nvPr/>
+        </p:nvSpPr>
+        <p:spPr>
+          <a:xfrm>
+            <a:off x="6416500" y="1961545"/>
+            <a:ext cx="864096" cy="1323439"/>
+          </a:xfrm>
+          <a:prstGeom prst="rect">
+            <a:avLst/>
+          </a:prstGeom>
+          <a:noFill/>
+        </p:spPr>
+        <p:txBody>
+          <a:bodyPr wrap="square" rtlCol="0">
+            <a:spAutoFit/>
+          </a:bodyPr>
+          <a:lstStyle/>
+          <a:p>
+            <a:r>
+              <a:rPr lang="pt-BR" sz="8000" dirty="0" smtClean="0">
+                <a:solidFill>
+                  <a:srgbClr val="FF0000"/>
+                </a:solidFill>
+                <a:latin typeface="Segoe Print" pitchFamily="2" charset="0"/>
+              </a:rPr>
+              <a:t>X</a:t>
+            </a:r>
+            <a:endParaRPr lang="pt-BR" sz="8000" dirty="0">
+              <a:solidFill>
+                <a:srgbClr val="FF0000"/>
+              </a:solidFill>
+              <a:latin typeface="Segoe Print" pitchFamily="2" charset="0"/>
+            </a:endParaRPr>
+          </a:p>
+        </p:txBody>
+      </p:sp>
     </p:spTree>
     <p:extLst>
       <p:ext uri="{BB962C8B-B14F-4D97-AF65-F5344CB8AC3E}">
@@ -26409,9 +27370,217 @@
   <p:timing>
     <p:tnLst>
       <p:par>
-        <p:cTn id="1" dur="indefinite" restart="never" nodeType="tmRoot"/>
+        <p:cTn id="1" dur="indefinite" restart="never" nodeType="tmRoot">
+          <p:childTnLst>
+            <p:seq concurrent="1" nextAc="seek">
+              <p:cTn id="2" dur="indefinite" nodeType="mainSeq">
+                <p:childTnLst>
+                  <p:par>
+                    <p:cTn id="3" fill="hold">
+                      <p:stCondLst>
+                        <p:cond delay="indefinite"/>
+                      </p:stCondLst>
+                      <p:childTnLst>
+                        <p:par>
+                          <p:cTn id="4" fill="hold">
+                            <p:stCondLst>
+                              <p:cond delay="0"/>
+                            </p:stCondLst>
+                            <p:childTnLst>
+                              <p:par>
+                                <p:cTn id="5" presetID="1" presetClass="entr" presetSubtype="0" fill="hold" grpId="0" nodeType="clickEffect">
+                                  <p:stCondLst>
+                                    <p:cond delay="0"/>
+                                  </p:stCondLst>
+                                  <p:childTnLst>
+                                    <p:set>
+                                      <p:cBhvr>
+                                        <p:cTn id="6" dur="1" fill="hold">
+                                          <p:stCondLst>
+                                            <p:cond delay="0"/>
+                                          </p:stCondLst>
+                                        </p:cTn>
+                                        <p:tgtEl>
+                                          <p:spTgt spid="11"/>
+                                        </p:tgtEl>
+                                        <p:attrNameLst>
+                                          <p:attrName>style.visibility</p:attrName>
+                                        </p:attrNameLst>
+                                      </p:cBhvr>
+                                      <p:to>
+                                        <p:strVal val="visible"/>
+                                      </p:to>
+                                    </p:set>
+                                  </p:childTnLst>
+                                </p:cTn>
+                              </p:par>
+                            </p:childTnLst>
+                          </p:cTn>
+                        </p:par>
+                        <p:par>
+                          <p:cTn id="7" fill="hold">
+                            <p:stCondLst>
+                              <p:cond delay="0"/>
+                            </p:stCondLst>
+                            <p:childTnLst>
+                              <p:par>
+                                <p:cTn id="8" presetID="10" presetClass="exit" presetSubtype="0" fill="hold" nodeType="afterEffect">
+                                  <p:stCondLst>
+                                    <p:cond delay="0"/>
+                                  </p:stCondLst>
+                                  <p:childTnLst>
+                                    <p:animEffect transition="out" filter="fade">
+                                      <p:cBhvr>
+                                        <p:cTn id="9" dur="500"/>
+                                        <p:tgtEl>
+                                          <p:spTgt spid="18"/>
+                                        </p:tgtEl>
+                                      </p:cBhvr>
+                                    </p:animEffect>
+                                    <p:set>
+                                      <p:cBhvr>
+                                        <p:cTn id="10" dur="1" fill="hold">
+                                          <p:stCondLst>
+                                            <p:cond delay="499"/>
+                                          </p:stCondLst>
+                                        </p:cTn>
+                                        <p:tgtEl>
+                                          <p:spTgt spid="18"/>
+                                        </p:tgtEl>
+                                        <p:attrNameLst>
+                                          <p:attrName>style.visibility</p:attrName>
+                                        </p:attrNameLst>
+                                      </p:cBhvr>
+                                      <p:to>
+                                        <p:strVal val="hidden"/>
+                                      </p:to>
+                                    </p:set>
+                                  </p:childTnLst>
+                                </p:cTn>
+                              </p:par>
+                            </p:childTnLst>
+                          </p:cTn>
+                        </p:par>
+                      </p:childTnLst>
+                    </p:cTn>
+                  </p:par>
+                  <p:par>
+                    <p:cTn id="11" fill="hold">
+                      <p:stCondLst>
+                        <p:cond delay="indefinite"/>
+                      </p:stCondLst>
+                      <p:childTnLst>
+                        <p:par>
+                          <p:cTn id="12" fill="hold">
+                            <p:stCondLst>
+                              <p:cond delay="0"/>
+                            </p:stCondLst>
+                            <p:childTnLst>
+                              <p:par>
+                                <p:cTn id="13" presetID="1" presetClass="entr" presetSubtype="0" fill="hold" nodeType="clickEffect">
+                                  <p:stCondLst>
+                                    <p:cond delay="0"/>
+                                  </p:stCondLst>
+                                  <p:childTnLst>
+                                    <p:set>
+                                      <p:cBhvr>
+                                        <p:cTn id="14" dur="1" fill="hold">
+                                          <p:stCondLst>
+                                            <p:cond delay="0"/>
+                                          </p:stCondLst>
+                                        </p:cTn>
+                                        <p:tgtEl>
+                                          <p:spTgt spid="1034"/>
+                                        </p:tgtEl>
+                                        <p:attrNameLst>
+                                          <p:attrName>style.visibility</p:attrName>
+                                        </p:attrNameLst>
+                                      </p:cBhvr>
+                                      <p:to>
+                                        <p:strVal val="visible"/>
+                                      </p:to>
+                                    </p:set>
+                                  </p:childTnLst>
+                                </p:cTn>
+                              </p:par>
+                            </p:childTnLst>
+                          </p:cTn>
+                        </p:par>
+                      </p:childTnLst>
+                    </p:cTn>
+                  </p:par>
+                  <p:par>
+                    <p:cTn id="15" fill="hold">
+                      <p:stCondLst>
+                        <p:cond delay="indefinite"/>
+                      </p:stCondLst>
+                      <p:childTnLst>
+                        <p:par>
+                          <p:cTn id="16" fill="hold">
+                            <p:stCondLst>
+                              <p:cond delay="0"/>
+                            </p:stCondLst>
+                            <p:childTnLst>
+                              <p:par>
+                                <p:cTn id="17" presetID="1" presetClass="entr" presetSubtype="0" fill="hold" grpId="0" nodeType="clickEffect">
+                                  <p:stCondLst>
+                                    <p:cond delay="0"/>
+                                  </p:stCondLst>
+                                  <p:childTnLst>
+                                    <p:set>
+                                      <p:cBhvr>
+                                        <p:cTn id="18" dur="1" fill="hold">
+                                          <p:stCondLst>
+                                            <p:cond delay="0"/>
+                                          </p:stCondLst>
+                                        </p:cTn>
+                                        <p:tgtEl>
+                                          <p:spTgt spid="51"/>
+                                        </p:tgtEl>
+                                        <p:attrNameLst>
+                                          <p:attrName>style.visibility</p:attrName>
+                                        </p:attrNameLst>
+                                      </p:cBhvr>
+                                      <p:to>
+                                        <p:strVal val="visible"/>
+                                      </p:to>
+                                    </p:set>
+                                  </p:childTnLst>
+                                </p:cTn>
+                              </p:par>
+                            </p:childTnLst>
+                          </p:cTn>
+                        </p:par>
+                      </p:childTnLst>
+                    </p:cTn>
+                  </p:par>
+                </p:childTnLst>
+              </p:cTn>
+              <p:prevCondLst>
+                <p:cond evt="onPrev" delay="0">
+                  <p:tgtEl>
+                    <p:sldTgt/>
+                  </p:tgtEl>
+                </p:cond>
+              </p:prevCondLst>
+              <p:nextCondLst>
+                <p:cond evt="onNext" delay="0">
+                  <p:tgtEl>
+                    <p:sldTgt/>
+                  </p:tgtEl>
+                </p:cond>
+              </p:nextCondLst>
+            </p:seq>
+          </p:childTnLst>
+        </p:cTn>
       </p:par>
     </p:tnLst>
+    <p:bldLst>
+      <p:bldGraphic spid="11" grpId="0">
+        <p:bldAsOne/>
+      </p:bldGraphic>
+      <p:bldP spid="51" grpId="0"/>
+    </p:bldLst>
   </p:timing>
 </p:sld>
 </file>
@@ -26513,7 +27682,7 @@
           <p:nvPr>
             <p:extLst>
               <p:ext uri="{D42A27DB-BD31-4B8C-83A1-F6EECF244321}">
-                <p14:modId xmlns:p14="http://schemas.microsoft.com/office/powerpoint/2010/main" val="643096917"/>
+                <p14:modId xmlns:p14="http://schemas.microsoft.com/office/powerpoint/2010/main" val="2980659280"/>
               </p:ext>
             </p:extLst>
           </p:nvPr>
@@ -26740,9 +27909,12 @@
             <a:pPr algn="l"/>
             <a:r>
               <a:rPr lang="pt-BR" sz="3200" dirty="0" smtClean="0"/>
-              <a:t>Arquitetura da aplicação</a:t>
+              <a:t>Arquitetura -</a:t>
             </a:r>
-            <a:endParaRPr lang="pt-BR" sz="3200" dirty="0"/>
+            <a:r>
+              <a:rPr lang="pt-BR" sz="3200" dirty="0"/>
+              <a:t> Visão geral </a:t>
+            </a:r>
           </a:p>
         </p:txBody>
       </p:sp>
@@ -27074,9 +28246,80 @@
   <p:timing>
     <p:tnLst>
       <p:par>
-        <p:cTn id="1" dur="indefinite" restart="never" nodeType="tmRoot"/>
+        <p:cTn id="1" dur="indefinite" restart="never" nodeType="tmRoot">
+          <p:childTnLst>
+            <p:seq concurrent="1" nextAc="seek">
+              <p:cTn id="2" dur="indefinite" nodeType="mainSeq">
+                <p:childTnLst>
+                  <p:par>
+                    <p:cTn id="3" fill="hold">
+                      <p:stCondLst>
+                        <p:cond delay="indefinite"/>
+                      </p:stCondLst>
+                      <p:childTnLst>
+                        <p:par>
+                          <p:cTn id="4" fill="hold">
+                            <p:stCondLst>
+                              <p:cond delay="0"/>
+                            </p:stCondLst>
+                            <p:childTnLst>
+                              <p:par>
+                                <p:cTn id="5" presetID="1" presetClass="entr" presetSubtype="0" fill="hold" grpId="0" nodeType="clickEffect">
+                                  <p:stCondLst>
+                                    <p:cond delay="0"/>
+                                  </p:stCondLst>
+                                  <p:childTnLst>
+                                    <p:set>
+                                      <p:cBhvr>
+                                        <p:cTn id="6" dur="1" fill="hold">
+                                          <p:stCondLst>
+                                            <p:cond delay="0"/>
+                                          </p:stCondLst>
+                                        </p:cTn>
+                                        <p:tgtEl>
+                                          <p:spTgt spid="12"/>
+                                        </p:tgtEl>
+                                        <p:attrNameLst>
+                                          <p:attrName>style.visibility</p:attrName>
+                                        </p:attrNameLst>
+                                      </p:cBhvr>
+                                      <p:to>
+                                        <p:strVal val="visible"/>
+                                      </p:to>
+                                    </p:set>
+                                  </p:childTnLst>
+                                </p:cTn>
+                              </p:par>
+                            </p:childTnLst>
+                          </p:cTn>
+                        </p:par>
+                      </p:childTnLst>
+                    </p:cTn>
+                  </p:par>
+                </p:childTnLst>
+              </p:cTn>
+              <p:prevCondLst>
+                <p:cond evt="onPrev" delay="0">
+                  <p:tgtEl>
+                    <p:sldTgt/>
+                  </p:tgtEl>
+                </p:cond>
+              </p:prevCondLst>
+              <p:nextCondLst>
+                <p:cond evt="onNext" delay="0">
+                  <p:tgtEl>
+                    <p:sldTgt/>
+                  </p:tgtEl>
+                </p:cond>
+              </p:nextCondLst>
+            </p:seq>
+          </p:childTnLst>
+        </p:cTn>
       </p:par>
     </p:tnLst>
+    <p:bldLst>
+      <p:bldP spid="12" grpId="0" animBg="1"/>
+    </p:bldLst>
   </p:timing>
 </p:sld>
 </file>
@@ -27231,7 +28474,7 @@
               <a:off x="2" y="1152128"/>
               <a:ext cx="1386662" cy="1000826"/>
             </a:xfrm>
-            <a:prstGeom prst="rect">
+            <a:prstGeom prst="ellipse">
               <a:avLst/>
             </a:prstGeom>
             <a:blipFill rotWithShape="0">
@@ -27277,7 +28520,7 @@
               <a:off x="2" y="1152128"/>
               <a:ext cx="1386662" cy="1000826"/>
             </a:xfrm>
-            <a:prstGeom prst="rect">
+            <a:prstGeom prst="ellipse">
               <a:avLst/>
             </a:prstGeom>
           </p:spPr>
@@ -27634,8 +28877,8 @@
         </p:nvSpPr>
         <p:spPr>
           <a:xfrm>
-            <a:off x="3419872" y="3173289"/>
-            <a:ext cx="2019779" cy="338554"/>
+            <a:off x="3567442" y="3173289"/>
+            <a:ext cx="1872209" cy="338554"/>
           </a:xfrm>
           <a:prstGeom prst="rect">
             <a:avLst/>
@@ -27650,8 +28893,12 @@
           <a:p>
             <a:pPr algn="r"/>
             <a:r>
+              <a:rPr lang="pt-BR" sz="1600" dirty="0"/>
+              <a:t>Web </a:t>
+            </a:r>
+            <a:r>
               <a:rPr lang="pt-BR" sz="1600" dirty="0" smtClean="0"/>
-              <a:t>Web Servisses Java</a:t>
+              <a:t>Servisse Java</a:t>
             </a:r>
             <a:endParaRPr lang="pt-BR" sz="1600" dirty="0"/>
           </a:p>
@@ -27709,14 +28956,10 @@
           <a:p>
             <a:pPr algn="l"/>
             <a:r>
-              <a:rPr lang="pt-BR" sz="2800" dirty="0" smtClean="0"/>
-              <a:t>Ambiente de </a:t>
+              <a:rPr lang="pt-BR" sz="3200" dirty="0" smtClean="0"/>
+              <a:t>Arquitetura – integração de serviços</a:t>
             </a:r>
-            <a:r>
-              <a:rPr lang="pt-BR" sz="2800" dirty="0" smtClean="0"/>
-              <a:t>integração com servidor</a:t>
-            </a:r>
-            <a:endParaRPr lang="pt-BR" sz="2800" dirty="0"/>
+            <a:endParaRPr lang="pt-BR" sz="3200" dirty="0"/>
           </a:p>
         </p:txBody>
       </p:sp>
@@ -27796,7 +29039,7 @@
             </a:r>
             <a:r>
               <a:rPr lang="pt-BR" sz="1600" dirty="0" smtClean="0"/>
-              <a:t>o sistema</a:t>
+              <a:t>o sistema AC</a:t>
             </a:r>
             <a:endParaRPr lang="pt-BR" sz="1600" dirty="0"/>
           </a:p>
@@ -27817,11 +29060,9 @@
             <a:avLst/>
           </a:prstGeom>
           <a:noFill/>
-          <a:ln>
+          <a:ln w="76200">
             <a:solidFill>
-              <a:schemeClr val="accent6">
-                <a:lumMod val="50000"/>
-              </a:schemeClr>
+              <a:srgbClr val="00B050"/>
             </a:solidFill>
             <a:prstDash val="sysDot"/>
           </a:ln>
@@ -27930,6 +29171,104 @@
           </a:p>
         </p:txBody>
       </p:sp>
+      <p:pic>
+        <p:nvPicPr>
+          <p:cNvPr id="2050" name="Picture 2" descr="D:\Neimar\Dropbox\Projetos\Corpore\corpore\web\images\Pessoas.png"/>
+          <p:cNvPicPr>
+            <a:picLocks noChangeAspect="1" noChangeArrowheads="1"/>
+          </p:cNvPicPr>
+          <p:nvPr/>
+        </p:nvPicPr>
+        <p:blipFill rotWithShape="1">
+          <a:blip r:embed="rId12">
+            <a:extLst>
+              <a:ext uri="{28A0092B-C50C-407E-A947-70E740481C1C}">
+                <a14:useLocalDpi xmlns:a14="http://schemas.microsoft.com/office/drawing/2010/main" val="0"/>
+              </a:ext>
+            </a:extLst>
+          </a:blip>
+          <a:srcRect l="3505" t="-12875" r="-3505" b="12875"/>
+          <a:stretch/>
+        </p:blipFill>
+        <p:spPr bwMode="auto">
+          <a:xfrm>
+            <a:off x="3081668" y="4191744"/>
+            <a:ext cx="485775" cy="533400"/>
+          </a:xfrm>
+          <a:prstGeom prst="ellipse">
+            <a:avLst/>
+          </a:prstGeom>
+          <a:ln>
+            <a:noFill/>
+          </a:ln>
+          <a:effectLst>
+            <a:softEdge rad="112500"/>
+          </a:effectLst>
+          <a:extLst>
+            <a:ext uri="{909E8E84-426E-40DD-AFC4-6F175D3DCCD1}">
+              <a14:hiddenFill xmlns:a14="http://schemas.microsoft.com/office/drawing/2010/main">
+                <a:solidFill>
+                  <a:srgbClr val="FFFFFF"/>
+                </a:solidFill>
+              </a14:hiddenFill>
+            </a:ext>
+          </a:extLst>
+        </p:spPr>
+      </p:pic>
+      <p:sp>
+        <p:nvSpPr>
+          <p:cNvPr id="26" name="CaixaDeTexto 25"/>
+          <p:cNvSpPr txBox="1"/>
+          <p:nvPr/>
+        </p:nvSpPr>
+        <p:spPr>
+          <a:xfrm>
+            <a:off x="251520" y="1220245"/>
+            <a:ext cx="1386662" cy="1256498"/>
+          </a:xfrm>
+          <a:prstGeom prst="rect">
+            <a:avLst/>
+          </a:prstGeom>
+        </p:spPr>
+        <p:style>
+          <a:lnRef idx="0">
+            <a:scrgbClr r="0" g="0" b="0"/>
+          </a:lnRef>
+          <a:fillRef idx="0">
+            <a:scrgbClr r="0" g="0" b="0"/>
+          </a:fillRef>
+          <a:effectRef idx="0">
+            <a:scrgbClr r="0" g="0" b="0"/>
+          </a:effectRef>
+          <a:fontRef idx="minor">
+            <a:schemeClr val="lt1"/>
+          </a:fontRef>
+        </p:style>
+        <p:txBody>
+          <a:bodyPr spcFirstLastPara="0" vert="horz" wrap="square" lIns="37465" tIns="37465" rIns="37465" bIns="37465" numCol="1" spcCol="1270" anchor="ctr" anchorCtr="0">
+            <a:noAutofit/>
+          </a:bodyPr>
+          <a:lstStyle/>
+          <a:p>
+            <a:pPr lvl="0" algn="ctr" defTabSz="2622550">
+              <a:lnSpc>
+                <a:spcPct val="90000"/>
+              </a:lnSpc>
+              <a:spcBef>
+                <a:spcPct val="0"/>
+              </a:spcBef>
+              <a:spcAft>
+                <a:spcPct val="35000"/>
+              </a:spcAft>
+            </a:pPr>
+            <a:r>
+              <a:rPr lang="pt-BR" sz="5900" kern="1200" dirty="0" smtClean="0"/>
+              <a:t> </a:t>
+            </a:r>
+            <a:endParaRPr lang="pt-BR" sz="5900" kern="1200" dirty="0"/>
+          </a:p>
+        </p:txBody>
+      </p:sp>
     </p:spTree>
     <p:extLst>
       <p:ext uri="{BB962C8B-B14F-4D97-AF65-F5344CB8AC3E}">
@@ -27969,7 +29308,7 @@
                             </p:stCondLst>
                             <p:childTnLst>
                               <p:par>
-                                <p:cTn id="5" presetID="1" presetClass="entr" presetSubtype="0" fill="hold" grpId="0" nodeType="clickEffect">
+                                <p:cTn id="5" presetID="1" presetClass="entr" presetSubtype="0" fill="hold" nodeType="clickEffect">
                                   <p:stCondLst>
                                     <p:cond delay="0"/>
                                   </p:stCondLst>
@@ -27982,7 +29321,7 @@
                                           </p:stCondLst>
                                         </p:cTn>
                                         <p:tgtEl>
-                                          <p:spTgt spid="21"/>
+                                          <p:spTgt spid="13"/>
                                         </p:tgtEl>
                                         <p:attrNameLst>
                                           <p:attrName>style.visibility</p:attrName>
@@ -28004,6 +29343,357 @@
                                     <p:set>
                                       <p:cBhvr>
                                         <p:cTn id="8" dur="1" fill="hold">
+                                          <p:stCondLst>
+                                            <p:cond delay="0"/>
+                                          </p:stCondLst>
+                                        </p:cTn>
+                                        <p:tgtEl>
+                                          <p:spTgt spid="12"/>
+                                        </p:tgtEl>
+                                        <p:attrNameLst>
+                                          <p:attrName>style.visibility</p:attrName>
+                                        </p:attrNameLst>
+                                      </p:cBhvr>
+                                      <p:to>
+                                        <p:strVal val="visible"/>
+                                      </p:to>
+                                    </p:set>
+                                  </p:childTnLst>
+                                </p:cTn>
+                              </p:par>
+                              <p:par>
+                                <p:cTn id="9" presetID="1" presetClass="entr" presetSubtype="0" fill="hold" nodeType="withEffect">
+                                  <p:stCondLst>
+                                    <p:cond delay="0"/>
+                                  </p:stCondLst>
+                                  <p:childTnLst>
+                                    <p:set>
+                                      <p:cBhvr>
+                                        <p:cTn id="10" dur="1" fill="hold">
+                                          <p:stCondLst>
+                                            <p:cond delay="0"/>
+                                          </p:stCondLst>
+                                        </p:cTn>
+                                        <p:tgtEl>
+                                          <p:spTgt spid="4"/>
+                                        </p:tgtEl>
+                                        <p:attrNameLst>
+                                          <p:attrName>style.visibility</p:attrName>
+                                        </p:attrNameLst>
+                                      </p:cBhvr>
+                                      <p:to>
+                                        <p:strVal val="visible"/>
+                                      </p:to>
+                                    </p:set>
+                                  </p:childTnLst>
+                                </p:cTn>
+                              </p:par>
+                              <p:par>
+                                <p:cTn id="11" presetID="1" presetClass="entr" presetSubtype="0" fill="hold" grpId="0" nodeType="withEffect">
+                                  <p:stCondLst>
+                                    <p:cond delay="0"/>
+                                  </p:stCondLst>
+                                  <p:childTnLst>
+                                    <p:set>
+                                      <p:cBhvr>
+                                        <p:cTn id="12" dur="1" fill="hold">
+                                          <p:stCondLst>
+                                            <p:cond delay="0"/>
+                                          </p:stCondLst>
+                                        </p:cTn>
+                                        <p:tgtEl>
+                                          <p:spTgt spid="16"/>
+                                        </p:tgtEl>
+                                        <p:attrNameLst>
+                                          <p:attrName>style.visibility</p:attrName>
+                                        </p:attrNameLst>
+                                      </p:cBhvr>
+                                      <p:to>
+                                        <p:strVal val="visible"/>
+                                      </p:to>
+                                    </p:set>
+                                  </p:childTnLst>
+                                </p:cTn>
+                              </p:par>
+                              <p:par>
+                                <p:cTn id="13" presetID="1" presetClass="entr" presetSubtype="0" fill="hold" grpId="0" nodeType="withEffect">
+                                  <p:stCondLst>
+                                    <p:cond delay="0"/>
+                                  </p:stCondLst>
+                                  <p:childTnLst>
+                                    <p:set>
+                                      <p:cBhvr>
+                                        <p:cTn id="14" dur="1" fill="hold">
+                                          <p:stCondLst>
+                                            <p:cond delay="0"/>
+                                          </p:stCondLst>
+                                        </p:cTn>
+                                        <p:tgtEl>
+                                          <p:spTgt spid="17"/>
+                                        </p:tgtEl>
+                                        <p:attrNameLst>
+                                          <p:attrName>style.visibility</p:attrName>
+                                        </p:attrNameLst>
+                                      </p:cBhvr>
+                                      <p:to>
+                                        <p:strVal val="visible"/>
+                                      </p:to>
+                                    </p:set>
+                                  </p:childTnLst>
+                                </p:cTn>
+                              </p:par>
+                            </p:childTnLst>
+                          </p:cTn>
+                        </p:par>
+                      </p:childTnLst>
+                    </p:cTn>
+                  </p:par>
+                  <p:par>
+                    <p:cTn id="15" fill="hold">
+                      <p:stCondLst>
+                        <p:cond delay="indefinite"/>
+                      </p:stCondLst>
+                      <p:childTnLst>
+                        <p:par>
+                          <p:cTn id="16" fill="hold">
+                            <p:stCondLst>
+                              <p:cond delay="0"/>
+                            </p:stCondLst>
+                            <p:childTnLst>
+                              <p:par>
+                                <p:cTn id="17" presetID="1" presetClass="entr" presetSubtype="0" fill="hold" nodeType="clickEffect">
+                                  <p:stCondLst>
+                                    <p:cond delay="0"/>
+                                  </p:stCondLst>
+                                  <p:childTnLst>
+                                    <p:set>
+                                      <p:cBhvr>
+                                        <p:cTn id="18" dur="1" fill="hold">
+                                          <p:stCondLst>
+                                            <p:cond delay="0"/>
+                                          </p:stCondLst>
+                                        </p:cTn>
+                                        <p:tgtEl>
+                                          <p:spTgt spid="9"/>
+                                        </p:tgtEl>
+                                        <p:attrNameLst>
+                                          <p:attrName>style.visibility</p:attrName>
+                                        </p:attrNameLst>
+                                      </p:cBhvr>
+                                      <p:to>
+                                        <p:strVal val="visible"/>
+                                      </p:to>
+                                    </p:set>
+                                  </p:childTnLst>
+                                </p:cTn>
+                              </p:par>
+                              <p:par>
+                                <p:cTn id="19" presetID="1" presetClass="entr" presetSubtype="0" fill="hold" grpId="0" nodeType="withEffect">
+                                  <p:stCondLst>
+                                    <p:cond delay="0"/>
+                                  </p:stCondLst>
+                                  <p:childTnLst>
+                                    <p:set>
+                                      <p:cBhvr>
+                                        <p:cTn id="20" dur="1" fill="hold">
+                                          <p:stCondLst>
+                                            <p:cond delay="0"/>
+                                          </p:stCondLst>
+                                        </p:cTn>
+                                        <p:tgtEl>
+                                          <p:spTgt spid="14"/>
+                                        </p:tgtEl>
+                                        <p:attrNameLst>
+                                          <p:attrName>style.visibility</p:attrName>
+                                        </p:attrNameLst>
+                                      </p:cBhvr>
+                                      <p:to>
+                                        <p:strVal val="visible"/>
+                                      </p:to>
+                                    </p:set>
+                                  </p:childTnLst>
+                                </p:cTn>
+                              </p:par>
+                              <p:par>
+                                <p:cTn id="21" presetID="1" presetClass="entr" presetSubtype="0" fill="hold" grpId="0" nodeType="withEffect">
+                                  <p:stCondLst>
+                                    <p:cond delay="0"/>
+                                  </p:stCondLst>
+                                  <p:childTnLst>
+                                    <p:set>
+                                      <p:cBhvr>
+                                        <p:cTn id="22" dur="1" fill="hold">
+                                          <p:stCondLst>
+                                            <p:cond delay="0"/>
+                                          </p:stCondLst>
+                                        </p:cTn>
+                                        <p:tgtEl>
+                                          <p:spTgt spid="11"/>
+                                        </p:tgtEl>
+                                        <p:attrNameLst>
+                                          <p:attrName>style.visibility</p:attrName>
+                                        </p:attrNameLst>
+                                      </p:cBhvr>
+                                      <p:to>
+                                        <p:strVal val="visible"/>
+                                      </p:to>
+                                    </p:set>
+                                  </p:childTnLst>
+                                </p:cTn>
+                              </p:par>
+                            </p:childTnLst>
+                          </p:cTn>
+                        </p:par>
+                      </p:childTnLst>
+                    </p:cTn>
+                  </p:par>
+                  <p:par>
+                    <p:cTn id="23" fill="hold">
+                      <p:stCondLst>
+                        <p:cond delay="indefinite"/>
+                      </p:stCondLst>
+                      <p:childTnLst>
+                        <p:par>
+                          <p:cTn id="24" fill="hold">
+                            <p:stCondLst>
+                              <p:cond delay="0"/>
+                            </p:stCondLst>
+                            <p:childTnLst>
+                              <p:par>
+                                <p:cTn id="25" presetID="1" presetClass="entr" presetSubtype="0" fill="hold" nodeType="clickEffect">
+                                  <p:stCondLst>
+                                    <p:cond delay="0"/>
+                                  </p:stCondLst>
+                                  <p:childTnLst>
+                                    <p:set>
+                                      <p:cBhvr>
+                                        <p:cTn id="26" dur="1" fill="hold">
+                                          <p:stCondLst>
+                                            <p:cond delay="0"/>
+                                          </p:stCondLst>
+                                        </p:cTn>
+                                        <p:tgtEl>
+                                          <p:spTgt spid="2050"/>
+                                        </p:tgtEl>
+                                        <p:attrNameLst>
+                                          <p:attrName>style.visibility</p:attrName>
+                                        </p:attrNameLst>
+                                      </p:cBhvr>
+                                      <p:to>
+                                        <p:strVal val="visible"/>
+                                      </p:to>
+                                    </p:set>
+                                  </p:childTnLst>
+                                </p:cTn>
+                              </p:par>
+                              <p:par>
+                                <p:cTn id="27" presetID="1" presetClass="entr" presetSubtype="0" fill="hold" grpId="0" nodeType="withEffect">
+                                  <p:stCondLst>
+                                    <p:cond delay="0"/>
+                                  </p:stCondLst>
+                                  <p:childTnLst>
+                                    <p:set>
+                                      <p:cBhvr>
+                                        <p:cTn id="28" dur="1" fill="hold">
+                                          <p:stCondLst>
+                                            <p:cond delay="0"/>
+                                          </p:stCondLst>
+                                        </p:cTn>
+                                        <p:tgtEl>
+                                          <p:spTgt spid="10"/>
+                                        </p:tgtEl>
+                                        <p:attrNameLst>
+                                          <p:attrName>style.visibility</p:attrName>
+                                        </p:attrNameLst>
+                                      </p:cBhvr>
+                                      <p:to>
+                                        <p:strVal val="visible"/>
+                                      </p:to>
+                                    </p:set>
+                                  </p:childTnLst>
+                                </p:cTn>
+                              </p:par>
+                              <p:par>
+                                <p:cTn id="29" presetID="1" presetClass="entr" presetSubtype="0" fill="hold" grpId="0" nodeType="withEffect">
+                                  <p:stCondLst>
+                                    <p:cond delay="0"/>
+                                  </p:stCondLst>
+                                  <p:childTnLst>
+                                    <p:set>
+                                      <p:cBhvr>
+                                        <p:cTn id="30" dur="1" fill="hold">
+                                          <p:stCondLst>
+                                            <p:cond delay="0"/>
+                                          </p:stCondLst>
+                                        </p:cTn>
+                                        <p:tgtEl>
+                                          <p:spTgt spid="15"/>
+                                        </p:tgtEl>
+                                        <p:attrNameLst>
+                                          <p:attrName>style.visibility</p:attrName>
+                                        </p:attrNameLst>
+                                      </p:cBhvr>
+                                      <p:to>
+                                        <p:strVal val="visible"/>
+                                      </p:to>
+                                    </p:set>
+                                  </p:childTnLst>
+                                </p:cTn>
+                              </p:par>
+                            </p:childTnLst>
+                          </p:cTn>
+                        </p:par>
+                      </p:childTnLst>
+                    </p:cTn>
+                  </p:par>
+                  <p:par>
+                    <p:cTn id="31" fill="hold">
+                      <p:stCondLst>
+                        <p:cond delay="indefinite"/>
+                      </p:stCondLst>
+                      <p:childTnLst>
+                        <p:par>
+                          <p:cTn id="32" fill="hold">
+                            <p:stCondLst>
+                              <p:cond delay="0"/>
+                            </p:stCondLst>
+                            <p:childTnLst>
+                              <p:par>
+                                <p:cTn id="33" presetID="1" presetClass="entr" presetSubtype="0" fill="hold" grpId="0" nodeType="clickEffect">
+                                  <p:stCondLst>
+                                    <p:cond delay="0"/>
+                                  </p:stCondLst>
+                                  <p:childTnLst>
+                                    <p:set>
+                                      <p:cBhvr>
+                                        <p:cTn id="34" dur="1" fill="hold">
+                                          <p:stCondLst>
+                                            <p:cond delay="0"/>
+                                          </p:stCondLst>
+                                        </p:cTn>
+                                        <p:tgtEl>
+                                          <p:spTgt spid="21"/>
+                                        </p:tgtEl>
+                                        <p:attrNameLst>
+                                          <p:attrName>style.visibility</p:attrName>
+                                        </p:attrNameLst>
+                                      </p:cBhvr>
+                                      <p:to>
+                                        <p:strVal val="visible"/>
+                                      </p:to>
+                                    </p:set>
+                                  </p:childTnLst>
+                                </p:cTn>
+                              </p:par>
+                              <p:par>
+                                <p:cTn id="35" presetID="1" presetClass="entr" presetSubtype="0" fill="hold" grpId="0" nodeType="withEffect">
+                                  <p:stCondLst>
+                                    <p:cond delay="0"/>
+                                  </p:stCondLst>
+                                  <p:childTnLst>
+                                    <p:set>
+                                      <p:cBhvr>
+                                        <p:cTn id="36" dur="1" fill="hold">
                                           <p:stCondLst>
                                             <p:cond delay="0"/>
                                           </p:stCondLst>
@@ -28050,6 +29740,13 @@
       </p:par>
     </p:tnLst>
     <p:bldLst>
+      <p:bldP spid="10" grpId="0" animBg="1"/>
+      <p:bldP spid="11" grpId="0" animBg="1"/>
+      <p:bldP spid="12" grpId="0" animBg="1"/>
+      <p:bldP spid="14" grpId="0"/>
+      <p:bldP spid="15" grpId="0"/>
+      <p:bldP spid="16" grpId="0"/>
+      <p:bldP spid="17" grpId="0"/>
       <p:bldP spid="21" grpId="0" animBg="1"/>
       <p:bldP spid="22" grpId="0"/>
     </p:bldLst>

--- a/Ppt-Final.pptx
+++ b/Ppt-Final.pptx
@@ -127,7 +127,7 @@
   </p:defaultTextStyle>
   <p:extLst>
     <p:ext uri="{EFAFB233-063F-42B5-8137-9DF3F51BA10A}">
-      <p15:sldGuideLst xmlns="" xmlns:p15="http://schemas.microsoft.com/office/powerpoint/2012/main">
+      <p15:sldGuideLst xmlns:p15="http://schemas.microsoft.com/office/powerpoint/2012/main">
         <p15:guide id="1" orient="horz" pos="2160">
           <p15:clr>
             <a:srgbClr val="A4A3A4"/>
@@ -18204,6 +18204,90 @@
 </p:notes>
 </file>
 
+<file path=ppt/notesSlides/notesSlide5.xml><?xml version="1.0" encoding="utf-8"?>
+<p:notes xmlns:a="http://schemas.openxmlformats.org/drawingml/2006/main" xmlns:r="http://schemas.openxmlformats.org/officeDocument/2006/relationships" xmlns:p="http://schemas.openxmlformats.org/presentationml/2006/main">
+  <p:cSld>
+    <p:spTree>
+      <p:nvGrpSpPr>
+        <p:cNvPr id="1" name=""/>
+        <p:cNvGrpSpPr/>
+        <p:nvPr/>
+      </p:nvGrpSpPr>
+      <p:grpSpPr>
+        <a:xfrm>
+          <a:off x="0" y="0"/>
+          <a:ext cx="0" cy="0"/>
+          <a:chOff x="0" y="0"/>
+          <a:chExt cx="0" cy="0"/>
+        </a:xfrm>
+      </p:grpSpPr>
+      <p:sp>
+        <p:nvSpPr>
+          <p:cNvPr id="2" name="Espaço Reservado para Imagem de Slide 1"/>
+          <p:cNvSpPr>
+            <a:spLocks noGrp="1" noRot="1" noChangeAspect="1"/>
+          </p:cNvSpPr>
+          <p:nvPr>
+            <p:ph type="sldImg"/>
+          </p:nvPr>
+        </p:nvSpPr>
+        <p:spPr/>
+      </p:sp>
+      <p:sp>
+        <p:nvSpPr>
+          <p:cNvPr id="3" name="Espaço Reservado para Anotações 2"/>
+          <p:cNvSpPr>
+            <a:spLocks noGrp="1"/>
+          </p:cNvSpPr>
+          <p:nvPr>
+            <p:ph type="body" idx="1"/>
+          </p:nvPr>
+        </p:nvSpPr>
+        <p:spPr/>
+        <p:txBody>
+          <a:bodyPr/>
+          <a:lstStyle/>
+          <a:p>
+            <a:endParaRPr lang="pt-BR" dirty="0"/>
+          </a:p>
+        </p:txBody>
+      </p:sp>
+      <p:sp>
+        <p:nvSpPr>
+          <p:cNvPr id="4" name="Espaço Reservado para Número de Slide 3"/>
+          <p:cNvSpPr>
+            <a:spLocks noGrp="1"/>
+          </p:cNvSpPr>
+          <p:nvPr>
+            <p:ph type="sldNum" sz="quarter" idx="10"/>
+          </p:nvPr>
+        </p:nvSpPr>
+        <p:spPr/>
+        <p:txBody>
+          <a:bodyPr/>
+          <a:lstStyle/>
+          <a:p>
+            <a:fld id="{712E17E6-F46B-44DA-99F1-1EB897427454}" type="slidenum">
+              <a:rPr lang="pt-BR" smtClean="0"/>
+              <a:t>16</a:t>
+            </a:fld>
+            <a:endParaRPr lang="pt-BR"/>
+          </a:p>
+        </p:txBody>
+      </p:sp>
+    </p:spTree>
+    <p:extLst>
+      <p:ext uri="{BB962C8B-B14F-4D97-AF65-F5344CB8AC3E}">
+        <p14:creationId xmlns:p14="http://schemas.microsoft.com/office/powerpoint/2010/main" val="3432456408"/>
+      </p:ext>
+    </p:extLst>
+  </p:cSld>
+  <p:clrMapOvr>
+    <a:masterClrMapping/>
+  </p:clrMapOvr>
+</p:notes>
+</file>
+
 <file path=ppt/slideLayouts/slideLayout1.xml><?xml version="1.0" encoding="utf-8"?>
 <p:sldLayout xmlns:a="http://schemas.openxmlformats.org/drawingml/2006/main" xmlns:r="http://schemas.openxmlformats.org/officeDocument/2006/relationships" xmlns:p="http://schemas.openxmlformats.org/presentationml/2006/main" type="title" preserve="1">
   <p:cSld name="Slide de título">
@@ -22542,17 +22626,17 @@
       </p:pic>
       <p:pic>
         <p:nvPicPr>
-          <p:cNvPr id="7" name="Picture 2"/>
+          <p:cNvPr id="3" name="Picture 2" descr="https://cdn-images-1.medium.com/max/800/1*YCjV7aYY8cJyq2u1yzoNlA.png"/>
           <p:cNvPicPr>
             <a:picLocks noChangeAspect="1" noChangeArrowheads="1"/>
           </p:cNvPicPr>
           <p:nvPr/>
         </p:nvPicPr>
-        <p:blipFill rotWithShape="1">
+        <p:blipFill>
           <a:blip r:embed="rId4">
             <a:duotone>
               <a:prstClr val="black"/>
-              <a:schemeClr val="accent3">
+              <a:schemeClr val="accent2">
                 <a:tint val="45000"/>
                 <a:satMod val="400000"/>
               </a:schemeClr>
@@ -22563,49 +22647,27 @@
               </a:ext>
             </a:extLst>
           </a:blip>
-          <a:srcRect l="42308" t="78337" r="43300" b="6359"/>
-          <a:stretch/>
+          <a:srcRect/>
+          <a:stretch>
+            <a:fillRect/>
+          </a:stretch>
         </p:blipFill>
         <p:spPr bwMode="auto">
           <a:xfrm>
-            <a:off x="3419872" y="4711120"/>
-            <a:ext cx="5491384" cy="1901887"/>
+            <a:off x="3373189" y="4797152"/>
+            <a:ext cx="5544049" cy="1815856"/>
           </a:xfrm>
-          <a:prstGeom prst="roundRect">
-            <a:avLst>
-              <a:gd name="adj" fmla="val 8594"/>
-            </a:avLst>
+          <a:prstGeom prst="rect">
+            <a:avLst/>
           </a:prstGeom>
-          <a:solidFill>
-            <a:srgbClr val="FFFFFF">
-              <a:shade val="85000"/>
-            </a:srgbClr>
-          </a:solidFill>
-          <a:ln>
-            <a:noFill/>
-          </a:ln>
-          <a:effectLst>
-            <a:reflection blurRad="12700" stA="38000" endPos="28000" dist="5000" dir="5400000" sy="-100000" algn="bl" rotWithShape="0"/>
-          </a:effectLst>
+          <a:noFill/>
           <a:extLst>
-            <a:ext uri="{91240B29-F687-4F45-9708-019B960494DF}">
-              <a14:hiddenLine xmlns:a14="http://schemas.microsoft.com/office/drawing/2010/main" w="9525">
+            <a:ext uri="{909E8E84-426E-40DD-AFC4-6F175D3DCCD1}">
+              <a14:hiddenFill xmlns:a14="http://schemas.microsoft.com/office/drawing/2010/main">
                 <a:solidFill>
-                  <a:schemeClr val="tx1"/>
+                  <a:srgbClr val="FFFFFF"/>
                 </a:solidFill>
-                <a:miter lim="800000"/>
-                <a:headEnd/>
-                <a:tailEnd/>
-              </a14:hiddenLine>
-            </a:ext>
-            <a:ext uri="{AF507438-7753-43E0-B8FC-AC1667EBCBE1}">
-              <a14:hiddenEffects xmlns:a14="http://schemas.microsoft.com/office/drawing/2010/main">
-                <a:effectLst>
-                  <a:outerShdw dist="35921" dir="2700000" algn="ctr" rotWithShape="0">
-                    <a:schemeClr val="bg2"/>
-                  </a:outerShdw>
-                </a:effectLst>
-              </a14:hiddenEffects>
+              </a14:hiddenFill>
             </a:ext>
           </a:extLst>
         </p:spPr>
@@ -22646,7 +22708,7 @@
                               <p:par>
                                 <p:cTn id="5" presetID="1" presetClass="entr" presetSubtype="0" fill="hold" nodeType="afterEffect">
                                   <p:stCondLst>
-                                    <p:cond delay="5000"/>
+                                    <p:cond delay="5500"/>
                                   </p:stCondLst>
                                   <p:childTnLst>
                                     <p:set>
@@ -22657,7 +22719,7 @@
                                           </p:stCondLst>
                                         </p:cTn>
                                         <p:tgtEl>
-                                          <p:spTgt spid="7"/>
+                                          <p:spTgt spid="3"/>
                                         </p:tgtEl>
                                         <p:attrNameLst>
                                           <p:attrName>style.visibility</p:attrName>
@@ -23209,7 +23271,7 @@
           <p:nvPr/>
         </p:nvPicPr>
         <p:blipFill rotWithShape="1">
-          <a:blip r:embed="rId2">
+          <a:blip r:embed="rId3">
             <a:extLst>
               <a:ext uri="{28A0092B-C50C-407E-A947-70E740481C1C}">
                 <a14:useLocalDpi xmlns:a14="http://schemas.microsoft.com/office/drawing/2010/main" val="0"/>
@@ -23246,65 +23308,26 @@
       </p:pic>
       <p:pic>
         <p:nvPicPr>
-          <p:cNvPr id="3074" name="Picture 2"/>
+          <p:cNvPr id="6" name="Imagem 5"/>
           <p:cNvPicPr>
-            <a:picLocks noChangeAspect="1" noChangeArrowheads="1"/>
+            <a:picLocks noChangeAspect="1"/>
           </p:cNvPicPr>
           <p:nvPr/>
         </p:nvPicPr>
-        <p:blipFill rotWithShape="1">
-          <a:blip r:embed="rId3">
-            <a:extLst>
-              <a:ext uri="{28A0092B-C50C-407E-A947-70E740481C1C}">
-                <a14:useLocalDpi xmlns:a14="http://schemas.microsoft.com/office/drawing/2010/main" val="0"/>
-              </a:ext>
-            </a:extLst>
-          </a:blip>
-          <a:srcRect l="-1" r="42983"/>
-          <a:stretch/>
+        <p:blipFill>
+          <a:blip r:embed="rId4"/>
+          <a:stretch>
+            <a:fillRect/>
+          </a:stretch>
         </p:blipFill>
-        <p:spPr bwMode="auto">
+        <p:spPr>
           <a:xfrm>
-            <a:off x="299200" y="1052736"/>
-            <a:ext cx="8521272" cy="4968552"/>
+            <a:off x="107505" y="1167687"/>
+            <a:ext cx="8928992" cy="5546401"/>
           </a:xfrm>
           <a:prstGeom prst="rect">
             <a:avLst/>
           </a:prstGeom>
-          <a:ln>
-            <a:noFill/>
-          </a:ln>
-          <a:effectLst>
-            <a:softEdge rad="112500"/>
-          </a:effectLst>
-          <a:extLst>
-            <a:ext uri="{909E8E84-426E-40DD-AFC4-6F175D3DCCD1}">
-              <a14:hiddenFill xmlns:a14="http://schemas.microsoft.com/office/drawing/2010/main">
-                <a:solidFill>
-                  <a:schemeClr val="accent1"/>
-                </a:solidFill>
-              </a14:hiddenFill>
-            </a:ext>
-            <a:ext uri="{91240B29-F687-4F45-9708-019B960494DF}">
-              <a14:hiddenLine xmlns:a14="http://schemas.microsoft.com/office/drawing/2010/main" w="9525">
-                <a:solidFill>
-                  <a:schemeClr val="tx1"/>
-                </a:solidFill>
-                <a:miter lim="800000"/>
-                <a:headEnd/>
-                <a:tailEnd/>
-              </a14:hiddenLine>
-            </a:ext>
-            <a:ext uri="{AF507438-7753-43E0-B8FC-AC1667EBCBE1}">
-              <a14:hiddenEffects xmlns:a14="http://schemas.microsoft.com/office/drawing/2010/main">
-                <a:effectLst>
-                  <a:outerShdw dist="35921" dir="2700000" algn="ctr" rotWithShape="0">
-                    <a:schemeClr val="bg2"/>
-                  </a:outerShdw>
-                </a:effectLst>
-              </a14:hiddenEffects>
-            </a:ext>
-          </a:extLst>
         </p:spPr>
       </p:pic>
     </p:spTree>

--- a/Ppt-Final.pptx
+++ b/Ppt-Final.pptx
@@ -127,7 +127,7 @@
   </p:defaultTextStyle>
   <p:extLst>
     <p:ext uri="{EFAFB233-063F-42B5-8137-9DF3F51BA10A}">
-      <p15:sldGuideLst xmlns:p15="http://schemas.microsoft.com/office/powerpoint/2012/main">
+      <p15:sldGuideLst xmlns:p15="http://schemas.microsoft.com/office/powerpoint/2012/main" xmlns="">
         <p15:guide id="1" orient="horz" pos="2160">
           <p15:clr>
             <a:srgbClr val="A4A3A4"/>
@@ -6428,7 +6428,7 @@
       <dgm:spPr/>
     </dgm:pt>
     <dgm:pt modelId="{3F240D39-27BF-4E23-88E7-47F174716589}" type="pres">
-      <dgm:prSet presAssocID="{CF015C9E-9BF7-4D93-97E5-18158D554CB5}" presName="LevelTwoTextNode" presStyleLbl="node3" presStyleIdx="0" presStyleCnt="1" custScaleX="90953" custScaleY="156935" custLinFactNeighborX="2605" custLinFactNeighborY="31923">
+      <dgm:prSet presAssocID="{CF015C9E-9BF7-4D93-97E5-18158D554CB5}" presName="LevelTwoTextNode" presStyleLbl="node3" presStyleIdx="0" presStyleCnt="1" custScaleX="90953" custScaleY="156935" custLinFactNeighborX="551" custLinFactNeighborY="22925">
         <dgm:presLayoutVars>
           <dgm:chPref val="3"/>
         </dgm:presLayoutVars>
@@ -9873,9 +9873,9 @@
         <dsp:cNvSpPr/>
       </dsp:nvSpPr>
       <dsp:spPr>
-        <a:xfrm rot="87347">
-          <a:off x="3342612" y="1157367"/>
-          <a:ext cx="673330" cy="65742"/>
+        <a:xfrm rot="21350655">
+          <a:off x="3341872" y="1125420"/>
+          <a:ext cx="645639" cy="65742"/>
         </a:xfrm>
         <a:custGeom>
           <a:avLst/>
@@ -9889,7 +9889,7 @@
                 <a:pt x="0" y="32871"/>
               </a:moveTo>
               <a:lnTo>
-                <a:pt x="673330" y="32871"/>
+                <a:pt x="645639" y="32871"/>
               </a:lnTo>
             </a:path>
           </a:pathLst>
@@ -9942,8 +9942,8 @@
         </a:p>
       </dsp:txBody>
       <dsp:txXfrm>
-        <a:off x="3662444" y="1173405"/>
-        <a:ext cx="33666" cy="33666"/>
+        <a:off x="3648551" y="1142150"/>
+        <a:ext cx="32281" cy="32281"/>
       </dsp:txXfrm>
     </dsp:sp>
     <dsp:sp modelId="{3F240D39-27BF-4E23-88E7-47F174716589}">
@@ -9953,7 +9953,7 @@
       </dsp:nvSpPr>
       <dsp:spPr>
         <a:xfrm>
-          <a:off x="4015833" y="641598"/>
+          <a:off x="3986663" y="577703"/>
           <a:ext cx="1291704" cy="1114386"/>
         </a:xfrm>
         <a:prstGeom prst="roundRect">
@@ -10019,7 +10019,7 @@
         </a:p>
       </dsp:txBody>
       <dsp:txXfrm>
-        <a:off x="4048472" y="674237"/>
+        <a:off x="4019302" y="610342"/>
         <a:ext cx="1226426" cy="1049108"/>
       </dsp:txXfrm>
     </dsp:sp>
@@ -10029,9 +10029,9 @@
         <dsp:cNvSpPr/>
       </dsp:nvSpPr>
       <dsp:spPr>
-        <a:xfrm rot="18705529">
-          <a:off x="5185122" y="892519"/>
-          <a:ext cx="733021" cy="65742"/>
+        <a:xfrm rot="19018365">
+          <a:off x="5183190" y="860572"/>
+          <a:ext cx="707715" cy="65742"/>
         </a:xfrm>
         <a:custGeom>
           <a:avLst/>
@@ -10045,7 +10045,7 @@
                 <a:pt x="0" y="32871"/>
               </a:moveTo>
               <a:lnTo>
-                <a:pt x="733021" y="32871"/>
+                <a:pt x="707715" y="32871"/>
               </a:lnTo>
             </a:path>
           </a:pathLst>
@@ -10098,8 +10098,8 @@
         </a:p>
       </dsp:txBody>
       <dsp:txXfrm>
-        <a:off x="5533307" y="907065"/>
-        <a:ext cx="36651" cy="36651"/>
+        <a:off x="5519355" y="875750"/>
+        <a:ext cx="35385" cy="35385"/>
       </dsp:txXfrm>
     </dsp:sp>
     <dsp:sp modelId="{C9FE6AAB-0763-4305-BA94-5BEB7902709A}">
@@ -17584,7 +17584,7 @@
           <a:p>
             <a:fld id="{3F5D9F91-5035-469D-968F-FE3C304D0282}" type="datetimeFigureOut">
               <a:rPr lang="pt-BR" smtClean="0"/>
-              <a:t>22/11/2018</a:t>
+              <a:t>23/11/2018</a:t>
             </a:fld>
             <a:endParaRPr lang="pt-BR"/>
           </a:p>
@@ -18480,7 +18480,7 @@
           <a:p>
             <a:fld id="{6170734A-4B5A-4F3B-B573-1E93A2DEC51B}" type="datetimeFigureOut">
               <a:rPr lang="pt-BR" smtClean="0"/>
-              <a:t>22/11/2018</a:t>
+              <a:t>23/11/2018</a:t>
             </a:fld>
             <a:endParaRPr lang="pt-BR"/>
           </a:p>
@@ -18645,7 +18645,7 @@
           <a:p>
             <a:fld id="{6170734A-4B5A-4F3B-B573-1E93A2DEC51B}" type="datetimeFigureOut">
               <a:rPr lang="pt-BR" smtClean="0"/>
-              <a:t>22/11/2018</a:t>
+              <a:t>23/11/2018</a:t>
             </a:fld>
             <a:endParaRPr lang="pt-BR"/>
           </a:p>
@@ -18820,7 +18820,7 @@
           <a:p>
             <a:fld id="{6170734A-4B5A-4F3B-B573-1E93A2DEC51B}" type="datetimeFigureOut">
               <a:rPr lang="pt-BR" smtClean="0"/>
-              <a:t>22/11/2018</a:t>
+              <a:t>23/11/2018</a:t>
             </a:fld>
             <a:endParaRPr lang="pt-BR"/>
           </a:p>
@@ -19003,7 +19003,7 @@
           <a:p>
             <a:fld id="{6170734A-4B5A-4F3B-B573-1E93A2DEC51B}" type="datetimeFigureOut">
               <a:rPr lang="pt-BR" smtClean="0"/>
-              <a:t>22/11/2018</a:t>
+              <a:t>23/11/2018</a:t>
             </a:fld>
             <a:endParaRPr lang="pt-BR"/>
           </a:p>
@@ -19265,7 +19265,7 @@
           <a:p>
             <a:fld id="{6170734A-4B5A-4F3B-B573-1E93A2DEC51B}" type="datetimeFigureOut">
               <a:rPr lang="pt-BR" smtClean="0"/>
-              <a:t>22/11/2018</a:t>
+              <a:t>23/11/2018</a:t>
             </a:fld>
             <a:endParaRPr lang="pt-BR"/>
           </a:p>
@@ -19613,7 +19613,7 @@
           <a:p>
             <a:fld id="{6170734A-4B5A-4F3B-B573-1E93A2DEC51B}" type="datetimeFigureOut">
               <a:rPr lang="pt-BR" smtClean="0"/>
-              <a:t>22/11/2018</a:t>
+              <a:t>23/11/2018</a:t>
             </a:fld>
             <a:endParaRPr lang="pt-BR"/>
           </a:p>
@@ -19921,7 +19921,7 @@
           <a:p>
             <a:fld id="{6170734A-4B5A-4F3B-B573-1E93A2DEC51B}" type="datetimeFigureOut">
               <a:rPr lang="pt-BR" smtClean="0"/>
-              <a:t>22/11/2018</a:t>
+              <a:t>23/11/2018</a:t>
             </a:fld>
             <a:endParaRPr lang="pt-BR"/>
           </a:p>
@@ -20148,7 +20148,7 @@
           <a:p>
             <a:fld id="{6170734A-4B5A-4F3B-B573-1E93A2DEC51B}" type="datetimeFigureOut">
               <a:rPr lang="pt-BR" smtClean="0"/>
-              <a:t>22/11/2018</a:t>
+              <a:t>23/11/2018</a:t>
             </a:fld>
             <a:endParaRPr lang="pt-BR"/>
           </a:p>
@@ -20238,7 +20238,7 @@
           <a:p>
             <a:fld id="{6170734A-4B5A-4F3B-B573-1E93A2DEC51B}" type="datetimeFigureOut">
               <a:rPr lang="pt-BR" smtClean="0"/>
-              <a:t>22/11/2018</a:t>
+              <a:t>23/11/2018</a:t>
             </a:fld>
             <a:endParaRPr lang="pt-BR"/>
           </a:p>
@@ -20526,7 +20526,7 @@
           <a:p>
             <a:fld id="{6170734A-4B5A-4F3B-B573-1E93A2DEC51B}" type="datetimeFigureOut">
               <a:rPr lang="pt-BR" smtClean="0"/>
-              <a:t>22/11/2018</a:t>
+              <a:t>23/11/2018</a:t>
             </a:fld>
             <a:endParaRPr lang="pt-BR"/>
           </a:p>
@@ -20795,7 +20795,7 @@
           <a:p>
             <a:fld id="{6170734A-4B5A-4F3B-B573-1E93A2DEC51B}" type="datetimeFigureOut">
               <a:rPr lang="pt-BR" smtClean="0"/>
-              <a:t>22/11/2018</a:t>
+              <a:t>23/11/2018</a:t>
             </a:fld>
             <a:endParaRPr lang="pt-BR"/>
           </a:p>
@@ -21005,7 +21005,7 @@
           <a:p>
             <a:fld id="{6170734A-4B5A-4F3B-B573-1E93A2DEC51B}" type="datetimeFigureOut">
               <a:rPr lang="pt-BR" smtClean="0"/>
-              <a:t>22/11/2018</a:t>
+              <a:t>23/11/2018</a:t>
             </a:fld>
             <a:endParaRPr lang="pt-BR"/>
           </a:p>
@@ -28041,7 +28041,7 @@
           <p:nvPr>
             <p:extLst>
               <p:ext uri="{D42A27DB-BD31-4B8C-83A1-F6EECF244321}">
-                <p14:modId xmlns:p14="http://schemas.microsoft.com/office/powerpoint/2010/main" val="3975017376"/>
+                <p14:modId xmlns:p14="http://schemas.microsoft.com/office/powerpoint/2010/main" val="318355517"/>
               </p:ext>
             </p:extLst>
           </p:nvPr>
@@ -28141,7 +28141,7 @@
         <p:spPr>
           <a:xfrm>
             <a:off x="2123728" y="3697850"/>
-            <a:ext cx="1159292" cy="369332"/>
+            <a:ext cx="1056700" cy="369332"/>
           </a:xfrm>
           <a:prstGeom prst="rect">
             <a:avLst/>
@@ -28160,7 +28160,7 @@
                   <a:srgbClr val="00B050"/>
                 </a:solidFill>
               </a:rPr>
-              <a:t>Servisses</a:t>
+              <a:t>Services</a:t>
             </a:r>
             <a:endParaRPr lang="pt-BR" b="1" dirty="0">
               <a:solidFill>
@@ -28227,7 +28227,7 @@
         <p:spPr>
           <a:xfrm>
             <a:off x="6012160" y="2974173"/>
-            <a:ext cx="1159292" cy="369332"/>
+            <a:ext cx="1056700" cy="369332"/>
           </a:xfrm>
           <a:prstGeom prst="rect">
             <a:avLst/>
@@ -28246,7 +28246,7 @@
                   <a:srgbClr val="00B050"/>
                 </a:solidFill>
               </a:rPr>
-              <a:t>Servisses</a:t>
+              <a:t>Services</a:t>
             </a:r>
             <a:endParaRPr lang="pt-BR" b="1" dirty="0">
               <a:solidFill>
@@ -28921,7 +28921,11 @@
             </a:r>
             <a:r>
               <a:rPr lang="pt-BR" sz="1600" dirty="0" smtClean="0"/>
-              <a:t>Servisse Java</a:t>
+              <a:t>Services </a:t>
+            </a:r>
+            <a:r>
+              <a:rPr lang="pt-BR" sz="1600" dirty="0" smtClean="0"/>
+              <a:t>Java</a:t>
             </a:r>
             <a:endParaRPr lang="pt-BR" sz="1600" dirty="0"/>
           </a:p>
@@ -28979,10 +28983,10 @@
           <a:p>
             <a:pPr algn="l"/>
             <a:r>
-              <a:rPr lang="pt-BR" sz="3200" dirty="0" smtClean="0"/>
+              <a:rPr lang="pt-BR" sz="2800" dirty="0" smtClean="0"/>
               <a:t>Arquitetura – integração de serviços</a:t>
             </a:r>
-            <a:endParaRPr lang="pt-BR" sz="3200" dirty="0"/>
+            <a:endParaRPr lang="pt-BR" sz="2800" dirty="0"/>
           </a:p>
         </p:txBody>
       </p:sp>
